--- a/docs/MentorenProgramm.pptx
+++ b/docs/MentorenProgramm.pptx
@@ -2,27 +2,29 @@
 <file path=ppt/presentation.xml><?xml version="1.0" encoding="utf-8"?>
 <p:presentation xmlns:a="http://schemas.openxmlformats.org/drawingml/2006/main" xmlns:r="http://schemas.openxmlformats.org/officeDocument/2006/relationships" xmlns:p="http://schemas.openxmlformats.org/presentationml/2006/main" saveSubsetFonts="1">
   <p:sldMasterIdLst>
-    <p:sldMasterId id="2147483648" r:id="rId1"/>
+    <p:sldMasterId id="2147483660" r:id="rId1"/>
   </p:sldMasterIdLst>
   <p:sldIdLst>
     <p:sldId id="256" r:id="rId2"/>
     <p:sldId id="257" r:id="rId3"/>
     <p:sldId id="258" r:id="rId4"/>
-    <p:sldId id="259" r:id="rId5"/>
-    <p:sldId id="260" r:id="rId6"/>
-    <p:sldId id="261" r:id="rId7"/>
-    <p:sldId id="262" r:id="rId8"/>
-    <p:sldId id="263" r:id="rId9"/>
-    <p:sldId id="264" r:id="rId10"/>
-    <p:sldId id="265" r:id="rId11"/>
+    <p:sldId id="266" r:id="rId5"/>
+    <p:sldId id="267" r:id="rId6"/>
+    <p:sldId id="259" r:id="rId7"/>
+    <p:sldId id="260" r:id="rId8"/>
+    <p:sldId id="261" r:id="rId9"/>
+    <p:sldId id="262" r:id="rId10"/>
+    <p:sldId id="263" r:id="rId11"/>
+    <p:sldId id="264" r:id="rId12"/>
+    <p:sldId id="265" r:id="rId13"/>
   </p:sldIdLst>
   <p:sldSz cx="12192000" cy="6858000"/>
   <p:notesSz cx="6858000" cy="9144000"/>
   <p:defaultTextStyle>
     <a:defPPr>
-      <a:defRPr lang="de-DE"/>
+      <a:defRPr lang="en-US"/>
     </a:defPPr>
-    <a:lvl1pPr marL="0" algn="l" defTabSz="914400" rtl="0" eaLnBrk="1" latinLnBrk="0" hangingPunct="1">
+    <a:lvl1pPr marL="0" algn="l" defTabSz="457200" rtl="0" eaLnBrk="1" latinLnBrk="0" hangingPunct="1">
       <a:defRPr sz="1800" kern="1200">
         <a:solidFill>
           <a:schemeClr val="tx1"/>
@@ -32,7 +34,7 @@
         <a:cs typeface="+mn-cs"/>
       </a:defRPr>
     </a:lvl1pPr>
-    <a:lvl2pPr marL="457200" algn="l" defTabSz="914400" rtl="0" eaLnBrk="1" latinLnBrk="0" hangingPunct="1">
+    <a:lvl2pPr marL="457200" algn="l" defTabSz="457200" rtl="0" eaLnBrk="1" latinLnBrk="0" hangingPunct="1">
       <a:defRPr sz="1800" kern="1200">
         <a:solidFill>
           <a:schemeClr val="tx1"/>
@@ -42,7 +44,7 @@
         <a:cs typeface="+mn-cs"/>
       </a:defRPr>
     </a:lvl2pPr>
-    <a:lvl3pPr marL="914400" algn="l" defTabSz="914400" rtl="0" eaLnBrk="1" latinLnBrk="0" hangingPunct="1">
+    <a:lvl3pPr marL="914400" algn="l" defTabSz="457200" rtl="0" eaLnBrk="1" latinLnBrk="0" hangingPunct="1">
       <a:defRPr sz="1800" kern="1200">
         <a:solidFill>
           <a:schemeClr val="tx1"/>
@@ -52,7 +54,7 @@
         <a:cs typeface="+mn-cs"/>
       </a:defRPr>
     </a:lvl3pPr>
-    <a:lvl4pPr marL="1371600" algn="l" defTabSz="914400" rtl="0" eaLnBrk="1" latinLnBrk="0" hangingPunct="1">
+    <a:lvl4pPr marL="1371600" algn="l" defTabSz="457200" rtl="0" eaLnBrk="1" latinLnBrk="0" hangingPunct="1">
       <a:defRPr sz="1800" kern="1200">
         <a:solidFill>
           <a:schemeClr val="tx1"/>
@@ -62,7 +64,7 @@
         <a:cs typeface="+mn-cs"/>
       </a:defRPr>
     </a:lvl4pPr>
-    <a:lvl5pPr marL="1828800" algn="l" defTabSz="914400" rtl="0" eaLnBrk="1" latinLnBrk="0" hangingPunct="1">
+    <a:lvl5pPr marL="1828800" algn="l" defTabSz="457200" rtl="0" eaLnBrk="1" latinLnBrk="0" hangingPunct="1">
       <a:defRPr sz="1800" kern="1200">
         <a:solidFill>
           <a:schemeClr val="tx1"/>
@@ -72,7 +74,7 @@
         <a:cs typeface="+mn-cs"/>
       </a:defRPr>
     </a:lvl5pPr>
-    <a:lvl6pPr marL="2286000" algn="l" defTabSz="914400" rtl="0" eaLnBrk="1" latinLnBrk="0" hangingPunct="1">
+    <a:lvl6pPr marL="2286000" algn="l" defTabSz="457200" rtl="0" eaLnBrk="1" latinLnBrk="0" hangingPunct="1">
       <a:defRPr sz="1800" kern="1200">
         <a:solidFill>
           <a:schemeClr val="tx1"/>
@@ -82,7 +84,7 @@
         <a:cs typeface="+mn-cs"/>
       </a:defRPr>
     </a:lvl6pPr>
-    <a:lvl7pPr marL="2743200" algn="l" defTabSz="914400" rtl="0" eaLnBrk="1" latinLnBrk="0" hangingPunct="1">
+    <a:lvl7pPr marL="2743200" algn="l" defTabSz="457200" rtl="0" eaLnBrk="1" latinLnBrk="0" hangingPunct="1">
       <a:defRPr sz="1800" kern="1200">
         <a:solidFill>
           <a:schemeClr val="tx1"/>
@@ -92,7 +94,7 @@
         <a:cs typeface="+mn-cs"/>
       </a:defRPr>
     </a:lvl7pPr>
-    <a:lvl8pPr marL="3200400" algn="l" defTabSz="914400" rtl="0" eaLnBrk="1" latinLnBrk="0" hangingPunct="1">
+    <a:lvl8pPr marL="3200400" algn="l" defTabSz="457200" rtl="0" eaLnBrk="1" latinLnBrk="0" hangingPunct="1">
       <a:defRPr sz="1800" kern="1200">
         <a:solidFill>
           <a:schemeClr val="tx1"/>
@@ -102,7 +104,7 @@
         <a:cs typeface="+mn-cs"/>
       </a:defRPr>
     </a:lvl8pPr>
-    <a:lvl9pPr marL="3657600" algn="l" defTabSz="914400" rtl="0" eaLnBrk="1" latinLnBrk="0" hangingPunct="1">
+    <a:lvl9pPr marL="3657600" algn="l" defTabSz="457200" rtl="0" eaLnBrk="1" latinLnBrk="0" hangingPunct="1">
       <a:defRPr sz="1800" kern="1200">
         <a:solidFill>
           <a:schemeClr val="tx1"/>
@@ -138,15 +140,148 @@
           <a:chExt cx="0" cy="0"/>
         </a:xfrm>
       </p:grpSpPr>
-      <p:sp>
-        <p:nvSpPr>
-          <p:cNvPr id="2" name="Titel 1">
+      <p:pic>
+        <p:nvPicPr>
+          <p:cNvPr id="7" name="Picture 6" descr="HD-ShadowLong.png"/>
+          <p:cNvPicPr>
+            <a:picLocks noChangeAspect="1"/>
+          </p:cNvPicPr>
+          <p:nvPr/>
+        </p:nvPicPr>
+        <p:blipFill>
+          <a:blip r:embed="rId2">
             <a:extLst>
-              <a:ext uri="{FF2B5EF4-FFF2-40B4-BE49-F238E27FC236}">
-                <a16:creationId xmlns:a16="http://schemas.microsoft.com/office/drawing/2014/main" id="{1CEC7542-26D5-0809-56F5-B173989AD92E}"/>
+              <a:ext uri="{28A0092B-C50C-407E-A947-70E740481C1C}">
+                <a14:useLocalDpi xmlns:a14="http://schemas.microsoft.com/office/drawing/2010/main" val="0"/>
               </a:ext>
             </a:extLst>
-          </p:cNvPr>
+          </a:blip>
+          <a:stretch>
+            <a:fillRect/>
+          </a:stretch>
+        </p:blipFill>
+        <p:spPr>
+          <a:xfrm>
+            <a:off x="1" y="4242851"/>
+            <a:ext cx="8968084" cy="275942"/>
+          </a:xfrm>
+          <a:prstGeom prst="rect">
+            <a:avLst/>
+          </a:prstGeom>
+        </p:spPr>
+      </p:pic>
+      <p:pic>
+        <p:nvPicPr>
+          <p:cNvPr id="8" name="Picture 7" descr="HD-ShadowShort.png"/>
+          <p:cNvPicPr>
+            <a:picLocks noChangeAspect="1"/>
+          </p:cNvPicPr>
+          <p:nvPr/>
+        </p:nvPicPr>
+        <p:blipFill>
+          <a:blip r:embed="rId3">
+            <a:extLst>
+              <a:ext uri="{28A0092B-C50C-407E-A947-70E740481C1C}">
+                <a14:useLocalDpi xmlns:a14="http://schemas.microsoft.com/office/drawing/2010/main" val="0"/>
+              </a:ext>
+            </a:extLst>
+          </a:blip>
+          <a:stretch>
+            <a:fillRect/>
+          </a:stretch>
+        </p:blipFill>
+        <p:spPr>
+          <a:xfrm>
+            <a:off x="9111716" y="4243845"/>
+            <a:ext cx="3077108" cy="276940"/>
+          </a:xfrm>
+          <a:prstGeom prst="rect">
+            <a:avLst/>
+          </a:prstGeom>
+        </p:spPr>
+      </p:pic>
+      <p:sp>
+        <p:nvSpPr>
+          <p:cNvPr id="9" name="Rectangle 8"/>
+          <p:cNvSpPr/>
+          <p:nvPr/>
+        </p:nvSpPr>
+        <p:spPr bwMode="ltGray">
+          <a:xfrm>
+            <a:off x="0" y="2590078"/>
+            <a:ext cx="8968085" cy="1660332"/>
+          </a:xfrm>
+          <a:prstGeom prst="rect">
+            <a:avLst/>
+          </a:prstGeom>
+          <a:solidFill>
+            <a:schemeClr val="bg1">
+              <a:lumMod val="85000"/>
+              <a:lumOff val="15000"/>
+            </a:schemeClr>
+          </a:solidFill>
+          <a:ln>
+            <a:noFill/>
+          </a:ln>
+        </p:spPr>
+        <p:style>
+          <a:lnRef idx="2">
+            <a:schemeClr val="accent1">
+              <a:shade val="50000"/>
+            </a:schemeClr>
+          </a:lnRef>
+          <a:fillRef idx="1">
+            <a:schemeClr val="accent1"/>
+          </a:fillRef>
+          <a:effectRef idx="0">
+            <a:schemeClr val="accent1"/>
+          </a:effectRef>
+          <a:fontRef idx="minor">
+            <a:schemeClr val="lt1"/>
+          </a:fontRef>
+        </p:style>
+      </p:sp>
+      <p:sp>
+        <p:nvSpPr>
+          <p:cNvPr id="10" name="Rectangle 9"/>
+          <p:cNvSpPr/>
+          <p:nvPr/>
+        </p:nvSpPr>
+        <p:spPr>
+          <a:xfrm>
+            <a:off x="9111715" y="2590078"/>
+            <a:ext cx="3077109" cy="1660332"/>
+          </a:xfrm>
+          <a:prstGeom prst="rect">
+            <a:avLst/>
+          </a:prstGeom>
+          <a:solidFill>
+            <a:schemeClr val="accent1"/>
+          </a:solidFill>
+          <a:ln>
+            <a:noFill/>
+          </a:ln>
+        </p:spPr>
+        <p:style>
+          <a:lnRef idx="2">
+            <a:schemeClr val="accent1">
+              <a:shade val="50000"/>
+            </a:schemeClr>
+          </a:lnRef>
+          <a:fillRef idx="1">
+            <a:schemeClr val="accent1"/>
+          </a:fillRef>
+          <a:effectRef idx="0">
+            <a:schemeClr val="accent1"/>
+          </a:effectRef>
+          <a:fontRef idx="minor">
+            <a:schemeClr val="lt1"/>
+          </a:fontRef>
+        </p:style>
+      </p:sp>
+      <p:sp>
+        <p:nvSpPr>
+          <p:cNvPr id="2" name="Title 1"/>
           <p:cNvSpPr>
             <a:spLocks noGrp="1"/>
           </p:cNvSpPr>
@@ -156,15 +291,17 @@
         </p:nvSpPr>
         <p:spPr>
           <a:xfrm>
-            <a:off x="1524000" y="1122363"/>
-            <a:ext cx="9144000" cy="2387600"/>
-          </a:xfrm>
-        </p:spPr>
-        <p:txBody>
-          <a:bodyPr anchor="b"/>
+            <a:off x="680322" y="2733709"/>
+            <a:ext cx="8144134" cy="1373070"/>
+          </a:xfrm>
+        </p:spPr>
+        <p:txBody>
+          <a:bodyPr anchor="b">
+            <a:noAutofit/>
+          </a:bodyPr>
           <a:lstStyle>
-            <a:lvl1pPr algn="ctr">
-              <a:defRPr sz="6000"/>
+            <a:lvl1pPr algn="r">
+              <a:defRPr sz="5400"/>
             </a:lvl1pPr>
           </a:lstStyle>
           <a:p>
@@ -172,19 +309,13 @@
               <a:rPr lang="de-DE"/>
               <a:t>Mastertitelformat bearbeiten</a:t>
             </a:r>
-            <a:endParaRPr lang="de-AT"/>
-          </a:p>
-        </p:txBody>
-      </p:sp>
-      <p:sp>
-        <p:nvSpPr>
-          <p:cNvPr id="3" name="Untertitel 2">
-            <a:extLst>
-              <a:ext uri="{FF2B5EF4-FFF2-40B4-BE49-F238E27FC236}">
-                <a16:creationId xmlns:a16="http://schemas.microsoft.com/office/drawing/2014/main" id="{E53E0E14-669E-FFCC-C159-0A548B785A9D}"/>
-              </a:ext>
-            </a:extLst>
-          </p:cNvPr>
+            <a:endParaRPr lang="en-US" dirty="0"/>
+          </a:p>
+        </p:txBody>
+      </p:sp>
+      <p:sp>
+        <p:nvSpPr>
+          <p:cNvPr id="3" name="Subtitle 2"/>
           <p:cNvSpPr>
             <a:spLocks noGrp="1"/>
           </p:cNvSpPr>
@@ -194,16 +325,18 @@
         </p:nvSpPr>
         <p:spPr>
           <a:xfrm>
-            <a:off x="1524000" y="3602038"/>
-            <a:ext cx="9144000" cy="1655762"/>
-          </a:xfrm>
-        </p:spPr>
-        <p:txBody>
-          <a:bodyPr/>
+            <a:off x="680322" y="4394039"/>
+            <a:ext cx="8144134" cy="1117687"/>
+          </a:xfrm>
+        </p:spPr>
+        <p:txBody>
+          <a:bodyPr>
+            <a:normAutofit/>
+          </a:bodyPr>
           <a:lstStyle>
-            <a:lvl1pPr marL="0" indent="0" algn="ctr">
-              <a:buNone/>
-              <a:defRPr sz="2400"/>
+            <a:lvl1pPr marL="0" indent="0" algn="r">
+              <a:buNone/>
+              <a:defRPr sz="2000"/>
             </a:lvl1pPr>
             <a:lvl2pPr marL="457200" indent="0" algn="ctr">
               <a:buNone/>
@@ -243,19 +376,13 @@
               <a:rPr lang="de-DE"/>
               <a:t>Master-Untertitelformat bearbeiten</a:t>
             </a:r>
-            <a:endParaRPr lang="de-AT"/>
-          </a:p>
-        </p:txBody>
-      </p:sp>
-      <p:sp>
-        <p:nvSpPr>
-          <p:cNvPr id="4" name="Datumsplatzhalter 3">
-            <a:extLst>
-              <a:ext uri="{FF2B5EF4-FFF2-40B4-BE49-F238E27FC236}">
-                <a16:creationId xmlns:a16="http://schemas.microsoft.com/office/drawing/2014/main" id="{4633A5BC-0A76-1150-931C-2AA2D5446F29}"/>
-              </a:ext>
-            </a:extLst>
-          </p:cNvPr>
+            <a:endParaRPr lang="en-US" dirty="0"/>
+          </a:p>
+        </p:txBody>
+      </p:sp>
+      <p:sp>
+        <p:nvSpPr>
+          <p:cNvPr id="4" name="Date Placeholder 3"/>
           <p:cNvSpPr>
             <a:spLocks noGrp="1"/>
           </p:cNvSpPr>
@@ -278,13 +405,7 @@
       </p:sp>
       <p:sp>
         <p:nvSpPr>
-          <p:cNvPr id="5" name="Fußzeilenplatzhalter 4">
-            <a:extLst>
-              <a:ext uri="{FF2B5EF4-FFF2-40B4-BE49-F238E27FC236}">
-                <a16:creationId xmlns:a16="http://schemas.microsoft.com/office/drawing/2014/main" id="{63B16993-F06C-1683-9326-48D424848B9C}"/>
-              </a:ext>
-            </a:extLst>
-          </p:cNvPr>
+          <p:cNvPr id="5" name="Footer Placeholder 4"/>
           <p:cNvSpPr>
             <a:spLocks noGrp="1"/>
           </p:cNvSpPr>
@@ -303,13 +424,7 @@
       </p:sp>
       <p:sp>
         <p:nvSpPr>
-          <p:cNvPr id="6" name="Foliennummernplatzhalter 5">
-            <a:extLst>
-              <a:ext uri="{FF2B5EF4-FFF2-40B4-BE49-F238E27FC236}">
-                <a16:creationId xmlns:a16="http://schemas.microsoft.com/office/drawing/2014/main" id="{476275EA-FF5C-3198-C7C5-5857DB9F07B6}"/>
-              </a:ext>
-            </a:extLst>
-          </p:cNvPr>
+          <p:cNvPr id="6" name="Slide Number Placeholder 5"/>
           <p:cNvSpPr>
             <a:spLocks noGrp="1"/>
           </p:cNvSpPr>
@@ -317,7 +432,12 @@
             <p:ph type="sldNum" sz="quarter" idx="12"/>
           </p:nvPr>
         </p:nvSpPr>
-        <p:spPr/>
+        <p:spPr>
+          <a:xfrm>
+            <a:off x="9255346" y="2750337"/>
+            <a:ext cx="1171888" cy="1356442"/>
+          </a:xfrm>
+        </p:spPr>
         <p:txBody>
           <a:bodyPr/>
           <a:lstStyle/>
@@ -333,7 +453,7 @@
     </p:spTree>
     <p:extLst>
       <p:ext uri="{BB962C8B-B14F-4D97-AF65-F5344CB8AC3E}">
-        <p14:creationId xmlns:p14="http://schemas.microsoft.com/office/powerpoint/2010/main" val="1670457076"/>
+        <p14:creationId xmlns:p14="http://schemas.microsoft.com/office/powerpoint/2010/main" val="4174127535"/>
       </p:ext>
     </p:extLst>
   </p:cSld>
@@ -344,6 +464,3318 @@
 </file>
 
 <file path=ppt/slideLayouts/slideLayout10.xml><?xml version="1.0" encoding="utf-8"?>
+<p:sldLayout xmlns:a="http://schemas.openxmlformats.org/drawingml/2006/main" xmlns:r="http://schemas.openxmlformats.org/officeDocument/2006/relationships" xmlns:p="http://schemas.openxmlformats.org/presentationml/2006/main" preserve="1">
+  <p:cSld name="Panoramabild mit Beschriftung">
+    <p:spTree>
+      <p:nvGrpSpPr>
+        <p:cNvPr id="1" name=""/>
+        <p:cNvGrpSpPr/>
+        <p:nvPr/>
+      </p:nvGrpSpPr>
+      <p:grpSpPr>
+        <a:xfrm>
+          <a:off x="0" y="0"/>
+          <a:ext cx="0" cy="0"/>
+          <a:chOff x="0" y="0"/>
+          <a:chExt cx="0" cy="0"/>
+        </a:xfrm>
+      </p:grpSpPr>
+      <p:pic>
+        <p:nvPicPr>
+          <p:cNvPr id="8" name="Picture 7" descr="HD-ShadowLong.png"/>
+          <p:cNvPicPr>
+            <a:picLocks noChangeAspect="1"/>
+          </p:cNvPicPr>
+          <p:nvPr/>
+        </p:nvPicPr>
+        <p:blipFill>
+          <a:blip r:embed="rId2">
+            <a:extLst>
+              <a:ext uri="{28A0092B-C50C-407E-A947-70E740481C1C}">
+                <a14:useLocalDpi xmlns:a14="http://schemas.microsoft.com/office/drawing/2010/main" val="0"/>
+              </a:ext>
+            </a:extLst>
+          </a:blip>
+          <a:stretch>
+            <a:fillRect/>
+          </a:stretch>
+        </p:blipFill>
+        <p:spPr>
+          <a:xfrm>
+            <a:off x="1" y="5928628"/>
+            <a:ext cx="10437812" cy="321164"/>
+          </a:xfrm>
+          <a:prstGeom prst="rect">
+            <a:avLst/>
+          </a:prstGeom>
+        </p:spPr>
+      </p:pic>
+      <p:pic>
+        <p:nvPicPr>
+          <p:cNvPr id="9" name="Picture 8" descr="HD-ShadowShort.png"/>
+          <p:cNvPicPr>
+            <a:picLocks noChangeAspect="1"/>
+          </p:cNvPicPr>
+          <p:nvPr/>
+        </p:nvPicPr>
+        <p:blipFill>
+          <a:blip r:embed="rId3">
+            <a:extLst>
+              <a:ext uri="{28A0092B-C50C-407E-A947-70E740481C1C}">
+                <a14:useLocalDpi xmlns:a14="http://schemas.microsoft.com/office/drawing/2010/main" val="0"/>
+              </a:ext>
+            </a:extLst>
+          </a:blip>
+          <a:stretch>
+            <a:fillRect/>
+          </a:stretch>
+        </p:blipFill>
+        <p:spPr>
+          <a:xfrm>
+            <a:off x="10585826" y="5929622"/>
+            <a:ext cx="1602997" cy="144270"/>
+          </a:xfrm>
+          <a:prstGeom prst="rect">
+            <a:avLst/>
+          </a:prstGeom>
+        </p:spPr>
+      </p:pic>
+      <p:sp>
+        <p:nvSpPr>
+          <p:cNvPr id="10" name="Rectangle 9"/>
+          <p:cNvSpPr/>
+          <p:nvPr/>
+        </p:nvSpPr>
+        <p:spPr bwMode="ltGray">
+          <a:xfrm>
+            <a:off x="0" y="4567988"/>
+            <a:ext cx="10437812" cy="1368198"/>
+          </a:xfrm>
+          <a:prstGeom prst="rect">
+            <a:avLst/>
+          </a:prstGeom>
+          <a:solidFill>
+            <a:schemeClr val="bg1">
+              <a:lumMod val="85000"/>
+              <a:lumOff val="15000"/>
+            </a:schemeClr>
+          </a:solidFill>
+          <a:ln>
+            <a:noFill/>
+          </a:ln>
+        </p:spPr>
+        <p:style>
+          <a:lnRef idx="2">
+            <a:schemeClr val="accent1">
+              <a:shade val="50000"/>
+            </a:schemeClr>
+          </a:lnRef>
+          <a:fillRef idx="1">
+            <a:schemeClr val="accent1"/>
+          </a:fillRef>
+          <a:effectRef idx="0">
+            <a:schemeClr val="accent1"/>
+          </a:effectRef>
+          <a:fontRef idx="minor">
+            <a:schemeClr val="lt1"/>
+          </a:fontRef>
+        </p:style>
+      </p:sp>
+      <p:sp>
+        <p:nvSpPr>
+          <p:cNvPr id="11" name="Rectangle 10"/>
+          <p:cNvSpPr/>
+          <p:nvPr/>
+        </p:nvSpPr>
+        <p:spPr>
+          <a:xfrm>
+            <a:off x="10585827" y="4567988"/>
+            <a:ext cx="1602997" cy="1368198"/>
+          </a:xfrm>
+          <a:prstGeom prst="rect">
+            <a:avLst/>
+          </a:prstGeom>
+          <a:solidFill>
+            <a:schemeClr val="accent1"/>
+          </a:solidFill>
+          <a:ln>
+            <a:noFill/>
+          </a:ln>
+        </p:spPr>
+        <p:style>
+          <a:lnRef idx="2">
+            <a:schemeClr val="accent1">
+              <a:shade val="50000"/>
+            </a:schemeClr>
+          </a:lnRef>
+          <a:fillRef idx="1">
+            <a:schemeClr val="accent1"/>
+          </a:fillRef>
+          <a:effectRef idx="0">
+            <a:schemeClr val="accent1"/>
+          </a:effectRef>
+          <a:fontRef idx="minor">
+            <a:schemeClr val="lt1"/>
+          </a:fontRef>
+        </p:style>
+      </p:sp>
+      <p:sp>
+        <p:nvSpPr>
+          <p:cNvPr id="2" name="Title 1"/>
+          <p:cNvSpPr>
+            <a:spLocks noGrp="1"/>
+          </p:cNvSpPr>
+          <p:nvPr>
+            <p:ph type="title"/>
+          </p:nvPr>
+        </p:nvSpPr>
+        <p:spPr>
+          <a:xfrm>
+            <a:off x="680322" y="4711616"/>
+            <a:ext cx="9613859" cy="453051"/>
+          </a:xfrm>
+        </p:spPr>
+        <p:txBody>
+          <a:bodyPr anchor="b">
+            <a:normAutofit/>
+          </a:bodyPr>
+          <a:lstStyle>
+            <a:lvl1pPr>
+              <a:defRPr sz="2400"/>
+            </a:lvl1pPr>
+          </a:lstStyle>
+          <a:p>
+            <a:r>
+              <a:rPr lang="de-DE"/>
+              <a:t>Mastertitelformat bearbeiten</a:t>
+            </a:r>
+            <a:endParaRPr lang="en-US" dirty="0"/>
+          </a:p>
+        </p:txBody>
+      </p:sp>
+      <p:sp>
+        <p:nvSpPr>
+          <p:cNvPr id="3" name="Picture Placeholder 2"/>
+          <p:cNvSpPr>
+            <a:spLocks noGrp="1" noChangeAspect="1"/>
+          </p:cNvSpPr>
+          <p:nvPr>
+            <p:ph type="pic" idx="1"/>
+          </p:nvPr>
+        </p:nvSpPr>
+        <p:spPr>
+          <a:xfrm>
+            <a:off x="680322" y="609597"/>
+            <a:ext cx="9613859" cy="3589575"/>
+          </a:xfrm>
+          <a:noFill/>
+          <a:ln>
+            <a:noFill/>
+          </a:ln>
+          <a:effectLst>
+            <a:outerShdw blurRad="76200" dist="63500" dir="5040000" algn="tl" rotWithShape="0">
+              <a:srgbClr val="000000">
+                <a:alpha val="41000"/>
+              </a:srgbClr>
+            </a:outerShdw>
+          </a:effectLst>
+        </p:spPr>
+        <p:txBody>
+          <a:bodyPr anchor="t"/>
+          <a:lstStyle>
+            <a:lvl1pPr marL="0" indent="0">
+              <a:buNone/>
+              <a:defRPr sz="3200"/>
+            </a:lvl1pPr>
+            <a:lvl2pPr marL="457200" indent="0">
+              <a:buNone/>
+              <a:defRPr sz="2800"/>
+            </a:lvl2pPr>
+            <a:lvl3pPr marL="914400" indent="0">
+              <a:buNone/>
+              <a:defRPr sz="2400"/>
+            </a:lvl3pPr>
+            <a:lvl4pPr marL="1371600" indent="0">
+              <a:buNone/>
+              <a:defRPr sz="2000"/>
+            </a:lvl4pPr>
+            <a:lvl5pPr marL="1828800" indent="0">
+              <a:buNone/>
+              <a:defRPr sz="2000"/>
+            </a:lvl5pPr>
+            <a:lvl6pPr marL="2286000" indent="0">
+              <a:buNone/>
+              <a:defRPr sz="2000"/>
+            </a:lvl6pPr>
+            <a:lvl7pPr marL="2743200" indent="0">
+              <a:buNone/>
+              <a:defRPr sz="2000"/>
+            </a:lvl7pPr>
+            <a:lvl8pPr marL="3200400" indent="0">
+              <a:buNone/>
+              <a:defRPr sz="2000"/>
+            </a:lvl8pPr>
+            <a:lvl9pPr marL="3657600" indent="0">
+              <a:buNone/>
+              <a:defRPr sz="2000"/>
+            </a:lvl9pPr>
+          </a:lstStyle>
+          <a:p>
+            <a:r>
+              <a:rPr lang="de-DE"/>
+              <a:t>Bild durch Klicken auf Symbol hinzufügen</a:t>
+            </a:r>
+            <a:endParaRPr lang="en-US" dirty="0"/>
+          </a:p>
+        </p:txBody>
+      </p:sp>
+      <p:sp>
+        <p:nvSpPr>
+          <p:cNvPr id="4" name="Text Placeholder 3"/>
+          <p:cNvSpPr>
+            <a:spLocks noGrp="1"/>
+          </p:cNvSpPr>
+          <p:nvPr>
+            <p:ph type="body" sz="half" idx="2"/>
+          </p:nvPr>
+        </p:nvSpPr>
+        <p:spPr>
+          <a:xfrm>
+            <a:off x="680319" y="5169583"/>
+            <a:ext cx="9613862" cy="622971"/>
+          </a:xfrm>
+        </p:spPr>
+        <p:txBody>
+          <a:bodyPr/>
+          <a:lstStyle>
+            <a:lvl1pPr marL="0" indent="0">
+              <a:buNone/>
+              <a:defRPr sz="1600"/>
+            </a:lvl1pPr>
+            <a:lvl2pPr marL="457200" indent="0">
+              <a:buNone/>
+              <a:defRPr sz="1400"/>
+            </a:lvl2pPr>
+            <a:lvl3pPr marL="914400" indent="0">
+              <a:buNone/>
+              <a:defRPr sz="1200"/>
+            </a:lvl3pPr>
+            <a:lvl4pPr marL="1371600" indent="0">
+              <a:buNone/>
+              <a:defRPr sz="1000"/>
+            </a:lvl4pPr>
+            <a:lvl5pPr marL="1828800" indent="0">
+              <a:buNone/>
+              <a:defRPr sz="1000"/>
+            </a:lvl5pPr>
+            <a:lvl6pPr marL="2286000" indent="0">
+              <a:buNone/>
+              <a:defRPr sz="1000"/>
+            </a:lvl6pPr>
+            <a:lvl7pPr marL="2743200" indent="0">
+              <a:buNone/>
+              <a:defRPr sz="1000"/>
+            </a:lvl7pPr>
+            <a:lvl8pPr marL="3200400" indent="0">
+              <a:buNone/>
+              <a:defRPr sz="1000"/>
+            </a:lvl8pPr>
+            <a:lvl9pPr marL="3657600" indent="0">
+              <a:buNone/>
+              <a:defRPr sz="1000"/>
+            </a:lvl9pPr>
+          </a:lstStyle>
+          <a:p>
+            <a:pPr lvl="0"/>
+            <a:r>
+              <a:rPr lang="de-DE"/>
+              <a:t>Mastertextformat bearbeiten</a:t>
+            </a:r>
+          </a:p>
+        </p:txBody>
+      </p:sp>
+      <p:sp>
+        <p:nvSpPr>
+          <p:cNvPr id="5" name="Date Placeholder 4"/>
+          <p:cNvSpPr>
+            <a:spLocks noGrp="1"/>
+          </p:cNvSpPr>
+          <p:nvPr>
+            <p:ph type="dt" sz="half" idx="10"/>
+          </p:nvPr>
+        </p:nvSpPr>
+        <p:spPr/>
+        <p:txBody>
+          <a:bodyPr/>
+          <a:lstStyle/>
+          <a:p>
+            <a:fld id="{1DBDC18B-B64D-4363-B3F8-4904739517FD}" type="datetimeFigureOut">
+              <a:rPr lang="de-AT" smtClean="0"/>
+              <a:t>09.11.2023</a:t>
+            </a:fld>
+            <a:endParaRPr lang="de-AT"/>
+          </a:p>
+        </p:txBody>
+      </p:sp>
+      <p:sp>
+        <p:nvSpPr>
+          <p:cNvPr id="6" name="Footer Placeholder 5"/>
+          <p:cNvSpPr>
+            <a:spLocks noGrp="1"/>
+          </p:cNvSpPr>
+          <p:nvPr>
+            <p:ph type="ftr" sz="quarter" idx="11"/>
+          </p:nvPr>
+        </p:nvSpPr>
+        <p:spPr/>
+        <p:txBody>
+          <a:bodyPr/>
+          <a:lstStyle/>
+          <a:p>
+            <a:endParaRPr lang="de-AT"/>
+          </a:p>
+        </p:txBody>
+      </p:sp>
+      <p:sp>
+        <p:nvSpPr>
+          <p:cNvPr id="7" name="Slide Number Placeholder 6"/>
+          <p:cNvSpPr>
+            <a:spLocks noGrp="1"/>
+          </p:cNvSpPr>
+          <p:nvPr>
+            <p:ph type="sldNum" sz="quarter" idx="12"/>
+          </p:nvPr>
+        </p:nvSpPr>
+        <p:spPr>
+          <a:xfrm>
+            <a:off x="10729455" y="4711309"/>
+            <a:ext cx="1154151" cy="1090789"/>
+          </a:xfrm>
+        </p:spPr>
+        <p:txBody>
+          <a:bodyPr/>
+          <a:lstStyle/>
+          <a:p>
+            <a:fld id="{0C71A69C-1F5A-4034-BC37-A2E57171137F}" type="slidenum">
+              <a:rPr lang="de-AT" smtClean="0"/>
+              <a:t>‹Nr.›</a:t>
+            </a:fld>
+            <a:endParaRPr lang="de-AT"/>
+          </a:p>
+        </p:txBody>
+      </p:sp>
+    </p:spTree>
+    <p:extLst>
+      <p:ext uri="{BB962C8B-B14F-4D97-AF65-F5344CB8AC3E}">
+        <p14:creationId xmlns:p14="http://schemas.microsoft.com/office/powerpoint/2010/main" val="795531880"/>
+      </p:ext>
+    </p:extLst>
+  </p:cSld>
+  <p:clrMapOvr>
+    <a:masterClrMapping/>
+  </p:clrMapOvr>
+</p:sldLayout>
+</file>
+
+<file path=ppt/slideLayouts/slideLayout11.xml><?xml version="1.0" encoding="utf-8"?>
+<p:sldLayout xmlns:a="http://schemas.openxmlformats.org/drawingml/2006/main" xmlns:r="http://schemas.openxmlformats.org/officeDocument/2006/relationships" xmlns:p="http://schemas.openxmlformats.org/presentationml/2006/main" preserve="1">
+  <p:cSld name="Titel und Beschriftung">
+    <p:spTree>
+      <p:nvGrpSpPr>
+        <p:cNvPr id="1" name=""/>
+        <p:cNvGrpSpPr/>
+        <p:nvPr/>
+      </p:nvGrpSpPr>
+      <p:grpSpPr>
+        <a:xfrm>
+          <a:off x="0" y="0"/>
+          <a:ext cx="0" cy="0"/>
+          <a:chOff x="0" y="0"/>
+          <a:chExt cx="0" cy="0"/>
+        </a:xfrm>
+      </p:grpSpPr>
+      <p:pic>
+        <p:nvPicPr>
+          <p:cNvPr id="8" name="Picture 7" descr="HD-ShadowLong.png"/>
+          <p:cNvPicPr>
+            <a:picLocks noChangeAspect="1"/>
+          </p:cNvPicPr>
+          <p:nvPr/>
+        </p:nvPicPr>
+        <p:blipFill>
+          <a:blip r:embed="rId2">
+            <a:extLst>
+              <a:ext uri="{28A0092B-C50C-407E-A947-70E740481C1C}">
+                <a14:useLocalDpi xmlns:a14="http://schemas.microsoft.com/office/drawing/2010/main" val="0"/>
+              </a:ext>
+            </a:extLst>
+          </a:blip>
+          <a:stretch>
+            <a:fillRect/>
+          </a:stretch>
+        </p:blipFill>
+        <p:spPr>
+          <a:xfrm>
+            <a:off x="1" y="5928628"/>
+            <a:ext cx="10437812" cy="321164"/>
+          </a:xfrm>
+          <a:prstGeom prst="rect">
+            <a:avLst/>
+          </a:prstGeom>
+        </p:spPr>
+      </p:pic>
+      <p:pic>
+        <p:nvPicPr>
+          <p:cNvPr id="9" name="Picture 8" descr="HD-ShadowShort.png"/>
+          <p:cNvPicPr>
+            <a:picLocks noChangeAspect="1"/>
+          </p:cNvPicPr>
+          <p:nvPr/>
+        </p:nvPicPr>
+        <p:blipFill>
+          <a:blip r:embed="rId3">
+            <a:extLst>
+              <a:ext uri="{28A0092B-C50C-407E-A947-70E740481C1C}">
+                <a14:useLocalDpi xmlns:a14="http://schemas.microsoft.com/office/drawing/2010/main" val="0"/>
+              </a:ext>
+            </a:extLst>
+          </a:blip>
+          <a:stretch>
+            <a:fillRect/>
+          </a:stretch>
+        </p:blipFill>
+        <p:spPr>
+          <a:xfrm>
+            <a:off x="10585826" y="5929622"/>
+            <a:ext cx="1602997" cy="144270"/>
+          </a:xfrm>
+          <a:prstGeom prst="rect">
+            <a:avLst/>
+          </a:prstGeom>
+        </p:spPr>
+      </p:pic>
+      <p:sp>
+        <p:nvSpPr>
+          <p:cNvPr id="10" name="Rectangle 9"/>
+          <p:cNvSpPr/>
+          <p:nvPr/>
+        </p:nvSpPr>
+        <p:spPr bwMode="ltGray">
+          <a:xfrm>
+            <a:off x="0" y="4567988"/>
+            <a:ext cx="10437812" cy="1368198"/>
+          </a:xfrm>
+          <a:prstGeom prst="rect">
+            <a:avLst/>
+          </a:prstGeom>
+          <a:solidFill>
+            <a:schemeClr val="bg1">
+              <a:lumMod val="85000"/>
+              <a:lumOff val="15000"/>
+            </a:schemeClr>
+          </a:solidFill>
+          <a:ln>
+            <a:noFill/>
+          </a:ln>
+        </p:spPr>
+        <p:style>
+          <a:lnRef idx="2">
+            <a:schemeClr val="accent1">
+              <a:shade val="50000"/>
+            </a:schemeClr>
+          </a:lnRef>
+          <a:fillRef idx="1">
+            <a:schemeClr val="accent1"/>
+          </a:fillRef>
+          <a:effectRef idx="0">
+            <a:schemeClr val="accent1"/>
+          </a:effectRef>
+          <a:fontRef idx="minor">
+            <a:schemeClr val="lt1"/>
+          </a:fontRef>
+        </p:style>
+      </p:sp>
+      <p:sp>
+        <p:nvSpPr>
+          <p:cNvPr id="11" name="Rectangle 10"/>
+          <p:cNvSpPr/>
+          <p:nvPr/>
+        </p:nvSpPr>
+        <p:spPr>
+          <a:xfrm>
+            <a:off x="10585827" y="4567988"/>
+            <a:ext cx="1602997" cy="1368198"/>
+          </a:xfrm>
+          <a:prstGeom prst="rect">
+            <a:avLst/>
+          </a:prstGeom>
+          <a:solidFill>
+            <a:schemeClr val="accent1"/>
+          </a:solidFill>
+          <a:ln>
+            <a:noFill/>
+          </a:ln>
+        </p:spPr>
+        <p:style>
+          <a:lnRef idx="2">
+            <a:schemeClr val="accent1">
+              <a:shade val="50000"/>
+            </a:schemeClr>
+          </a:lnRef>
+          <a:fillRef idx="1">
+            <a:schemeClr val="accent1"/>
+          </a:fillRef>
+          <a:effectRef idx="0">
+            <a:schemeClr val="accent1"/>
+          </a:effectRef>
+          <a:fontRef idx="minor">
+            <a:schemeClr val="lt1"/>
+          </a:fontRef>
+        </p:style>
+      </p:sp>
+      <p:sp>
+        <p:nvSpPr>
+          <p:cNvPr id="2" name="Title 1"/>
+          <p:cNvSpPr>
+            <a:spLocks noGrp="1"/>
+          </p:cNvSpPr>
+          <p:nvPr>
+            <p:ph type="title"/>
+          </p:nvPr>
+        </p:nvSpPr>
+        <p:spPr>
+          <a:xfrm>
+            <a:off x="680322" y="609597"/>
+            <a:ext cx="9613858" cy="3592750"/>
+          </a:xfrm>
+        </p:spPr>
+        <p:txBody>
+          <a:bodyPr anchor="ctr"/>
+          <a:lstStyle>
+            <a:lvl1pPr>
+              <a:defRPr sz="3200"/>
+            </a:lvl1pPr>
+          </a:lstStyle>
+          <a:p>
+            <a:r>
+              <a:rPr lang="de-DE"/>
+              <a:t>Mastertitelformat bearbeiten</a:t>
+            </a:r>
+            <a:endParaRPr lang="en-US" dirty="0"/>
+          </a:p>
+        </p:txBody>
+      </p:sp>
+      <p:sp>
+        <p:nvSpPr>
+          <p:cNvPr id="4" name="Text Placeholder 3"/>
+          <p:cNvSpPr>
+            <a:spLocks noGrp="1"/>
+          </p:cNvSpPr>
+          <p:nvPr>
+            <p:ph type="body" sz="half" idx="2"/>
+          </p:nvPr>
+        </p:nvSpPr>
+        <p:spPr>
+          <a:xfrm>
+            <a:off x="680322" y="4711615"/>
+            <a:ext cx="9613859" cy="1090789"/>
+          </a:xfrm>
+        </p:spPr>
+        <p:txBody>
+          <a:bodyPr anchor="ctr"/>
+          <a:lstStyle>
+            <a:lvl1pPr marL="0" indent="0">
+              <a:buNone/>
+              <a:defRPr sz="1600"/>
+            </a:lvl1pPr>
+            <a:lvl2pPr marL="457200" indent="0">
+              <a:buNone/>
+              <a:defRPr sz="1400"/>
+            </a:lvl2pPr>
+            <a:lvl3pPr marL="914400" indent="0">
+              <a:buNone/>
+              <a:defRPr sz="1200"/>
+            </a:lvl3pPr>
+            <a:lvl4pPr marL="1371600" indent="0">
+              <a:buNone/>
+              <a:defRPr sz="1000"/>
+            </a:lvl4pPr>
+            <a:lvl5pPr marL="1828800" indent="0">
+              <a:buNone/>
+              <a:defRPr sz="1000"/>
+            </a:lvl5pPr>
+            <a:lvl6pPr marL="2286000" indent="0">
+              <a:buNone/>
+              <a:defRPr sz="1000"/>
+            </a:lvl6pPr>
+            <a:lvl7pPr marL="2743200" indent="0">
+              <a:buNone/>
+              <a:defRPr sz="1000"/>
+            </a:lvl7pPr>
+            <a:lvl8pPr marL="3200400" indent="0">
+              <a:buNone/>
+              <a:defRPr sz="1000"/>
+            </a:lvl8pPr>
+            <a:lvl9pPr marL="3657600" indent="0">
+              <a:buNone/>
+              <a:defRPr sz="1000"/>
+            </a:lvl9pPr>
+          </a:lstStyle>
+          <a:p>
+            <a:pPr lvl="0"/>
+            <a:r>
+              <a:rPr lang="de-DE"/>
+              <a:t>Mastertextformat bearbeiten</a:t>
+            </a:r>
+          </a:p>
+        </p:txBody>
+      </p:sp>
+      <p:sp>
+        <p:nvSpPr>
+          <p:cNvPr id="5" name="Date Placeholder 4"/>
+          <p:cNvSpPr>
+            <a:spLocks noGrp="1"/>
+          </p:cNvSpPr>
+          <p:nvPr>
+            <p:ph type="dt" sz="half" idx="10"/>
+          </p:nvPr>
+        </p:nvSpPr>
+        <p:spPr/>
+        <p:txBody>
+          <a:bodyPr/>
+          <a:lstStyle/>
+          <a:p>
+            <a:fld id="{1DBDC18B-B64D-4363-B3F8-4904739517FD}" type="datetimeFigureOut">
+              <a:rPr lang="de-AT" smtClean="0"/>
+              <a:t>09.11.2023</a:t>
+            </a:fld>
+            <a:endParaRPr lang="de-AT"/>
+          </a:p>
+        </p:txBody>
+      </p:sp>
+      <p:sp>
+        <p:nvSpPr>
+          <p:cNvPr id="6" name="Footer Placeholder 5"/>
+          <p:cNvSpPr>
+            <a:spLocks noGrp="1"/>
+          </p:cNvSpPr>
+          <p:nvPr>
+            <p:ph type="ftr" sz="quarter" idx="11"/>
+          </p:nvPr>
+        </p:nvSpPr>
+        <p:spPr/>
+        <p:txBody>
+          <a:bodyPr/>
+          <a:lstStyle/>
+          <a:p>
+            <a:endParaRPr lang="de-AT"/>
+          </a:p>
+        </p:txBody>
+      </p:sp>
+      <p:sp>
+        <p:nvSpPr>
+          <p:cNvPr id="7" name="Slide Number Placeholder 6"/>
+          <p:cNvSpPr>
+            <a:spLocks noGrp="1"/>
+          </p:cNvSpPr>
+          <p:nvPr>
+            <p:ph type="sldNum" sz="quarter" idx="12"/>
+          </p:nvPr>
+        </p:nvSpPr>
+        <p:spPr>
+          <a:xfrm>
+            <a:off x="10729455" y="4711615"/>
+            <a:ext cx="1154151" cy="1090789"/>
+          </a:xfrm>
+        </p:spPr>
+        <p:txBody>
+          <a:bodyPr/>
+          <a:lstStyle/>
+          <a:p>
+            <a:fld id="{0C71A69C-1F5A-4034-BC37-A2E57171137F}" type="slidenum">
+              <a:rPr lang="de-AT" smtClean="0"/>
+              <a:t>‹Nr.›</a:t>
+            </a:fld>
+            <a:endParaRPr lang="de-AT"/>
+          </a:p>
+        </p:txBody>
+      </p:sp>
+    </p:spTree>
+    <p:extLst>
+      <p:ext uri="{BB962C8B-B14F-4D97-AF65-F5344CB8AC3E}">
+        <p14:creationId xmlns:p14="http://schemas.microsoft.com/office/powerpoint/2010/main" val="4257954256"/>
+      </p:ext>
+    </p:extLst>
+  </p:cSld>
+  <p:clrMapOvr>
+    <a:masterClrMapping/>
+  </p:clrMapOvr>
+</p:sldLayout>
+</file>
+
+<file path=ppt/slideLayouts/slideLayout12.xml><?xml version="1.0" encoding="utf-8"?>
+<p:sldLayout xmlns:a="http://schemas.openxmlformats.org/drawingml/2006/main" xmlns:r="http://schemas.openxmlformats.org/officeDocument/2006/relationships" xmlns:p="http://schemas.openxmlformats.org/presentationml/2006/main" preserve="1">
+  <p:cSld name="Zitat mit Beschriftung">
+    <p:spTree>
+      <p:nvGrpSpPr>
+        <p:cNvPr id="1" name=""/>
+        <p:cNvGrpSpPr/>
+        <p:nvPr/>
+      </p:nvGrpSpPr>
+      <p:grpSpPr>
+        <a:xfrm>
+          <a:off x="0" y="0"/>
+          <a:ext cx="0" cy="0"/>
+          <a:chOff x="0" y="0"/>
+          <a:chExt cx="0" cy="0"/>
+        </a:xfrm>
+      </p:grpSpPr>
+      <p:pic>
+        <p:nvPicPr>
+          <p:cNvPr id="11" name="Picture 10" descr="HD-ShadowLong.png"/>
+          <p:cNvPicPr>
+            <a:picLocks noChangeAspect="1"/>
+          </p:cNvPicPr>
+          <p:nvPr/>
+        </p:nvPicPr>
+        <p:blipFill>
+          <a:blip r:embed="rId2">
+            <a:extLst>
+              <a:ext uri="{28A0092B-C50C-407E-A947-70E740481C1C}">
+                <a14:useLocalDpi xmlns:a14="http://schemas.microsoft.com/office/drawing/2010/main" val="0"/>
+              </a:ext>
+            </a:extLst>
+          </a:blip>
+          <a:stretch>
+            <a:fillRect/>
+          </a:stretch>
+        </p:blipFill>
+        <p:spPr>
+          <a:xfrm>
+            <a:off x="1" y="5928628"/>
+            <a:ext cx="10437812" cy="321164"/>
+          </a:xfrm>
+          <a:prstGeom prst="rect">
+            <a:avLst/>
+          </a:prstGeom>
+        </p:spPr>
+      </p:pic>
+      <p:pic>
+        <p:nvPicPr>
+          <p:cNvPr id="13" name="Picture 12" descr="HD-ShadowShort.png"/>
+          <p:cNvPicPr>
+            <a:picLocks noChangeAspect="1"/>
+          </p:cNvPicPr>
+          <p:nvPr/>
+        </p:nvPicPr>
+        <p:blipFill>
+          <a:blip r:embed="rId3">
+            <a:extLst>
+              <a:ext uri="{28A0092B-C50C-407E-A947-70E740481C1C}">
+                <a14:useLocalDpi xmlns:a14="http://schemas.microsoft.com/office/drawing/2010/main" val="0"/>
+              </a:ext>
+            </a:extLst>
+          </a:blip>
+          <a:stretch>
+            <a:fillRect/>
+          </a:stretch>
+        </p:blipFill>
+        <p:spPr>
+          <a:xfrm>
+            <a:off x="10585826" y="5929622"/>
+            <a:ext cx="1602997" cy="144270"/>
+          </a:xfrm>
+          <a:prstGeom prst="rect">
+            <a:avLst/>
+          </a:prstGeom>
+        </p:spPr>
+      </p:pic>
+      <p:sp>
+        <p:nvSpPr>
+          <p:cNvPr id="14" name="Rectangle 13"/>
+          <p:cNvSpPr/>
+          <p:nvPr/>
+        </p:nvSpPr>
+        <p:spPr bwMode="ltGray">
+          <a:xfrm>
+            <a:off x="0" y="4567988"/>
+            <a:ext cx="10437812" cy="1368198"/>
+          </a:xfrm>
+          <a:prstGeom prst="rect">
+            <a:avLst/>
+          </a:prstGeom>
+          <a:solidFill>
+            <a:schemeClr val="bg1">
+              <a:lumMod val="85000"/>
+              <a:lumOff val="15000"/>
+            </a:schemeClr>
+          </a:solidFill>
+          <a:ln>
+            <a:noFill/>
+          </a:ln>
+        </p:spPr>
+        <p:style>
+          <a:lnRef idx="2">
+            <a:schemeClr val="accent1">
+              <a:shade val="50000"/>
+            </a:schemeClr>
+          </a:lnRef>
+          <a:fillRef idx="1">
+            <a:schemeClr val="accent1"/>
+          </a:fillRef>
+          <a:effectRef idx="0">
+            <a:schemeClr val="accent1"/>
+          </a:effectRef>
+          <a:fontRef idx="minor">
+            <a:schemeClr val="lt1"/>
+          </a:fontRef>
+        </p:style>
+      </p:sp>
+      <p:sp>
+        <p:nvSpPr>
+          <p:cNvPr id="15" name="Rectangle 14"/>
+          <p:cNvSpPr/>
+          <p:nvPr/>
+        </p:nvSpPr>
+        <p:spPr>
+          <a:xfrm>
+            <a:off x="10585827" y="4567988"/>
+            <a:ext cx="1602997" cy="1368198"/>
+          </a:xfrm>
+          <a:prstGeom prst="rect">
+            <a:avLst/>
+          </a:prstGeom>
+          <a:solidFill>
+            <a:schemeClr val="accent1"/>
+          </a:solidFill>
+          <a:ln>
+            <a:noFill/>
+          </a:ln>
+        </p:spPr>
+        <p:style>
+          <a:lnRef idx="2">
+            <a:schemeClr val="accent1">
+              <a:shade val="50000"/>
+            </a:schemeClr>
+          </a:lnRef>
+          <a:fillRef idx="1">
+            <a:schemeClr val="accent1"/>
+          </a:fillRef>
+          <a:effectRef idx="0">
+            <a:schemeClr val="accent1"/>
+          </a:effectRef>
+          <a:fontRef idx="minor">
+            <a:schemeClr val="lt1"/>
+          </a:fontRef>
+        </p:style>
+      </p:sp>
+      <p:sp>
+        <p:nvSpPr>
+          <p:cNvPr id="2" name="Title 1"/>
+          <p:cNvSpPr>
+            <a:spLocks noGrp="1"/>
+          </p:cNvSpPr>
+          <p:nvPr>
+            <p:ph type="title"/>
+          </p:nvPr>
+        </p:nvSpPr>
+        <p:spPr>
+          <a:xfrm>
+            <a:off x="1127856" y="609598"/>
+            <a:ext cx="8718877" cy="3036061"/>
+          </a:xfrm>
+        </p:spPr>
+        <p:txBody>
+          <a:bodyPr anchor="ctr"/>
+          <a:lstStyle>
+            <a:lvl1pPr>
+              <a:defRPr sz="3200"/>
+            </a:lvl1pPr>
+          </a:lstStyle>
+          <a:p>
+            <a:r>
+              <a:rPr lang="de-DE"/>
+              <a:t>Mastertitelformat bearbeiten</a:t>
+            </a:r>
+            <a:endParaRPr lang="en-US" dirty="0"/>
+          </a:p>
+        </p:txBody>
+      </p:sp>
+      <p:sp>
+        <p:nvSpPr>
+          <p:cNvPr id="12" name="Text Placeholder 3"/>
+          <p:cNvSpPr>
+            <a:spLocks noGrp="1"/>
+          </p:cNvSpPr>
+          <p:nvPr>
+            <p:ph type="body" sz="half" idx="13"/>
+          </p:nvPr>
+        </p:nvSpPr>
+        <p:spPr>
+          <a:xfrm>
+            <a:off x="1402288" y="3653379"/>
+            <a:ext cx="8156579" cy="548968"/>
+          </a:xfrm>
+        </p:spPr>
+        <p:txBody>
+          <a:bodyPr anchor="t">
+            <a:normAutofit/>
+          </a:bodyPr>
+          <a:lstStyle>
+            <a:lvl1pPr marL="0" indent="0">
+              <a:buNone/>
+              <a:defRPr sz="1400"/>
+            </a:lvl1pPr>
+            <a:lvl2pPr marL="457200" indent="0">
+              <a:buNone/>
+              <a:defRPr sz="1400"/>
+            </a:lvl2pPr>
+            <a:lvl3pPr marL="914400" indent="0">
+              <a:buNone/>
+              <a:defRPr sz="1200"/>
+            </a:lvl3pPr>
+            <a:lvl4pPr marL="1371600" indent="0">
+              <a:buNone/>
+              <a:defRPr sz="1000"/>
+            </a:lvl4pPr>
+            <a:lvl5pPr marL="1828800" indent="0">
+              <a:buNone/>
+              <a:defRPr sz="1000"/>
+            </a:lvl5pPr>
+            <a:lvl6pPr marL="2286000" indent="0">
+              <a:buNone/>
+              <a:defRPr sz="1000"/>
+            </a:lvl6pPr>
+            <a:lvl7pPr marL="2743200" indent="0">
+              <a:buNone/>
+              <a:defRPr sz="1000"/>
+            </a:lvl7pPr>
+            <a:lvl8pPr marL="3200400" indent="0">
+              <a:buNone/>
+              <a:defRPr sz="1000"/>
+            </a:lvl8pPr>
+            <a:lvl9pPr marL="3657600" indent="0">
+              <a:buNone/>
+              <a:defRPr sz="1000"/>
+            </a:lvl9pPr>
+          </a:lstStyle>
+          <a:p>
+            <a:pPr lvl="0"/>
+            <a:r>
+              <a:rPr lang="de-DE"/>
+              <a:t>Mastertextformat bearbeiten</a:t>
+            </a:r>
+          </a:p>
+        </p:txBody>
+      </p:sp>
+      <p:sp>
+        <p:nvSpPr>
+          <p:cNvPr id="4" name="Text Placeholder 3"/>
+          <p:cNvSpPr>
+            <a:spLocks noGrp="1"/>
+          </p:cNvSpPr>
+          <p:nvPr>
+            <p:ph type="body" sz="half" idx="2"/>
+          </p:nvPr>
+        </p:nvSpPr>
+        <p:spPr>
+          <a:xfrm>
+            <a:off x="680322" y="4711615"/>
+            <a:ext cx="9613859" cy="1090789"/>
+          </a:xfrm>
+        </p:spPr>
+        <p:txBody>
+          <a:bodyPr anchor="ctr">
+            <a:normAutofit/>
+          </a:bodyPr>
+          <a:lstStyle>
+            <a:lvl1pPr marL="0" indent="0">
+              <a:buNone/>
+              <a:defRPr sz="1600"/>
+            </a:lvl1pPr>
+            <a:lvl2pPr marL="457200" indent="0">
+              <a:buNone/>
+              <a:defRPr sz="1400"/>
+            </a:lvl2pPr>
+            <a:lvl3pPr marL="914400" indent="0">
+              <a:buNone/>
+              <a:defRPr sz="1200"/>
+            </a:lvl3pPr>
+            <a:lvl4pPr marL="1371600" indent="0">
+              <a:buNone/>
+              <a:defRPr sz="1000"/>
+            </a:lvl4pPr>
+            <a:lvl5pPr marL="1828800" indent="0">
+              <a:buNone/>
+              <a:defRPr sz="1000"/>
+            </a:lvl5pPr>
+            <a:lvl6pPr marL="2286000" indent="0">
+              <a:buNone/>
+              <a:defRPr sz="1000"/>
+            </a:lvl6pPr>
+            <a:lvl7pPr marL="2743200" indent="0">
+              <a:buNone/>
+              <a:defRPr sz="1000"/>
+            </a:lvl7pPr>
+            <a:lvl8pPr marL="3200400" indent="0">
+              <a:buNone/>
+              <a:defRPr sz="1000"/>
+            </a:lvl8pPr>
+            <a:lvl9pPr marL="3657600" indent="0">
+              <a:buNone/>
+              <a:defRPr sz="1000"/>
+            </a:lvl9pPr>
+          </a:lstStyle>
+          <a:p>
+            <a:pPr lvl="0"/>
+            <a:r>
+              <a:rPr lang="de-DE"/>
+              <a:t>Mastertextformat bearbeiten</a:t>
+            </a:r>
+          </a:p>
+        </p:txBody>
+      </p:sp>
+      <p:sp>
+        <p:nvSpPr>
+          <p:cNvPr id="5" name="Date Placeholder 4"/>
+          <p:cNvSpPr>
+            <a:spLocks noGrp="1"/>
+          </p:cNvSpPr>
+          <p:nvPr>
+            <p:ph type="dt" sz="half" idx="10"/>
+          </p:nvPr>
+        </p:nvSpPr>
+        <p:spPr/>
+        <p:txBody>
+          <a:bodyPr/>
+          <a:lstStyle/>
+          <a:p>
+            <a:fld id="{1DBDC18B-B64D-4363-B3F8-4904739517FD}" type="datetimeFigureOut">
+              <a:rPr lang="de-AT" smtClean="0"/>
+              <a:t>09.11.2023</a:t>
+            </a:fld>
+            <a:endParaRPr lang="de-AT"/>
+          </a:p>
+        </p:txBody>
+      </p:sp>
+      <p:sp>
+        <p:nvSpPr>
+          <p:cNvPr id="6" name="Footer Placeholder 5"/>
+          <p:cNvSpPr>
+            <a:spLocks noGrp="1"/>
+          </p:cNvSpPr>
+          <p:nvPr>
+            <p:ph type="ftr" sz="quarter" idx="11"/>
+          </p:nvPr>
+        </p:nvSpPr>
+        <p:spPr/>
+        <p:txBody>
+          <a:bodyPr/>
+          <a:lstStyle/>
+          <a:p>
+            <a:endParaRPr lang="de-AT"/>
+          </a:p>
+        </p:txBody>
+      </p:sp>
+      <p:sp>
+        <p:nvSpPr>
+          <p:cNvPr id="7" name="Slide Number Placeholder 6"/>
+          <p:cNvSpPr>
+            <a:spLocks noGrp="1"/>
+          </p:cNvSpPr>
+          <p:nvPr>
+            <p:ph type="sldNum" sz="quarter" idx="12"/>
+          </p:nvPr>
+        </p:nvSpPr>
+        <p:spPr>
+          <a:xfrm>
+            <a:off x="10729455" y="4709925"/>
+            <a:ext cx="1154151" cy="1090789"/>
+          </a:xfrm>
+        </p:spPr>
+        <p:txBody>
+          <a:bodyPr/>
+          <a:lstStyle/>
+          <a:p>
+            <a:fld id="{0C71A69C-1F5A-4034-BC37-A2E57171137F}" type="slidenum">
+              <a:rPr lang="de-AT" smtClean="0"/>
+              <a:t>‹Nr.›</a:t>
+            </a:fld>
+            <a:endParaRPr lang="de-AT"/>
+          </a:p>
+        </p:txBody>
+      </p:sp>
+      <p:sp>
+        <p:nvSpPr>
+          <p:cNvPr id="16" name="TextBox 15"/>
+          <p:cNvSpPr txBox="1"/>
+          <p:nvPr/>
+        </p:nvSpPr>
+        <p:spPr>
+          <a:xfrm>
+            <a:off x="583572" y="748116"/>
+            <a:ext cx="609600" cy="584776"/>
+          </a:xfrm>
+          <a:prstGeom prst="rect">
+            <a:avLst/>
+          </a:prstGeom>
+        </p:spPr>
+        <p:txBody>
+          <a:bodyPr vert="horz" lIns="91440" tIns="45720" rIns="91440" bIns="45720" rtlCol="0" anchor="ctr">
+            <a:noAutofit/>
+          </a:bodyPr>
+          <a:lstStyle>
+            <a:lvl1pPr>
+              <a:spcBef>
+                <a:spcPct val="0"/>
+              </a:spcBef>
+              <a:buNone/>
+              <a:defRPr sz="3200" b="0" cap="all">
+                <a:ln w="3175" cmpd="sng">
+                  <a:noFill/>
+                </a:ln>
+                <a:effectLst>
+                  <a:glow rad="38100">
+                    <a:schemeClr val="bg1">
+                      <a:lumMod val="65000"/>
+                      <a:lumOff val="35000"/>
+                      <a:alpha val="40000"/>
+                    </a:schemeClr>
+                  </a:glow>
+                  <a:outerShdw blurRad="28575" dist="38100" dir="14040000" algn="tl" rotWithShape="0">
+                    <a:srgbClr val="000000">
+                      <a:alpha val="25000"/>
+                    </a:srgbClr>
+                  </a:outerShdw>
+                </a:effectLst>
+              </a:defRPr>
+            </a:lvl1pPr>
+            <a:lvl2pPr>
+              <a:defRPr>
+                <a:solidFill>
+                  <a:schemeClr val="tx2"/>
+                </a:solidFill>
+              </a:defRPr>
+            </a:lvl2pPr>
+            <a:lvl3pPr>
+              <a:defRPr>
+                <a:solidFill>
+                  <a:schemeClr val="tx2"/>
+                </a:solidFill>
+              </a:defRPr>
+            </a:lvl3pPr>
+            <a:lvl4pPr>
+              <a:defRPr>
+                <a:solidFill>
+                  <a:schemeClr val="tx2"/>
+                </a:solidFill>
+              </a:defRPr>
+            </a:lvl4pPr>
+            <a:lvl5pPr>
+              <a:defRPr>
+                <a:solidFill>
+                  <a:schemeClr val="tx2"/>
+                </a:solidFill>
+              </a:defRPr>
+            </a:lvl5pPr>
+            <a:lvl6pPr>
+              <a:defRPr>
+                <a:solidFill>
+                  <a:schemeClr val="tx2"/>
+                </a:solidFill>
+              </a:defRPr>
+            </a:lvl6pPr>
+            <a:lvl7pPr>
+              <a:defRPr>
+                <a:solidFill>
+                  <a:schemeClr val="tx2"/>
+                </a:solidFill>
+              </a:defRPr>
+            </a:lvl7pPr>
+            <a:lvl8pPr>
+              <a:defRPr>
+                <a:solidFill>
+                  <a:schemeClr val="tx2"/>
+                </a:solidFill>
+              </a:defRPr>
+            </a:lvl8pPr>
+            <a:lvl9pPr>
+              <a:defRPr>
+                <a:solidFill>
+                  <a:schemeClr val="tx2"/>
+                </a:solidFill>
+              </a:defRPr>
+            </a:lvl9pPr>
+          </a:lstStyle>
+          <a:p>
+            <a:pPr lvl="0"/>
+            <a:r>
+              <a:rPr lang="en-US" sz="7200" dirty="0">
+                <a:solidFill>
+                  <a:schemeClr val="tx1"/>
+                </a:solidFill>
+                <a:effectLst/>
+              </a:rPr>
+              <a:t>“</a:t>
+            </a:r>
+          </a:p>
+        </p:txBody>
+      </p:sp>
+      <p:sp>
+        <p:nvSpPr>
+          <p:cNvPr id="17" name="TextBox 16"/>
+          <p:cNvSpPr txBox="1"/>
+          <p:nvPr/>
+        </p:nvSpPr>
+        <p:spPr>
+          <a:xfrm>
+            <a:off x="9662809" y="3033524"/>
+            <a:ext cx="609600" cy="584776"/>
+          </a:xfrm>
+          <a:prstGeom prst="rect">
+            <a:avLst/>
+          </a:prstGeom>
+        </p:spPr>
+        <p:txBody>
+          <a:bodyPr vert="horz" lIns="91440" tIns="45720" rIns="91440" bIns="45720" rtlCol="0" anchor="ctr">
+            <a:noAutofit/>
+          </a:bodyPr>
+          <a:lstStyle>
+            <a:lvl1pPr>
+              <a:spcBef>
+                <a:spcPct val="0"/>
+              </a:spcBef>
+              <a:buNone/>
+              <a:defRPr sz="3200" b="0" cap="all">
+                <a:ln w="3175" cmpd="sng">
+                  <a:noFill/>
+                </a:ln>
+                <a:effectLst>
+                  <a:glow rad="38100">
+                    <a:schemeClr val="bg1">
+                      <a:lumMod val="65000"/>
+                      <a:lumOff val="35000"/>
+                      <a:alpha val="40000"/>
+                    </a:schemeClr>
+                  </a:glow>
+                  <a:outerShdw blurRad="28575" dist="38100" dir="14040000" algn="tl" rotWithShape="0">
+                    <a:srgbClr val="000000">
+                      <a:alpha val="25000"/>
+                    </a:srgbClr>
+                  </a:outerShdw>
+                </a:effectLst>
+              </a:defRPr>
+            </a:lvl1pPr>
+            <a:lvl2pPr>
+              <a:defRPr>
+                <a:solidFill>
+                  <a:schemeClr val="tx2"/>
+                </a:solidFill>
+              </a:defRPr>
+            </a:lvl2pPr>
+            <a:lvl3pPr>
+              <a:defRPr>
+                <a:solidFill>
+                  <a:schemeClr val="tx2"/>
+                </a:solidFill>
+              </a:defRPr>
+            </a:lvl3pPr>
+            <a:lvl4pPr>
+              <a:defRPr>
+                <a:solidFill>
+                  <a:schemeClr val="tx2"/>
+                </a:solidFill>
+              </a:defRPr>
+            </a:lvl4pPr>
+            <a:lvl5pPr>
+              <a:defRPr>
+                <a:solidFill>
+                  <a:schemeClr val="tx2"/>
+                </a:solidFill>
+              </a:defRPr>
+            </a:lvl5pPr>
+            <a:lvl6pPr>
+              <a:defRPr>
+                <a:solidFill>
+                  <a:schemeClr val="tx2"/>
+                </a:solidFill>
+              </a:defRPr>
+            </a:lvl6pPr>
+            <a:lvl7pPr>
+              <a:defRPr>
+                <a:solidFill>
+                  <a:schemeClr val="tx2"/>
+                </a:solidFill>
+              </a:defRPr>
+            </a:lvl7pPr>
+            <a:lvl8pPr>
+              <a:defRPr>
+                <a:solidFill>
+                  <a:schemeClr val="tx2"/>
+                </a:solidFill>
+              </a:defRPr>
+            </a:lvl8pPr>
+            <a:lvl9pPr>
+              <a:defRPr>
+                <a:solidFill>
+                  <a:schemeClr val="tx2"/>
+                </a:solidFill>
+              </a:defRPr>
+            </a:lvl9pPr>
+          </a:lstStyle>
+          <a:p>
+            <a:pPr lvl="0" algn="r"/>
+            <a:r>
+              <a:rPr lang="en-US" sz="7200" dirty="0">
+                <a:solidFill>
+                  <a:schemeClr val="tx1"/>
+                </a:solidFill>
+                <a:effectLst/>
+              </a:rPr>
+              <a:t>”</a:t>
+            </a:r>
+          </a:p>
+        </p:txBody>
+      </p:sp>
+    </p:spTree>
+    <p:extLst>
+      <p:ext uri="{BB962C8B-B14F-4D97-AF65-F5344CB8AC3E}">
+        <p14:creationId xmlns:p14="http://schemas.microsoft.com/office/powerpoint/2010/main" val="1532704332"/>
+      </p:ext>
+    </p:extLst>
+  </p:cSld>
+  <p:clrMapOvr>
+    <a:masterClrMapping/>
+  </p:clrMapOvr>
+</p:sldLayout>
+</file>
+
+<file path=ppt/slideLayouts/slideLayout13.xml><?xml version="1.0" encoding="utf-8"?>
+<p:sldLayout xmlns:a="http://schemas.openxmlformats.org/drawingml/2006/main" xmlns:r="http://schemas.openxmlformats.org/officeDocument/2006/relationships" xmlns:p="http://schemas.openxmlformats.org/presentationml/2006/main" preserve="1">
+  <p:cSld name="Namenskarte">
+    <p:spTree>
+      <p:nvGrpSpPr>
+        <p:cNvPr id="1" name=""/>
+        <p:cNvGrpSpPr/>
+        <p:nvPr/>
+      </p:nvGrpSpPr>
+      <p:grpSpPr>
+        <a:xfrm>
+          <a:off x="0" y="0"/>
+          <a:ext cx="0" cy="0"/>
+          <a:chOff x="0" y="0"/>
+          <a:chExt cx="0" cy="0"/>
+        </a:xfrm>
+      </p:grpSpPr>
+      <p:pic>
+        <p:nvPicPr>
+          <p:cNvPr id="9" name="Picture 8" descr="HD-ShadowLong.png"/>
+          <p:cNvPicPr>
+            <a:picLocks noChangeAspect="1"/>
+          </p:cNvPicPr>
+          <p:nvPr/>
+        </p:nvPicPr>
+        <p:blipFill>
+          <a:blip r:embed="rId2">
+            <a:extLst>
+              <a:ext uri="{28A0092B-C50C-407E-A947-70E740481C1C}">
+                <a14:useLocalDpi xmlns:a14="http://schemas.microsoft.com/office/drawing/2010/main" val="0"/>
+              </a:ext>
+            </a:extLst>
+          </a:blip>
+          <a:stretch>
+            <a:fillRect/>
+          </a:stretch>
+        </p:blipFill>
+        <p:spPr>
+          <a:xfrm>
+            <a:off x="1" y="5928628"/>
+            <a:ext cx="10437812" cy="321164"/>
+          </a:xfrm>
+          <a:prstGeom prst="rect">
+            <a:avLst/>
+          </a:prstGeom>
+        </p:spPr>
+      </p:pic>
+      <p:pic>
+        <p:nvPicPr>
+          <p:cNvPr id="10" name="Picture 9" descr="HD-ShadowShort.png"/>
+          <p:cNvPicPr>
+            <a:picLocks noChangeAspect="1"/>
+          </p:cNvPicPr>
+          <p:nvPr/>
+        </p:nvPicPr>
+        <p:blipFill>
+          <a:blip r:embed="rId3">
+            <a:extLst>
+              <a:ext uri="{28A0092B-C50C-407E-A947-70E740481C1C}">
+                <a14:useLocalDpi xmlns:a14="http://schemas.microsoft.com/office/drawing/2010/main" val="0"/>
+              </a:ext>
+            </a:extLst>
+          </a:blip>
+          <a:stretch>
+            <a:fillRect/>
+          </a:stretch>
+        </p:blipFill>
+        <p:spPr>
+          <a:xfrm>
+            <a:off x="10585826" y="5929622"/>
+            <a:ext cx="1602997" cy="144270"/>
+          </a:xfrm>
+          <a:prstGeom prst="rect">
+            <a:avLst/>
+          </a:prstGeom>
+        </p:spPr>
+      </p:pic>
+      <p:sp>
+        <p:nvSpPr>
+          <p:cNvPr id="11" name="Rectangle 10"/>
+          <p:cNvSpPr/>
+          <p:nvPr/>
+        </p:nvSpPr>
+        <p:spPr bwMode="ltGray">
+          <a:xfrm>
+            <a:off x="0" y="4567988"/>
+            <a:ext cx="10437812" cy="1368198"/>
+          </a:xfrm>
+          <a:prstGeom prst="rect">
+            <a:avLst/>
+          </a:prstGeom>
+          <a:solidFill>
+            <a:schemeClr val="bg1">
+              <a:lumMod val="85000"/>
+              <a:lumOff val="15000"/>
+            </a:schemeClr>
+          </a:solidFill>
+          <a:ln>
+            <a:noFill/>
+          </a:ln>
+        </p:spPr>
+        <p:style>
+          <a:lnRef idx="2">
+            <a:schemeClr val="accent1">
+              <a:shade val="50000"/>
+            </a:schemeClr>
+          </a:lnRef>
+          <a:fillRef idx="1">
+            <a:schemeClr val="accent1"/>
+          </a:fillRef>
+          <a:effectRef idx="0">
+            <a:schemeClr val="accent1"/>
+          </a:effectRef>
+          <a:fontRef idx="minor">
+            <a:schemeClr val="lt1"/>
+          </a:fontRef>
+        </p:style>
+      </p:sp>
+      <p:sp>
+        <p:nvSpPr>
+          <p:cNvPr id="12" name="Rectangle 11"/>
+          <p:cNvSpPr/>
+          <p:nvPr/>
+        </p:nvSpPr>
+        <p:spPr>
+          <a:xfrm>
+            <a:off x="10585827" y="4567988"/>
+            <a:ext cx="1602997" cy="1368198"/>
+          </a:xfrm>
+          <a:prstGeom prst="rect">
+            <a:avLst/>
+          </a:prstGeom>
+          <a:solidFill>
+            <a:schemeClr val="accent1"/>
+          </a:solidFill>
+          <a:ln>
+            <a:noFill/>
+          </a:ln>
+        </p:spPr>
+        <p:style>
+          <a:lnRef idx="2">
+            <a:schemeClr val="accent1">
+              <a:shade val="50000"/>
+            </a:schemeClr>
+          </a:lnRef>
+          <a:fillRef idx="1">
+            <a:schemeClr val="accent1"/>
+          </a:fillRef>
+          <a:effectRef idx="0">
+            <a:schemeClr val="accent1"/>
+          </a:effectRef>
+          <a:fontRef idx="minor">
+            <a:schemeClr val="lt1"/>
+          </a:fontRef>
+        </p:style>
+      </p:sp>
+      <p:sp>
+        <p:nvSpPr>
+          <p:cNvPr id="2" name="Title 1"/>
+          <p:cNvSpPr>
+            <a:spLocks noGrp="1"/>
+          </p:cNvSpPr>
+          <p:nvPr>
+            <p:ph type="title"/>
+          </p:nvPr>
+        </p:nvSpPr>
+        <p:spPr>
+          <a:xfrm>
+            <a:off x="680319" y="4711615"/>
+            <a:ext cx="9613862" cy="588535"/>
+          </a:xfrm>
+        </p:spPr>
+        <p:txBody>
+          <a:bodyPr anchor="b"/>
+          <a:lstStyle>
+            <a:lvl1pPr>
+              <a:defRPr sz="3200"/>
+            </a:lvl1pPr>
+          </a:lstStyle>
+          <a:p>
+            <a:r>
+              <a:rPr lang="de-DE"/>
+              <a:t>Mastertitelformat bearbeiten</a:t>
+            </a:r>
+            <a:endParaRPr lang="en-US" dirty="0"/>
+          </a:p>
+        </p:txBody>
+      </p:sp>
+      <p:sp>
+        <p:nvSpPr>
+          <p:cNvPr id="4" name="Text Placeholder 3"/>
+          <p:cNvSpPr>
+            <a:spLocks noGrp="1"/>
+          </p:cNvSpPr>
+          <p:nvPr>
+            <p:ph type="body" sz="half" idx="2"/>
+          </p:nvPr>
+        </p:nvSpPr>
+        <p:spPr>
+          <a:xfrm>
+            <a:off x="680320" y="5300149"/>
+            <a:ext cx="9613862" cy="502255"/>
+          </a:xfrm>
+        </p:spPr>
+        <p:txBody>
+          <a:bodyPr anchor="t"/>
+          <a:lstStyle>
+            <a:lvl1pPr marL="0" indent="0">
+              <a:buNone/>
+              <a:defRPr sz="1600"/>
+            </a:lvl1pPr>
+            <a:lvl2pPr marL="457200" indent="0">
+              <a:buNone/>
+              <a:defRPr sz="1400"/>
+            </a:lvl2pPr>
+            <a:lvl3pPr marL="914400" indent="0">
+              <a:buNone/>
+              <a:defRPr sz="1200"/>
+            </a:lvl3pPr>
+            <a:lvl4pPr marL="1371600" indent="0">
+              <a:buNone/>
+              <a:defRPr sz="1000"/>
+            </a:lvl4pPr>
+            <a:lvl5pPr marL="1828800" indent="0">
+              <a:buNone/>
+              <a:defRPr sz="1000"/>
+            </a:lvl5pPr>
+            <a:lvl6pPr marL="2286000" indent="0">
+              <a:buNone/>
+              <a:defRPr sz="1000"/>
+            </a:lvl6pPr>
+            <a:lvl7pPr marL="2743200" indent="0">
+              <a:buNone/>
+              <a:defRPr sz="1000"/>
+            </a:lvl7pPr>
+            <a:lvl8pPr marL="3200400" indent="0">
+              <a:buNone/>
+              <a:defRPr sz="1000"/>
+            </a:lvl8pPr>
+            <a:lvl9pPr marL="3657600" indent="0">
+              <a:buNone/>
+              <a:defRPr sz="1000"/>
+            </a:lvl9pPr>
+          </a:lstStyle>
+          <a:p>
+            <a:pPr lvl="0"/>
+            <a:r>
+              <a:rPr lang="de-DE"/>
+              <a:t>Mastertextformat bearbeiten</a:t>
+            </a:r>
+          </a:p>
+        </p:txBody>
+      </p:sp>
+      <p:sp>
+        <p:nvSpPr>
+          <p:cNvPr id="5" name="Date Placeholder 4"/>
+          <p:cNvSpPr>
+            <a:spLocks noGrp="1"/>
+          </p:cNvSpPr>
+          <p:nvPr>
+            <p:ph type="dt" sz="half" idx="10"/>
+          </p:nvPr>
+        </p:nvSpPr>
+        <p:spPr/>
+        <p:txBody>
+          <a:bodyPr/>
+          <a:lstStyle/>
+          <a:p>
+            <a:fld id="{1DBDC18B-B64D-4363-B3F8-4904739517FD}" type="datetimeFigureOut">
+              <a:rPr lang="de-AT" smtClean="0"/>
+              <a:t>09.11.2023</a:t>
+            </a:fld>
+            <a:endParaRPr lang="de-AT"/>
+          </a:p>
+        </p:txBody>
+      </p:sp>
+      <p:sp>
+        <p:nvSpPr>
+          <p:cNvPr id="6" name="Footer Placeholder 5"/>
+          <p:cNvSpPr>
+            <a:spLocks noGrp="1"/>
+          </p:cNvSpPr>
+          <p:nvPr>
+            <p:ph type="ftr" sz="quarter" idx="11"/>
+          </p:nvPr>
+        </p:nvSpPr>
+        <p:spPr/>
+        <p:txBody>
+          <a:bodyPr/>
+          <a:lstStyle/>
+          <a:p>
+            <a:endParaRPr lang="de-AT"/>
+          </a:p>
+        </p:txBody>
+      </p:sp>
+      <p:sp>
+        <p:nvSpPr>
+          <p:cNvPr id="7" name="Slide Number Placeholder 6"/>
+          <p:cNvSpPr>
+            <a:spLocks noGrp="1"/>
+          </p:cNvSpPr>
+          <p:nvPr>
+            <p:ph type="sldNum" sz="quarter" idx="12"/>
+          </p:nvPr>
+        </p:nvSpPr>
+        <p:spPr>
+          <a:xfrm>
+            <a:off x="10729455" y="4709925"/>
+            <a:ext cx="1154151" cy="1090789"/>
+          </a:xfrm>
+        </p:spPr>
+        <p:txBody>
+          <a:bodyPr/>
+          <a:lstStyle/>
+          <a:p>
+            <a:fld id="{0C71A69C-1F5A-4034-BC37-A2E57171137F}" type="slidenum">
+              <a:rPr lang="de-AT" smtClean="0"/>
+              <a:t>‹Nr.›</a:t>
+            </a:fld>
+            <a:endParaRPr lang="de-AT"/>
+          </a:p>
+        </p:txBody>
+      </p:sp>
+    </p:spTree>
+    <p:extLst>
+      <p:ext uri="{BB962C8B-B14F-4D97-AF65-F5344CB8AC3E}">
+        <p14:creationId xmlns:p14="http://schemas.microsoft.com/office/powerpoint/2010/main" val="1492550338"/>
+      </p:ext>
+    </p:extLst>
+  </p:cSld>
+  <p:clrMapOvr>
+    <a:masterClrMapping/>
+  </p:clrMapOvr>
+</p:sldLayout>
+</file>
+
+<file path=ppt/slideLayouts/slideLayout14.xml><?xml version="1.0" encoding="utf-8"?>
+<p:sldLayout xmlns:a="http://schemas.openxmlformats.org/drawingml/2006/main" xmlns:r="http://schemas.openxmlformats.org/officeDocument/2006/relationships" xmlns:p="http://schemas.openxmlformats.org/presentationml/2006/main" preserve="1">
+  <p:cSld name="3 Spalte">
+    <p:spTree>
+      <p:nvGrpSpPr>
+        <p:cNvPr id="1" name=""/>
+        <p:cNvGrpSpPr/>
+        <p:nvPr/>
+      </p:nvGrpSpPr>
+      <p:grpSpPr>
+        <a:xfrm>
+          <a:off x="0" y="0"/>
+          <a:ext cx="0" cy="0"/>
+          <a:chOff x="0" y="0"/>
+          <a:chExt cx="0" cy="0"/>
+        </a:xfrm>
+      </p:grpSpPr>
+      <p:pic>
+        <p:nvPicPr>
+          <p:cNvPr id="13" name="Picture 12" descr="HD-ShadowLong.png"/>
+          <p:cNvPicPr>
+            <a:picLocks noChangeAspect="1"/>
+          </p:cNvPicPr>
+          <p:nvPr/>
+        </p:nvPicPr>
+        <p:blipFill>
+          <a:blip r:embed="rId2">
+            <a:extLst>
+              <a:ext uri="{28A0092B-C50C-407E-A947-70E740481C1C}">
+                <a14:useLocalDpi xmlns:a14="http://schemas.microsoft.com/office/drawing/2010/main" val="0"/>
+              </a:ext>
+            </a:extLst>
+          </a:blip>
+          <a:stretch>
+            <a:fillRect/>
+          </a:stretch>
+        </p:blipFill>
+        <p:spPr>
+          <a:xfrm>
+            <a:off x="1" y="1970240"/>
+            <a:ext cx="10437812" cy="321164"/>
+          </a:xfrm>
+          <a:prstGeom prst="rect">
+            <a:avLst/>
+          </a:prstGeom>
+        </p:spPr>
+      </p:pic>
+      <p:pic>
+        <p:nvPicPr>
+          <p:cNvPr id="14" name="Picture 13" descr="HD-ShadowShort.png"/>
+          <p:cNvPicPr>
+            <a:picLocks noChangeAspect="1"/>
+          </p:cNvPicPr>
+          <p:nvPr/>
+        </p:nvPicPr>
+        <p:blipFill>
+          <a:blip r:embed="rId3">
+            <a:extLst>
+              <a:ext uri="{28A0092B-C50C-407E-A947-70E740481C1C}">
+                <a14:useLocalDpi xmlns:a14="http://schemas.microsoft.com/office/drawing/2010/main" val="0"/>
+              </a:ext>
+            </a:extLst>
+          </a:blip>
+          <a:stretch>
+            <a:fillRect/>
+          </a:stretch>
+        </p:blipFill>
+        <p:spPr>
+          <a:xfrm>
+            <a:off x="10585826" y="1971234"/>
+            <a:ext cx="1602997" cy="144270"/>
+          </a:xfrm>
+          <a:prstGeom prst="rect">
+            <a:avLst/>
+          </a:prstGeom>
+        </p:spPr>
+      </p:pic>
+      <p:sp>
+        <p:nvSpPr>
+          <p:cNvPr id="16" name="Rectangle 15"/>
+          <p:cNvSpPr/>
+          <p:nvPr/>
+        </p:nvSpPr>
+        <p:spPr bwMode="ltGray">
+          <a:xfrm>
+            <a:off x="0" y="609600"/>
+            <a:ext cx="10437812" cy="1368198"/>
+          </a:xfrm>
+          <a:prstGeom prst="rect">
+            <a:avLst/>
+          </a:prstGeom>
+          <a:solidFill>
+            <a:schemeClr val="bg1">
+              <a:lumMod val="85000"/>
+              <a:lumOff val="15000"/>
+            </a:schemeClr>
+          </a:solidFill>
+          <a:ln>
+            <a:noFill/>
+          </a:ln>
+        </p:spPr>
+        <p:style>
+          <a:lnRef idx="2">
+            <a:schemeClr val="accent1">
+              <a:shade val="50000"/>
+            </a:schemeClr>
+          </a:lnRef>
+          <a:fillRef idx="1">
+            <a:schemeClr val="accent1"/>
+          </a:fillRef>
+          <a:effectRef idx="0">
+            <a:schemeClr val="accent1"/>
+          </a:effectRef>
+          <a:fontRef idx="minor">
+            <a:schemeClr val="lt1"/>
+          </a:fontRef>
+        </p:style>
+      </p:sp>
+      <p:sp>
+        <p:nvSpPr>
+          <p:cNvPr id="17" name="Rectangle 16"/>
+          <p:cNvSpPr/>
+          <p:nvPr/>
+        </p:nvSpPr>
+        <p:spPr>
+          <a:xfrm>
+            <a:off x="10585827" y="609600"/>
+            <a:ext cx="1602997" cy="1368198"/>
+          </a:xfrm>
+          <a:prstGeom prst="rect">
+            <a:avLst/>
+          </a:prstGeom>
+          <a:solidFill>
+            <a:schemeClr val="accent1"/>
+          </a:solidFill>
+          <a:ln>
+            <a:noFill/>
+          </a:ln>
+        </p:spPr>
+        <p:style>
+          <a:lnRef idx="2">
+            <a:schemeClr val="accent1">
+              <a:shade val="50000"/>
+            </a:schemeClr>
+          </a:lnRef>
+          <a:fillRef idx="1">
+            <a:schemeClr val="accent1"/>
+          </a:fillRef>
+          <a:effectRef idx="0">
+            <a:schemeClr val="accent1"/>
+          </a:effectRef>
+          <a:fontRef idx="minor">
+            <a:schemeClr val="lt1"/>
+          </a:fontRef>
+        </p:style>
+      </p:sp>
+      <p:sp>
+        <p:nvSpPr>
+          <p:cNvPr id="15" name="Title 1"/>
+          <p:cNvSpPr>
+            <a:spLocks noGrp="1"/>
+          </p:cNvSpPr>
+          <p:nvPr>
+            <p:ph type="title"/>
+          </p:nvPr>
+        </p:nvSpPr>
+        <p:spPr>
+          <a:xfrm>
+            <a:off x="669222" y="753228"/>
+            <a:ext cx="9624960" cy="1080938"/>
+          </a:xfrm>
+        </p:spPr>
+        <p:txBody>
+          <a:bodyPr/>
+          <a:lstStyle/>
+          <a:p>
+            <a:r>
+              <a:rPr lang="de-DE"/>
+              <a:t>Mastertitelformat bearbeiten</a:t>
+            </a:r>
+            <a:endParaRPr lang="en-US" dirty="0"/>
+          </a:p>
+        </p:txBody>
+      </p:sp>
+      <p:sp>
+        <p:nvSpPr>
+          <p:cNvPr id="7" name="Text Placeholder 2"/>
+          <p:cNvSpPr>
+            <a:spLocks noGrp="1"/>
+          </p:cNvSpPr>
+          <p:nvPr>
+            <p:ph type="body" idx="1"/>
+          </p:nvPr>
+        </p:nvSpPr>
+        <p:spPr>
+          <a:xfrm>
+            <a:off x="660946" y="2336873"/>
+            <a:ext cx="3070034" cy="576262"/>
+          </a:xfrm>
+        </p:spPr>
+        <p:txBody>
+          <a:bodyPr anchor="b">
+            <a:noAutofit/>
+          </a:bodyPr>
+          <a:lstStyle>
+            <a:lvl1pPr marL="0" indent="0">
+              <a:buNone/>
+              <a:defRPr sz="2400" b="0">
+                <a:solidFill>
+                  <a:schemeClr val="tx1"/>
+                </a:solidFill>
+              </a:defRPr>
+            </a:lvl1pPr>
+            <a:lvl2pPr marL="457200" indent="0">
+              <a:buNone/>
+              <a:defRPr sz="2000" b="1"/>
+            </a:lvl2pPr>
+            <a:lvl3pPr marL="914400" indent="0">
+              <a:buNone/>
+              <a:defRPr sz="1800" b="1"/>
+            </a:lvl3pPr>
+            <a:lvl4pPr marL="1371600" indent="0">
+              <a:buNone/>
+              <a:defRPr sz="1600" b="1"/>
+            </a:lvl4pPr>
+            <a:lvl5pPr marL="1828800" indent="0">
+              <a:buNone/>
+              <a:defRPr sz="1600" b="1"/>
+            </a:lvl5pPr>
+            <a:lvl6pPr marL="2286000" indent="0">
+              <a:buNone/>
+              <a:defRPr sz="1600" b="1"/>
+            </a:lvl6pPr>
+            <a:lvl7pPr marL="2743200" indent="0">
+              <a:buNone/>
+              <a:defRPr sz="1600" b="1"/>
+            </a:lvl7pPr>
+            <a:lvl8pPr marL="3200400" indent="0">
+              <a:buNone/>
+              <a:defRPr sz="1600" b="1"/>
+            </a:lvl8pPr>
+            <a:lvl9pPr marL="3657600" indent="0">
+              <a:buNone/>
+              <a:defRPr sz="1600" b="1"/>
+            </a:lvl9pPr>
+          </a:lstStyle>
+          <a:p>
+            <a:pPr lvl="0"/>
+            <a:r>
+              <a:rPr lang="de-DE"/>
+              <a:t>Mastertextformat bearbeiten</a:t>
+            </a:r>
+          </a:p>
+        </p:txBody>
+      </p:sp>
+      <p:sp>
+        <p:nvSpPr>
+          <p:cNvPr id="8" name="Text Placeholder 3"/>
+          <p:cNvSpPr>
+            <a:spLocks noGrp="1"/>
+          </p:cNvSpPr>
+          <p:nvPr>
+            <p:ph type="body" sz="half" idx="15"/>
+          </p:nvPr>
+        </p:nvSpPr>
+        <p:spPr>
+          <a:xfrm>
+            <a:off x="680322" y="3022673"/>
+            <a:ext cx="3049702" cy="2913513"/>
+          </a:xfrm>
+        </p:spPr>
+        <p:txBody>
+          <a:bodyPr anchor="t">
+            <a:normAutofit/>
+          </a:bodyPr>
+          <a:lstStyle>
+            <a:lvl1pPr marL="0" indent="0">
+              <a:buNone/>
+              <a:defRPr sz="1400"/>
+            </a:lvl1pPr>
+            <a:lvl2pPr marL="457200" indent="0">
+              <a:buNone/>
+              <a:defRPr sz="1200"/>
+            </a:lvl2pPr>
+            <a:lvl3pPr marL="914400" indent="0">
+              <a:buNone/>
+              <a:defRPr sz="1000"/>
+            </a:lvl3pPr>
+            <a:lvl4pPr marL="1371600" indent="0">
+              <a:buNone/>
+              <a:defRPr sz="900"/>
+            </a:lvl4pPr>
+            <a:lvl5pPr marL="1828800" indent="0">
+              <a:buNone/>
+              <a:defRPr sz="900"/>
+            </a:lvl5pPr>
+            <a:lvl6pPr marL="2286000" indent="0">
+              <a:buNone/>
+              <a:defRPr sz="900"/>
+            </a:lvl6pPr>
+            <a:lvl7pPr marL="2743200" indent="0">
+              <a:buNone/>
+              <a:defRPr sz="900"/>
+            </a:lvl7pPr>
+            <a:lvl8pPr marL="3200400" indent="0">
+              <a:buNone/>
+              <a:defRPr sz="900"/>
+            </a:lvl8pPr>
+            <a:lvl9pPr marL="3657600" indent="0">
+              <a:buNone/>
+              <a:defRPr sz="900"/>
+            </a:lvl9pPr>
+          </a:lstStyle>
+          <a:p>
+            <a:pPr lvl="0"/>
+            <a:r>
+              <a:rPr lang="de-DE"/>
+              <a:t>Mastertextformat bearbeiten</a:t>
+            </a:r>
+          </a:p>
+        </p:txBody>
+      </p:sp>
+      <p:sp>
+        <p:nvSpPr>
+          <p:cNvPr id="9" name="Text Placeholder 4"/>
+          <p:cNvSpPr>
+            <a:spLocks noGrp="1"/>
+          </p:cNvSpPr>
+          <p:nvPr>
+            <p:ph type="body" sz="quarter" idx="3"/>
+          </p:nvPr>
+        </p:nvSpPr>
+        <p:spPr>
+          <a:xfrm>
+            <a:off x="3956025" y="2336873"/>
+            <a:ext cx="3063240" cy="576262"/>
+          </a:xfrm>
+        </p:spPr>
+        <p:txBody>
+          <a:bodyPr anchor="b">
+            <a:noAutofit/>
+          </a:bodyPr>
+          <a:lstStyle>
+            <a:lvl1pPr marL="0" indent="0">
+              <a:buNone/>
+              <a:defRPr sz="2400" b="0">
+                <a:solidFill>
+                  <a:schemeClr val="tx1"/>
+                </a:solidFill>
+              </a:defRPr>
+            </a:lvl1pPr>
+            <a:lvl2pPr marL="457200" indent="0">
+              <a:buNone/>
+              <a:defRPr sz="2000" b="1"/>
+            </a:lvl2pPr>
+            <a:lvl3pPr marL="914400" indent="0">
+              <a:buNone/>
+              <a:defRPr sz="1800" b="1"/>
+            </a:lvl3pPr>
+            <a:lvl4pPr marL="1371600" indent="0">
+              <a:buNone/>
+              <a:defRPr sz="1600" b="1"/>
+            </a:lvl4pPr>
+            <a:lvl5pPr marL="1828800" indent="0">
+              <a:buNone/>
+              <a:defRPr sz="1600" b="1"/>
+            </a:lvl5pPr>
+            <a:lvl6pPr marL="2286000" indent="0">
+              <a:buNone/>
+              <a:defRPr sz="1600" b="1"/>
+            </a:lvl6pPr>
+            <a:lvl7pPr marL="2743200" indent="0">
+              <a:buNone/>
+              <a:defRPr sz="1600" b="1"/>
+            </a:lvl7pPr>
+            <a:lvl8pPr marL="3200400" indent="0">
+              <a:buNone/>
+              <a:defRPr sz="1600" b="1"/>
+            </a:lvl8pPr>
+            <a:lvl9pPr marL="3657600" indent="0">
+              <a:buNone/>
+              <a:defRPr sz="1600" b="1"/>
+            </a:lvl9pPr>
+          </a:lstStyle>
+          <a:p>
+            <a:pPr lvl="0"/>
+            <a:r>
+              <a:rPr lang="de-DE"/>
+              <a:t>Mastertextformat bearbeiten</a:t>
+            </a:r>
+          </a:p>
+        </p:txBody>
+      </p:sp>
+      <p:sp>
+        <p:nvSpPr>
+          <p:cNvPr id="10" name="Text Placeholder 3"/>
+          <p:cNvSpPr>
+            <a:spLocks noGrp="1"/>
+          </p:cNvSpPr>
+          <p:nvPr>
+            <p:ph type="body" sz="half" idx="16"/>
+          </p:nvPr>
+        </p:nvSpPr>
+        <p:spPr>
+          <a:xfrm>
+            <a:off x="3945470" y="3022673"/>
+            <a:ext cx="3063240" cy="2913513"/>
+          </a:xfrm>
+        </p:spPr>
+        <p:txBody>
+          <a:bodyPr anchor="t">
+            <a:normAutofit/>
+          </a:bodyPr>
+          <a:lstStyle>
+            <a:lvl1pPr marL="0" indent="0">
+              <a:buNone/>
+              <a:defRPr sz="1400"/>
+            </a:lvl1pPr>
+            <a:lvl2pPr marL="457200" indent="0">
+              <a:buNone/>
+              <a:defRPr sz="1200"/>
+            </a:lvl2pPr>
+            <a:lvl3pPr marL="914400" indent="0">
+              <a:buNone/>
+              <a:defRPr sz="1000"/>
+            </a:lvl3pPr>
+            <a:lvl4pPr marL="1371600" indent="0">
+              <a:buNone/>
+              <a:defRPr sz="900"/>
+            </a:lvl4pPr>
+            <a:lvl5pPr marL="1828800" indent="0">
+              <a:buNone/>
+              <a:defRPr sz="900"/>
+            </a:lvl5pPr>
+            <a:lvl6pPr marL="2286000" indent="0">
+              <a:buNone/>
+              <a:defRPr sz="900"/>
+            </a:lvl6pPr>
+            <a:lvl7pPr marL="2743200" indent="0">
+              <a:buNone/>
+              <a:defRPr sz="900"/>
+            </a:lvl7pPr>
+            <a:lvl8pPr marL="3200400" indent="0">
+              <a:buNone/>
+              <a:defRPr sz="900"/>
+            </a:lvl8pPr>
+            <a:lvl9pPr marL="3657600" indent="0">
+              <a:buNone/>
+              <a:defRPr sz="900"/>
+            </a:lvl9pPr>
+          </a:lstStyle>
+          <a:p>
+            <a:pPr lvl="0"/>
+            <a:r>
+              <a:rPr lang="de-DE"/>
+              <a:t>Mastertextformat bearbeiten</a:t>
+            </a:r>
+          </a:p>
+        </p:txBody>
+      </p:sp>
+      <p:sp>
+        <p:nvSpPr>
+          <p:cNvPr id="11" name="Text Placeholder 4"/>
+          <p:cNvSpPr>
+            <a:spLocks noGrp="1"/>
+          </p:cNvSpPr>
+          <p:nvPr>
+            <p:ph type="body" sz="quarter" idx="13"/>
+          </p:nvPr>
+        </p:nvSpPr>
+        <p:spPr>
+          <a:xfrm>
+            <a:off x="7224156" y="2336873"/>
+            <a:ext cx="3070025" cy="576262"/>
+          </a:xfrm>
+        </p:spPr>
+        <p:txBody>
+          <a:bodyPr anchor="b">
+            <a:noAutofit/>
+          </a:bodyPr>
+          <a:lstStyle>
+            <a:lvl1pPr marL="0" indent="0">
+              <a:buNone/>
+              <a:defRPr sz="2400" b="0">
+                <a:solidFill>
+                  <a:schemeClr val="tx1"/>
+                </a:solidFill>
+              </a:defRPr>
+            </a:lvl1pPr>
+            <a:lvl2pPr marL="457200" indent="0">
+              <a:buNone/>
+              <a:defRPr sz="2000" b="1"/>
+            </a:lvl2pPr>
+            <a:lvl3pPr marL="914400" indent="0">
+              <a:buNone/>
+              <a:defRPr sz="1800" b="1"/>
+            </a:lvl3pPr>
+            <a:lvl4pPr marL="1371600" indent="0">
+              <a:buNone/>
+              <a:defRPr sz="1600" b="1"/>
+            </a:lvl4pPr>
+            <a:lvl5pPr marL="1828800" indent="0">
+              <a:buNone/>
+              <a:defRPr sz="1600" b="1"/>
+            </a:lvl5pPr>
+            <a:lvl6pPr marL="2286000" indent="0">
+              <a:buNone/>
+              <a:defRPr sz="1600" b="1"/>
+            </a:lvl6pPr>
+            <a:lvl7pPr marL="2743200" indent="0">
+              <a:buNone/>
+              <a:defRPr sz="1600" b="1"/>
+            </a:lvl7pPr>
+            <a:lvl8pPr marL="3200400" indent="0">
+              <a:buNone/>
+              <a:defRPr sz="1600" b="1"/>
+            </a:lvl8pPr>
+            <a:lvl9pPr marL="3657600" indent="0">
+              <a:buNone/>
+              <a:defRPr sz="1600" b="1"/>
+            </a:lvl9pPr>
+          </a:lstStyle>
+          <a:p>
+            <a:pPr lvl="0"/>
+            <a:r>
+              <a:rPr lang="de-DE"/>
+              <a:t>Mastertextformat bearbeiten</a:t>
+            </a:r>
+          </a:p>
+        </p:txBody>
+      </p:sp>
+      <p:sp>
+        <p:nvSpPr>
+          <p:cNvPr id="12" name="Text Placeholder 3"/>
+          <p:cNvSpPr>
+            <a:spLocks noGrp="1"/>
+          </p:cNvSpPr>
+          <p:nvPr>
+            <p:ph type="body" sz="half" idx="17"/>
+          </p:nvPr>
+        </p:nvSpPr>
+        <p:spPr>
+          <a:xfrm>
+            <a:off x="7224156" y="3022673"/>
+            <a:ext cx="3070025" cy="2913513"/>
+          </a:xfrm>
+        </p:spPr>
+        <p:txBody>
+          <a:bodyPr anchor="t">
+            <a:normAutofit/>
+          </a:bodyPr>
+          <a:lstStyle>
+            <a:lvl1pPr marL="0" indent="0">
+              <a:buNone/>
+              <a:defRPr sz="1400"/>
+            </a:lvl1pPr>
+            <a:lvl2pPr marL="457200" indent="0">
+              <a:buNone/>
+              <a:defRPr sz="1200"/>
+            </a:lvl2pPr>
+            <a:lvl3pPr marL="914400" indent="0">
+              <a:buNone/>
+              <a:defRPr sz="1000"/>
+            </a:lvl3pPr>
+            <a:lvl4pPr marL="1371600" indent="0">
+              <a:buNone/>
+              <a:defRPr sz="900"/>
+            </a:lvl4pPr>
+            <a:lvl5pPr marL="1828800" indent="0">
+              <a:buNone/>
+              <a:defRPr sz="900"/>
+            </a:lvl5pPr>
+            <a:lvl6pPr marL="2286000" indent="0">
+              <a:buNone/>
+              <a:defRPr sz="900"/>
+            </a:lvl6pPr>
+            <a:lvl7pPr marL="2743200" indent="0">
+              <a:buNone/>
+              <a:defRPr sz="900"/>
+            </a:lvl7pPr>
+            <a:lvl8pPr marL="3200400" indent="0">
+              <a:buNone/>
+              <a:defRPr sz="900"/>
+            </a:lvl8pPr>
+            <a:lvl9pPr marL="3657600" indent="0">
+              <a:buNone/>
+              <a:defRPr sz="900"/>
+            </a:lvl9pPr>
+          </a:lstStyle>
+          <a:p>
+            <a:pPr lvl="0"/>
+            <a:r>
+              <a:rPr lang="de-DE"/>
+              <a:t>Mastertextformat bearbeiten</a:t>
+            </a:r>
+          </a:p>
+        </p:txBody>
+      </p:sp>
+      <p:sp>
+        <p:nvSpPr>
+          <p:cNvPr id="3" name="Date Placeholder 2"/>
+          <p:cNvSpPr>
+            <a:spLocks noGrp="1"/>
+          </p:cNvSpPr>
+          <p:nvPr>
+            <p:ph type="dt" sz="half" idx="10"/>
+          </p:nvPr>
+        </p:nvSpPr>
+        <p:spPr/>
+        <p:txBody>
+          <a:bodyPr/>
+          <a:lstStyle/>
+          <a:p>
+            <a:fld id="{1DBDC18B-B64D-4363-B3F8-4904739517FD}" type="datetimeFigureOut">
+              <a:rPr lang="de-AT" smtClean="0"/>
+              <a:t>09.11.2023</a:t>
+            </a:fld>
+            <a:endParaRPr lang="de-AT"/>
+          </a:p>
+        </p:txBody>
+      </p:sp>
+      <p:sp>
+        <p:nvSpPr>
+          <p:cNvPr id="4" name="Footer Placeholder 3"/>
+          <p:cNvSpPr>
+            <a:spLocks noGrp="1"/>
+          </p:cNvSpPr>
+          <p:nvPr>
+            <p:ph type="ftr" sz="quarter" idx="11"/>
+          </p:nvPr>
+        </p:nvSpPr>
+        <p:spPr/>
+        <p:txBody>
+          <a:bodyPr/>
+          <a:lstStyle/>
+          <a:p>
+            <a:endParaRPr lang="de-AT"/>
+          </a:p>
+        </p:txBody>
+      </p:sp>
+      <p:sp>
+        <p:nvSpPr>
+          <p:cNvPr id="5" name="Slide Number Placeholder 4"/>
+          <p:cNvSpPr>
+            <a:spLocks noGrp="1"/>
+          </p:cNvSpPr>
+          <p:nvPr>
+            <p:ph type="sldNum" sz="quarter" idx="12"/>
+          </p:nvPr>
+        </p:nvSpPr>
+        <p:spPr/>
+        <p:txBody>
+          <a:bodyPr/>
+          <a:lstStyle/>
+          <a:p>
+            <a:fld id="{0C71A69C-1F5A-4034-BC37-A2E57171137F}" type="slidenum">
+              <a:rPr lang="de-AT" smtClean="0"/>
+              <a:t>‹Nr.›</a:t>
+            </a:fld>
+            <a:endParaRPr lang="de-AT"/>
+          </a:p>
+        </p:txBody>
+      </p:sp>
+    </p:spTree>
+    <p:extLst>
+      <p:ext uri="{BB962C8B-B14F-4D97-AF65-F5344CB8AC3E}">
+        <p14:creationId xmlns:p14="http://schemas.microsoft.com/office/powerpoint/2010/main" val="3560958317"/>
+      </p:ext>
+    </p:extLst>
+  </p:cSld>
+  <p:clrMapOvr>
+    <a:masterClrMapping/>
+  </p:clrMapOvr>
+</p:sldLayout>
+</file>
+
+<file path=ppt/slideLayouts/slideLayout15.xml><?xml version="1.0" encoding="utf-8"?>
+<p:sldLayout xmlns:a="http://schemas.openxmlformats.org/drawingml/2006/main" xmlns:r="http://schemas.openxmlformats.org/officeDocument/2006/relationships" xmlns:p="http://schemas.openxmlformats.org/presentationml/2006/main" preserve="1">
+  <p:cSld name="3 Bildspalte">
+    <p:spTree>
+      <p:nvGrpSpPr>
+        <p:cNvPr id="1" name=""/>
+        <p:cNvGrpSpPr/>
+        <p:nvPr/>
+      </p:nvGrpSpPr>
+      <p:grpSpPr>
+        <a:xfrm>
+          <a:off x="0" y="0"/>
+          <a:ext cx="0" cy="0"/>
+          <a:chOff x="0" y="0"/>
+          <a:chExt cx="0" cy="0"/>
+        </a:xfrm>
+      </p:grpSpPr>
+      <p:pic>
+        <p:nvPicPr>
+          <p:cNvPr id="15" name="Picture 14" descr="HD-ShadowLong.png"/>
+          <p:cNvPicPr>
+            <a:picLocks noChangeAspect="1"/>
+          </p:cNvPicPr>
+          <p:nvPr/>
+        </p:nvPicPr>
+        <p:blipFill>
+          <a:blip r:embed="rId2">
+            <a:extLst>
+              <a:ext uri="{28A0092B-C50C-407E-A947-70E740481C1C}">
+                <a14:useLocalDpi xmlns:a14="http://schemas.microsoft.com/office/drawing/2010/main" val="0"/>
+              </a:ext>
+            </a:extLst>
+          </a:blip>
+          <a:stretch>
+            <a:fillRect/>
+          </a:stretch>
+        </p:blipFill>
+        <p:spPr>
+          <a:xfrm>
+            <a:off x="1" y="1970240"/>
+            <a:ext cx="10437812" cy="321164"/>
+          </a:xfrm>
+          <a:prstGeom prst="rect">
+            <a:avLst/>
+          </a:prstGeom>
+        </p:spPr>
+      </p:pic>
+      <p:pic>
+        <p:nvPicPr>
+          <p:cNvPr id="16" name="Picture 15" descr="HD-ShadowShort.png"/>
+          <p:cNvPicPr>
+            <a:picLocks noChangeAspect="1"/>
+          </p:cNvPicPr>
+          <p:nvPr/>
+        </p:nvPicPr>
+        <p:blipFill>
+          <a:blip r:embed="rId3">
+            <a:extLst>
+              <a:ext uri="{28A0092B-C50C-407E-A947-70E740481C1C}">
+                <a14:useLocalDpi xmlns:a14="http://schemas.microsoft.com/office/drawing/2010/main" val="0"/>
+              </a:ext>
+            </a:extLst>
+          </a:blip>
+          <a:stretch>
+            <a:fillRect/>
+          </a:stretch>
+        </p:blipFill>
+        <p:spPr>
+          <a:xfrm>
+            <a:off x="10585826" y="1971234"/>
+            <a:ext cx="1602997" cy="144270"/>
+          </a:xfrm>
+          <a:prstGeom prst="rect">
+            <a:avLst/>
+          </a:prstGeom>
+        </p:spPr>
+      </p:pic>
+      <p:sp>
+        <p:nvSpPr>
+          <p:cNvPr id="17" name="Rectangle 16"/>
+          <p:cNvSpPr/>
+          <p:nvPr/>
+        </p:nvSpPr>
+        <p:spPr bwMode="ltGray">
+          <a:xfrm>
+            <a:off x="0" y="609600"/>
+            <a:ext cx="10437812" cy="1368198"/>
+          </a:xfrm>
+          <a:prstGeom prst="rect">
+            <a:avLst/>
+          </a:prstGeom>
+          <a:solidFill>
+            <a:schemeClr val="bg1">
+              <a:lumMod val="85000"/>
+              <a:lumOff val="15000"/>
+            </a:schemeClr>
+          </a:solidFill>
+          <a:ln>
+            <a:noFill/>
+          </a:ln>
+        </p:spPr>
+        <p:style>
+          <a:lnRef idx="2">
+            <a:schemeClr val="accent1">
+              <a:shade val="50000"/>
+            </a:schemeClr>
+          </a:lnRef>
+          <a:fillRef idx="1">
+            <a:schemeClr val="accent1"/>
+          </a:fillRef>
+          <a:effectRef idx="0">
+            <a:schemeClr val="accent1"/>
+          </a:effectRef>
+          <a:fontRef idx="minor">
+            <a:schemeClr val="lt1"/>
+          </a:fontRef>
+        </p:style>
+      </p:sp>
+      <p:sp>
+        <p:nvSpPr>
+          <p:cNvPr id="18" name="Rectangle 17"/>
+          <p:cNvSpPr/>
+          <p:nvPr/>
+        </p:nvSpPr>
+        <p:spPr>
+          <a:xfrm>
+            <a:off x="10585827" y="609600"/>
+            <a:ext cx="1602997" cy="1368198"/>
+          </a:xfrm>
+          <a:prstGeom prst="rect">
+            <a:avLst/>
+          </a:prstGeom>
+          <a:solidFill>
+            <a:schemeClr val="accent1"/>
+          </a:solidFill>
+          <a:ln>
+            <a:noFill/>
+          </a:ln>
+        </p:spPr>
+        <p:style>
+          <a:lnRef idx="2">
+            <a:schemeClr val="accent1">
+              <a:shade val="50000"/>
+            </a:schemeClr>
+          </a:lnRef>
+          <a:fillRef idx="1">
+            <a:schemeClr val="accent1"/>
+          </a:fillRef>
+          <a:effectRef idx="0">
+            <a:schemeClr val="accent1"/>
+          </a:effectRef>
+          <a:fontRef idx="minor">
+            <a:schemeClr val="lt1"/>
+          </a:fontRef>
+        </p:style>
+      </p:sp>
+      <p:sp>
+        <p:nvSpPr>
+          <p:cNvPr id="30" name="Title 1"/>
+          <p:cNvSpPr>
+            <a:spLocks noGrp="1"/>
+          </p:cNvSpPr>
+          <p:nvPr>
+            <p:ph type="title"/>
+          </p:nvPr>
+        </p:nvSpPr>
+        <p:spPr>
+          <a:xfrm>
+            <a:off x="680322" y="753228"/>
+            <a:ext cx="9613860" cy="1080938"/>
+          </a:xfrm>
+        </p:spPr>
+        <p:txBody>
+          <a:bodyPr/>
+          <a:lstStyle/>
+          <a:p>
+            <a:r>
+              <a:rPr lang="de-DE"/>
+              <a:t>Mastertitelformat bearbeiten</a:t>
+            </a:r>
+            <a:endParaRPr lang="en-US" dirty="0"/>
+          </a:p>
+        </p:txBody>
+      </p:sp>
+      <p:sp>
+        <p:nvSpPr>
+          <p:cNvPr id="19" name="Text Placeholder 2"/>
+          <p:cNvSpPr>
+            <a:spLocks noGrp="1"/>
+          </p:cNvSpPr>
+          <p:nvPr>
+            <p:ph type="body" idx="1"/>
+          </p:nvPr>
+        </p:nvSpPr>
+        <p:spPr>
+          <a:xfrm>
+            <a:off x="680318" y="4297503"/>
+            <a:ext cx="3049705" cy="576262"/>
+          </a:xfrm>
+        </p:spPr>
+        <p:txBody>
+          <a:bodyPr anchor="b">
+            <a:noAutofit/>
+          </a:bodyPr>
+          <a:lstStyle>
+            <a:lvl1pPr marL="0" indent="0">
+              <a:buNone/>
+              <a:defRPr sz="2400" b="0">
+                <a:solidFill>
+                  <a:schemeClr val="tx1"/>
+                </a:solidFill>
+              </a:defRPr>
+            </a:lvl1pPr>
+            <a:lvl2pPr marL="457200" indent="0">
+              <a:buNone/>
+              <a:defRPr sz="2000" b="1"/>
+            </a:lvl2pPr>
+            <a:lvl3pPr marL="914400" indent="0">
+              <a:buNone/>
+              <a:defRPr sz="1800" b="1"/>
+            </a:lvl3pPr>
+            <a:lvl4pPr marL="1371600" indent="0">
+              <a:buNone/>
+              <a:defRPr sz="1600" b="1"/>
+            </a:lvl4pPr>
+            <a:lvl5pPr marL="1828800" indent="0">
+              <a:buNone/>
+              <a:defRPr sz="1600" b="1"/>
+            </a:lvl5pPr>
+            <a:lvl6pPr marL="2286000" indent="0">
+              <a:buNone/>
+              <a:defRPr sz="1600" b="1"/>
+            </a:lvl6pPr>
+            <a:lvl7pPr marL="2743200" indent="0">
+              <a:buNone/>
+              <a:defRPr sz="1600" b="1"/>
+            </a:lvl7pPr>
+            <a:lvl8pPr marL="3200400" indent="0">
+              <a:buNone/>
+              <a:defRPr sz="1600" b="1"/>
+            </a:lvl8pPr>
+            <a:lvl9pPr marL="3657600" indent="0">
+              <a:buNone/>
+              <a:defRPr sz="1600" b="1"/>
+            </a:lvl9pPr>
+          </a:lstStyle>
+          <a:p>
+            <a:pPr lvl="0"/>
+            <a:r>
+              <a:rPr lang="de-DE"/>
+              <a:t>Mastertextformat bearbeiten</a:t>
+            </a:r>
+          </a:p>
+        </p:txBody>
+      </p:sp>
+      <p:sp>
+        <p:nvSpPr>
+          <p:cNvPr id="20" name="Picture Placeholder 2"/>
+          <p:cNvSpPr>
+            <a:spLocks noGrp="1" noChangeAspect="1"/>
+          </p:cNvSpPr>
+          <p:nvPr>
+            <p:ph type="pic" idx="15"/>
+          </p:nvPr>
+        </p:nvSpPr>
+        <p:spPr>
+          <a:xfrm>
+            <a:off x="680318" y="2336873"/>
+            <a:ext cx="3049705" cy="1524000"/>
+          </a:xfrm>
+          <a:prstGeom prst="roundRect">
+            <a:avLst>
+              <a:gd name="adj" fmla="val 0"/>
+            </a:avLst>
+          </a:prstGeom>
+          <a:effectLst>
+            <a:outerShdw blurRad="50800" dist="50800" dir="5400000" algn="tl" rotWithShape="0">
+              <a:srgbClr val="000000">
+                <a:alpha val="43000"/>
+              </a:srgbClr>
+            </a:outerShdw>
+          </a:effectLst>
+        </p:spPr>
+        <p:txBody>
+          <a:bodyPr anchor="t">
+            <a:normAutofit/>
+          </a:bodyPr>
+          <a:lstStyle>
+            <a:lvl1pPr marL="0" indent="0" algn="ctr">
+              <a:buNone/>
+              <a:defRPr sz="1600"/>
+            </a:lvl1pPr>
+            <a:lvl2pPr marL="457200" indent="0">
+              <a:buNone/>
+              <a:defRPr sz="1600"/>
+            </a:lvl2pPr>
+            <a:lvl3pPr marL="914400" indent="0">
+              <a:buNone/>
+              <a:defRPr sz="1600"/>
+            </a:lvl3pPr>
+            <a:lvl4pPr marL="1371600" indent="0">
+              <a:buNone/>
+              <a:defRPr sz="1600"/>
+            </a:lvl4pPr>
+            <a:lvl5pPr marL="1828800" indent="0">
+              <a:buNone/>
+              <a:defRPr sz="1600"/>
+            </a:lvl5pPr>
+            <a:lvl6pPr marL="2286000" indent="0">
+              <a:buNone/>
+              <a:defRPr sz="1600"/>
+            </a:lvl6pPr>
+            <a:lvl7pPr marL="2743200" indent="0">
+              <a:buNone/>
+              <a:defRPr sz="1600"/>
+            </a:lvl7pPr>
+            <a:lvl8pPr marL="3200400" indent="0">
+              <a:buNone/>
+              <a:defRPr sz="1600"/>
+            </a:lvl8pPr>
+            <a:lvl9pPr marL="3657600" indent="0">
+              <a:buNone/>
+              <a:defRPr sz="1600"/>
+            </a:lvl9pPr>
+          </a:lstStyle>
+          <a:p>
+            <a:r>
+              <a:rPr lang="de-DE"/>
+              <a:t>Bild durch Klicken auf Symbol hinzufügen</a:t>
+            </a:r>
+            <a:endParaRPr lang="en-US" dirty="0"/>
+          </a:p>
+        </p:txBody>
+      </p:sp>
+      <p:sp>
+        <p:nvSpPr>
+          <p:cNvPr id="21" name="Text Placeholder 3"/>
+          <p:cNvSpPr>
+            <a:spLocks noGrp="1"/>
+          </p:cNvSpPr>
+          <p:nvPr>
+            <p:ph type="body" sz="half" idx="18"/>
+          </p:nvPr>
+        </p:nvSpPr>
+        <p:spPr>
+          <a:xfrm>
+            <a:off x="680318" y="4873765"/>
+            <a:ext cx="3049705" cy="1062422"/>
+          </a:xfrm>
+        </p:spPr>
+        <p:txBody>
+          <a:bodyPr anchor="t">
+            <a:normAutofit/>
+          </a:bodyPr>
+          <a:lstStyle>
+            <a:lvl1pPr marL="0" indent="0">
+              <a:buNone/>
+              <a:defRPr sz="1400"/>
+            </a:lvl1pPr>
+            <a:lvl2pPr marL="457200" indent="0">
+              <a:buNone/>
+              <a:defRPr sz="1200"/>
+            </a:lvl2pPr>
+            <a:lvl3pPr marL="914400" indent="0">
+              <a:buNone/>
+              <a:defRPr sz="1000"/>
+            </a:lvl3pPr>
+            <a:lvl4pPr marL="1371600" indent="0">
+              <a:buNone/>
+              <a:defRPr sz="900"/>
+            </a:lvl4pPr>
+            <a:lvl5pPr marL="1828800" indent="0">
+              <a:buNone/>
+              <a:defRPr sz="900"/>
+            </a:lvl5pPr>
+            <a:lvl6pPr marL="2286000" indent="0">
+              <a:buNone/>
+              <a:defRPr sz="900"/>
+            </a:lvl6pPr>
+            <a:lvl7pPr marL="2743200" indent="0">
+              <a:buNone/>
+              <a:defRPr sz="900"/>
+            </a:lvl7pPr>
+            <a:lvl8pPr marL="3200400" indent="0">
+              <a:buNone/>
+              <a:defRPr sz="900"/>
+            </a:lvl8pPr>
+            <a:lvl9pPr marL="3657600" indent="0">
+              <a:buNone/>
+              <a:defRPr sz="900"/>
+            </a:lvl9pPr>
+          </a:lstStyle>
+          <a:p>
+            <a:pPr lvl="0"/>
+            <a:r>
+              <a:rPr lang="de-DE"/>
+              <a:t>Mastertextformat bearbeiten</a:t>
+            </a:r>
+          </a:p>
+        </p:txBody>
+      </p:sp>
+      <p:sp>
+        <p:nvSpPr>
+          <p:cNvPr id="22" name="Text Placeholder 4"/>
+          <p:cNvSpPr>
+            <a:spLocks noGrp="1"/>
+          </p:cNvSpPr>
+          <p:nvPr>
+            <p:ph type="body" sz="quarter" idx="3"/>
+          </p:nvPr>
+        </p:nvSpPr>
+        <p:spPr>
+          <a:xfrm>
+            <a:off x="3945471" y="4297503"/>
+            <a:ext cx="3063240" cy="576262"/>
+          </a:xfrm>
+        </p:spPr>
+        <p:txBody>
+          <a:bodyPr anchor="b">
+            <a:noAutofit/>
+          </a:bodyPr>
+          <a:lstStyle>
+            <a:lvl1pPr marL="0" indent="0">
+              <a:buNone/>
+              <a:defRPr sz="2400" b="0">
+                <a:solidFill>
+                  <a:schemeClr val="tx1"/>
+                </a:solidFill>
+              </a:defRPr>
+            </a:lvl1pPr>
+            <a:lvl2pPr marL="457200" indent="0">
+              <a:buNone/>
+              <a:defRPr sz="2000" b="1"/>
+            </a:lvl2pPr>
+            <a:lvl3pPr marL="914400" indent="0">
+              <a:buNone/>
+              <a:defRPr sz="1800" b="1"/>
+            </a:lvl3pPr>
+            <a:lvl4pPr marL="1371600" indent="0">
+              <a:buNone/>
+              <a:defRPr sz="1600" b="1"/>
+            </a:lvl4pPr>
+            <a:lvl5pPr marL="1828800" indent="0">
+              <a:buNone/>
+              <a:defRPr sz="1600" b="1"/>
+            </a:lvl5pPr>
+            <a:lvl6pPr marL="2286000" indent="0">
+              <a:buNone/>
+              <a:defRPr sz="1600" b="1"/>
+            </a:lvl6pPr>
+            <a:lvl7pPr marL="2743200" indent="0">
+              <a:buNone/>
+              <a:defRPr sz="1600" b="1"/>
+            </a:lvl7pPr>
+            <a:lvl8pPr marL="3200400" indent="0">
+              <a:buNone/>
+              <a:defRPr sz="1600" b="1"/>
+            </a:lvl8pPr>
+            <a:lvl9pPr marL="3657600" indent="0">
+              <a:buNone/>
+              <a:defRPr sz="1600" b="1"/>
+            </a:lvl9pPr>
+          </a:lstStyle>
+          <a:p>
+            <a:pPr lvl="0"/>
+            <a:r>
+              <a:rPr lang="de-DE"/>
+              <a:t>Mastertextformat bearbeiten</a:t>
+            </a:r>
+          </a:p>
+        </p:txBody>
+      </p:sp>
+      <p:sp>
+        <p:nvSpPr>
+          <p:cNvPr id="23" name="Picture Placeholder 2"/>
+          <p:cNvSpPr>
+            <a:spLocks noGrp="1" noChangeAspect="1"/>
+          </p:cNvSpPr>
+          <p:nvPr>
+            <p:ph type="pic" idx="21"/>
+          </p:nvPr>
+        </p:nvSpPr>
+        <p:spPr>
+          <a:xfrm>
+            <a:off x="3945470" y="2336873"/>
+            <a:ext cx="3063240" cy="1524000"/>
+          </a:xfrm>
+          <a:prstGeom prst="roundRect">
+            <a:avLst>
+              <a:gd name="adj" fmla="val 0"/>
+            </a:avLst>
+          </a:prstGeom>
+          <a:effectLst>
+            <a:outerShdw blurRad="50800" dist="50800" dir="5400000" algn="tl" rotWithShape="0">
+              <a:srgbClr val="000000">
+                <a:alpha val="43000"/>
+              </a:srgbClr>
+            </a:outerShdw>
+          </a:effectLst>
+        </p:spPr>
+        <p:txBody>
+          <a:bodyPr anchor="t">
+            <a:normAutofit/>
+          </a:bodyPr>
+          <a:lstStyle>
+            <a:lvl1pPr marL="0" indent="0" algn="ctr">
+              <a:buNone/>
+              <a:defRPr sz="1600"/>
+            </a:lvl1pPr>
+            <a:lvl2pPr marL="457200" indent="0">
+              <a:buNone/>
+              <a:defRPr sz="1600"/>
+            </a:lvl2pPr>
+            <a:lvl3pPr marL="914400" indent="0">
+              <a:buNone/>
+              <a:defRPr sz="1600"/>
+            </a:lvl3pPr>
+            <a:lvl4pPr marL="1371600" indent="0">
+              <a:buNone/>
+              <a:defRPr sz="1600"/>
+            </a:lvl4pPr>
+            <a:lvl5pPr marL="1828800" indent="0">
+              <a:buNone/>
+              <a:defRPr sz="1600"/>
+            </a:lvl5pPr>
+            <a:lvl6pPr marL="2286000" indent="0">
+              <a:buNone/>
+              <a:defRPr sz="1600"/>
+            </a:lvl6pPr>
+            <a:lvl7pPr marL="2743200" indent="0">
+              <a:buNone/>
+              <a:defRPr sz="1600"/>
+            </a:lvl7pPr>
+            <a:lvl8pPr marL="3200400" indent="0">
+              <a:buNone/>
+              <a:defRPr sz="1600"/>
+            </a:lvl8pPr>
+            <a:lvl9pPr marL="3657600" indent="0">
+              <a:buNone/>
+              <a:defRPr sz="1600"/>
+            </a:lvl9pPr>
+          </a:lstStyle>
+          <a:p>
+            <a:r>
+              <a:rPr lang="de-DE"/>
+              <a:t>Bild durch Klicken auf Symbol hinzufügen</a:t>
+            </a:r>
+            <a:endParaRPr lang="en-US" dirty="0"/>
+          </a:p>
+        </p:txBody>
+      </p:sp>
+      <p:sp>
+        <p:nvSpPr>
+          <p:cNvPr id="24" name="Text Placeholder 3"/>
+          <p:cNvSpPr>
+            <a:spLocks noGrp="1"/>
+          </p:cNvSpPr>
+          <p:nvPr>
+            <p:ph type="body" sz="half" idx="19"/>
+          </p:nvPr>
+        </p:nvSpPr>
+        <p:spPr>
+          <a:xfrm>
+            <a:off x="3944117" y="4873764"/>
+            <a:ext cx="3067297" cy="1062422"/>
+          </a:xfrm>
+        </p:spPr>
+        <p:txBody>
+          <a:bodyPr anchor="t">
+            <a:normAutofit/>
+          </a:bodyPr>
+          <a:lstStyle>
+            <a:lvl1pPr marL="0" indent="0">
+              <a:buNone/>
+              <a:defRPr sz="1400"/>
+            </a:lvl1pPr>
+            <a:lvl2pPr marL="457200" indent="0">
+              <a:buNone/>
+              <a:defRPr sz="1200"/>
+            </a:lvl2pPr>
+            <a:lvl3pPr marL="914400" indent="0">
+              <a:buNone/>
+              <a:defRPr sz="1000"/>
+            </a:lvl3pPr>
+            <a:lvl4pPr marL="1371600" indent="0">
+              <a:buNone/>
+              <a:defRPr sz="900"/>
+            </a:lvl4pPr>
+            <a:lvl5pPr marL="1828800" indent="0">
+              <a:buNone/>
+              <a:defRPr sz="900"/>
+            </a:lvl5pPr>
+            <a:lvl6pPr marL="2286000" indent="0">
+              <a:buNone/>
+              <a:defRPr sz="900"/>
+            </a:lvl6pPr>
+            <a:lvl7pPr marL="2743200" indent="0">
+              <a:buNone/>
+              <a:defRPr sz="900"/>
+            </a:lvl7pPr>
+            <a:lvl8pPr marL="3200400" indent="0">
+              <a:buNone/>
+              <a:defRPr sz="900"/>
+            </a:lvl8pPr>
+            <a:lvl9pPr marL="3657600" indent="0">
+              <a:buNone/>
+              <a:defRPr sz="900"/>
+            </a:lvl9pPr>
+          </a:lstStyle>
+          <a:p>
+            <a:pPr lvl="0"/>
+            <a:r>
+              <a:rPr lang="de-DE"/>
+              <a:t>Mastertextformat bearbeiten</a:t>
+            </a:r>
+          </a:p>
+        </p:txBody>
+      </p:sp>
+      <p:sp>
+        <p:nvSpPr>
+          <p:cNvPr id="25" name="Text Placeholder 4"/>
+          <p:cNvSpPr>
+            <a:spLocks noGrp="1"/>
+          </p:cNvSpPr>
+          <p:nvPr>
+            <p:ph type="body" sz="quarter" idx="13"/>
+          </p:nvPr>
+        </p:nvSpPr>
+        <p:spPr>
+          <a:xfrm>
+            <a:off x="7230678" y="4297503"/>
+            <a:ext cx="3063505" cy="576262"/>
+          </a:xfrm>
+        </p:spPr>
+        <p:txBody>
+          <a:bodyPr anchor="b">
+            <a:noAutofit/>
+          </a:bodyPr>
+          <a:lstStyle>
+            <a:lvl1pPr marL="0" indent="0">
+              <a:buNone/>
+              <a:defRPr sz="2400" b="0">
+                <a:solidFill>
+                  <a:schemeClr val="tx1"/>
+                </a:solidFill>
+              </a:defRPr>
+            </a:lvl1pPr>
+            <a:lvl2pPr marL="457200" indent="0">
+              <a:buNone/>
+              <a:defRPr sz="2000" b="1"/>
+            </a:lvl2pPr>
+            <a:lvl3pPr marL="914400" indent="0">
+              <a:buNone/>
+              <a:defRPr sz="1800" b="1"/>
+            </a:lvl3pPr>
+            <a:lvl4pPr marL="1371600" indent="0">
+              <a:buNone/>
+              <a:defRPr sz="1600" b="1"/>
+            </a:lvl4pPr>
+            <a:lvl5pPr marL="1828800" indent="0">
+              <a:buNone/>
+              <a:defRPr sz="1600" b="1"/>
+            </a:lvl5pPr>
+            <a:lvl6pPr marL="2286000" indent="0">
+              <a:buNone/>
+              <a:defRPr sz="1600" b="1"/>
+            </a:lvl6pPr>
+            <a:lvl7pPr marL="2743200" indent="0">
+              <a:buNone/>
+              <a:defRPr sz="1600" b="1"/>
+            </a:lvl7pPr>
+            <a:lvl8pPr marL="3200400" indent="0">
+              <a:buNone/>
+              <a:defRPr sz="1600" b="1"/>
+            </a:lvl8pPr>
+            <a:lvl9pPr marL="3657600" indent="0">
+              <a:buNone/>
+              <a:defRPr sz="1600" b="1"/>
+            </a:lvl9pPr>
+          </a:lstStyle>
+          <a:p>
+            <a:pPr lvl="0"/>
+            <a:r>
+              <a:rPr lang="de-DE"/>
+              <a:t>Mastertextformat bearbeiten</a:t>
+            </a:r>
+          </a:p>
+        </p:txBody>
+      </p:sp>
+      <p:sp>
+        <p:nvSpPr>
+          <p:cNvPr id="26" name="Picture Placeholder 2"/>
+          <p:cNvSpPr>
+            <a:spLocks noGrp="1" noChangeAspect="1"/>
+          </p:cNvSpPr>
+          <p:nvPr>
+            <p:ph type="pic" idx="22"/>
+          </p:nvPr>
+        </p:nvSpPr>
+        <p:spPr>
+          <a:xfrm>
+            <a:off x="7230677" y="2336873"/>
+            <a:ext cx="3063505" cy="1524000"/>
+          </a:xfrm>
+          <a:prstGeom prst="roundRect">
+            <a:avLst>
+              <a:gd name="adj" fmla="val 0"/>
+            </a:avLst>
+          </a:prstGeom>
+          <a:effectLst>
+            <a:outerShdw blurRad="50800" dist="50800" dir="5400000" algn="tl" rotWithShape="0">
+              <a:srgbClr val="000000">
+                <a:alpha val="43000"/>
+              </a:srgbClr>
+            </a:outerShdw>
+          </a:effectLst>
+        </p:spPr>
+        <p:txBody>
+          <a:bodyPr anchor="t">
+            <a:normAutofit/>
+          </a:bodyPr>
+          <a:lstStyle>
+            <a:lvl1pPr marL="0" indent="0" algn="ctr">
+              <a:buNone/>
+              <a:defRPr sz="1600"/>
+            </a:lvl1pPr>
+            <a:lvl2pPr marL="457200" indent="0">
+              <a:buNone/>
+              <a:defRPr sz="1600"/>
+            </a:lvl2pPr>
+            <a:lvl3pPr marL="914400" indent="0">
+              <a:buNone/>
+              <a:defRPr sz="1600"/>
+            </a:lvl3pPr>
+            <a:lvl4pPr marL="1371600" indent="0">
+              <a:buNone/>
+              <a:defRPr sz="1600"/>
+            </a:lvl4pPr>
+            <a:lvl5pPr marL="1828800" indent="0">
+              <a:buNone/>
+              <a:defRPr sz="1600"/>
+            </a:lvl5pPr>
+            <a:lvl6pPr marL="2286000" indent="0">
+              <a:buNone/>
+              <a:defRPr sz="1600"/>
+            </a:lvl6pPr>
+            <a:lvl7pPr marL="2743200" indent="0">
+              <a:buNone/>
+              <a:defRPr sz="1600"/>
+            </a:lvl7pPr>
+            <a:lvl8pPr marL="3200400" indent="0">
+              <a:buNone/>
+              <a:defRPr sz="1600"/>
+            </a:lvl8pPr>
+            <a:lvl9pPr marL="3657600" indent="0">
+              <a:buNone/>
+              <a:defRPr sz="1600"/>
+            </a:lvl9pPr>
+          </a:lstStyle>
+          <a:p>
+            <a:r>
+              <a:rPr lang="de-DE"/>
+              <a:t>Bild durch Klicken auf Symbol hinzufügen</a:t>
+            </a:r>
+            <a:endParaRPr lang="en-US" dirty="0"/>
+          </a:p>
+        </p:txBody>
+      </p:sp>
+      <p:sp>
+        <p:nvSpPr>
+          <p:cNvPr id="27" name="Text Placeholder 3"/>
+          <p:cNvSpPr>
+            <a:spLocks noGrp="1"/>
+          </p:cNvSpPr>
+          <p:nvPr>
+            <p:ph type="body" sz="half" idx="20"/>
+          </p:nvPr>
+        </p:nvSpPr>
+        <p:spPr>
+          <a:xfrm>
+            <a:off x="7230553" y="4873762"/>
+            <a:ext cx="3067563" cy="1062422"/>
+          </a:xfrm>
+        </p:spPr>
+        <p:txBody>
+          <a:bodyPr anchor="t">
+            <a:normAutofit/>
+          </a:bodyPr>
+          <a:lstStyle>
+            <a:lvl1pPr marL="0" indent="0">
+              <a:buNone/>
+              <a:defRPr sz="1400"/>
+            </a:lvl1pPr>
+            <a:lvl2pPr marL="457200" indent="0">
+              <a:buNone/>
+              <a:defRPr sz="1200"/>
+            </a:lvl2pPr>
+            <a:lvl3pPr marL="914400" indent="0">
+              <a:buNone/>
+              <a:defRPr sz="1000"/>
+            </a:lvl3pPr>
+            <a:lvl4pPr marL="1371600" indent="0">
+              <a:buNone/>
+              <a:defRPr sz="900"/>
+            </a:lvl4pPr>
+            <a:lvl5pPr marL="1828800" indent="0">
+              <a:buNone/>
+              <a:defRPr sz="900"/>
+            </a:lvl5pPr>
+            <a:lvl6pPr marL="2286000" indent="0">
+              <a:buNone/>
+              <a:defRPr sz="900"/>
+            </a:lvl6pPr>
+            <a:lvl7pPr marL="2743200" indent="0">
+              <a:buNone/>
+              <a:defRPr sz="900"/>
+            </a:lvl7pPr>
+            <a:lvl8pPr marL="3200400" indent="0">
+              <a:buNone/>
+              <a:defRPr sz="900"/>
+            </a:lvl8pPr>
+            <a:lvl9pPr marL="3657600" indent="0">
+              <a:buNone/>
+              <a:defRPr sz="900"/>
+            </a:lvl9pPr>
+          </a:lstStyle>
+          <a:p>
+            <a:pPr lvl="0"/>
+            <a:r>
+              <a:rPr lang="de-DE"/>
+              <a:t>Mastertextformat bearbeiten</a:t>
+            </a:r>
+          </a:p>
+        </p:txBody>
+      </p:sp>
+      <p:sp>
+        <p:nvSpPr>
+          <p:cNvPr id="3" name="Date Placeholder 2"/>
+          <p:cNvSpPr>
+            <a:spLocks noGrp="1"/>
+          </p:cNvSpPr>
+          <p:nvPr>
+            <p:ph type="dt" sz="half" idx="10"/>
+          </p:nvPr>
+        </p:nvSpPr>
+        <p:spPr/>
+        <p:txBody>
+          <a:bodyPr/>
+          <a:lstStyle/>
+          <a:p>
+            <a:fld id="{1DBDC18B-B64D-4363-B3F8-4904739517FD}" type="datetimeFigureOut">
+              <a:rPr lang="de-AT" smtClean="0"/>
+              <a:t>09.11.2023</a:t>
+            </a:fld>
+            <a:endParaRPr lang="de-AT"/>
+          </a:p>
+        </p:txBody>
+      </p:sp>
+      <p:sp>
+        <p:nvSpPr>
+          <p:cNvPr id="4" name="Footer Placeholder 3"/>
+          <p:cNvSpPr>
+            <a:spLocks noGrp="1"/>
+          </p:cNvSpPr>
+          <p:nvPr>
+            <p:ph type="ftr" sz="quarter" idx="11"/>
+          </p:nvPr>
+        </p:nvSpPr>
+        <p:spPr/>
+        <p:txBody>
+          <a:bodyPr/>
+          <a:lstStyle/>
+          <a:p>
+            <a:endParaRPr lang="de-AT"/>
+          </a:p>
+        </p:txBody>
+      </p:sp>
+      <p:sp>
+        <p:nvSpPr>
+          <p:cNvPr id="5" name="Slide Number Placeholder 4"/>
+          <p:cNvSpPr>
+            <a:spLocks noGrp="1"/>
+          </p:cNvSpPr>
+          <p:nvPr>
+            <p:ph type="sldNum" sz="quarter" idx="12"/>
+          </p:nvPr>
+        </p:nvSpPr>
+        <p:spPr/>
+        <p:txBody>
+          <a:bodyPr/>
+          <a:lstStyle/>
+          <a:p>
+            <a:fld id="{0C71A69C-1F5A-4034-BC37-A2E57171137F}" type="slidenum">
+              <a:rPr lang="de-AT" smtClean="0"/>
+              <a:t>‹Nr.›</a:t>
+            </a:fld>
+            <a:endParaRPr lang="de-AT"/>
+          </a:p>
+        </p:txBody>
+      </p:sp>
+    </p:spTree>
+    <p:extLst>
+      <p:ext uri="{BB962C8B-B14F-4D97-AF65-F5344CB8AC3E}">
+        <p14:creationId xmlns:p14="http://schemas.microsoft.com/office/powerpoint/2010/main" val="3258627237"/>
+      </p:ext>
+    </p:extLst>
+  </p:cSld>
+  <p:clrMapOvr>
+    <a:masterClrMapping/>
+  </p:clrMapOvr>
+</p:sldLayout>
+</file>
+
+<file path=ppt/slideLayouts/slideLayout16.xml><?xml version="1.0" encoding="utf-8"?>
 <p:sldLayout xmlns:a="http://schemas.openxmlformats.org/drawingml/2006/main" xmlns:r="http://schemas.openxmlformats.org/officeDocument/2006/relationships" xmlns:p="http://schemas.openxmlformats.org/presentationml/2006/main" type="vertTx" preserve="1">
   <p:cSld name="Titel und vertikaler Text">
     <p:spTree>
@@ -360,15 +3792,148 @@
           <a:chExt cx="0" cy="0"/>
         </a:xfrm>
       </p:grpSpPr>
-      <p:sp>
-        <p:nvSpPr>
-          <p:cNvPr id="2" name="Titel 1">
+      <p:pic>
+        <p:nvPicPr>
+          <p:cNvPr id="7" name="Picture 6" descr="HD-ShadowLong.png"/>
+          <p:cNvPicPr>
+            <a:picLocks noChangeAspect="1"/>
+          </p:cNvPicPr>
+          <p:nvPr/>
+        </p:nvPicPr>
+        <p:blipFill>
+          <a:blip r:embed="rId2">
             <a:extLst>
-              <a:ext uri="{FF2B5EF4-FFF2-40B4-BE49-F238E27FC236}">
-                <a16:creationId xmlns:a16="http://schemas.microsoft.com/office/drawing/2014/main" id="{EC588B64-14DB-D7BC-BA99-7121E832FE32}"/>
+              <a:ext uri="{28A0092B-C50C-407E-A947-70E740481C1C}">
+                <a14:useLocalDpi xmlns:a14="http://schemas.microsoft.com/office/drawing/2010/main" val="0"/>
               </a:ext>
             </a:extLst>
-          </p:cNvPr>
+          </a:blip>
+          <a:stretch>
+            <a:fillRect/>
+          </a:stretch>
+        </p:blipFill>
+        <p:spPr>
+          <a:xfrm>
+            <a:off x="1" y="1970240"/>
+            <a:ext cx="10437812" cy="321164"/>
+          </a:xfrm>
+          <a:prstGeom prst="rect">
+            <a:avLst/>
+          </a:prstGeom>
+        </p:spPr>
+      </p:pic>
+      <p:pic>
+        <p:nvPicPr>
+          <p:cNvPr id="8" name="Picture 7" descr="HD-ShadowShort.png"/>
+          <p:cNvPicPr>
+            <a:picLocks noChangeAspect="1"/>
+          </p:cNvPicPr>
+          <p:nvPr/>
+        </p:nvPicPr>
+        <p:blipFill>
+          <a:blip r:embed="rId3">
+            <a:extLst>
+              <a:ext uri="{28A0092B-C50C-407E-A947-70E740481C1C}">
+                <a14:useLocalDpi xmlns:a14="http://schemas.microsoft.com/office/drawing/2010/main" val="0"/>
+              </a:ext>
+            </a:extLst>
+          </a:blip>
+          <a:stretch>
+            <a:fillRect/>
+          </a:stretch>
+        </p:blipFill>
+        <p:spPr>
+          <a:xfrm>
+            <a:off x="10585826" y="1971234"/>
+            <a:ext cx="1602997" cy="144270"/>
+          </a:xfrm>
+          <a:prstGeom prst="rect">
+            <a:avLst/>
+          </a:prstGeom>
+        </p:spPr>
+      </p:pic>
+      <p:sp>
+        <p:nvSpPr>
+          <p:cNvPr id="9" name="Rectangle 8"/>
+          <p:cNvSpPr/>
+          <p:nvPr/>
+        </p:nvSpPr>
+        <p:spPr bwMode="ltGray">
+          <a:xfrm>
+            <a:off x="0" y="609600"/>
+            <a:ext cx="10437812" cy="1368198"/>
+          </a:xfrm>
+          <a:prstGeom prst="rect">
+            <a:avLst/>
+          </a:prstGeom>
+          <a:solidFill>
+            <a:schemeClr val="bg1">
+              <a:lumMod val="85000"/>
+              <a:lumOff val="15000"/>
+            </a:schemeClr>
+          </a:solidFill>
+          <a:ln>
+            <a:noFill/>
+          </a:ln>
+        </p:spPr>
+        <p:style>
+          <a:lnRef idx="2">
+            <a:schemeClr val="accent1">
+              <a:shade val="50000"/>
+            </a:schemeClr>
+          </a:lnRef>
+          <a:fillRef idx="1">
+            <a:schemeClr val="accent1"/>
+          </a:fillRef>
+          <a:effectRef idx="0">
+            <a:schemeClr val="accent1"/>
+          </a:effectRef>
+          <a:fontRef idx="minor">
+            <a:schemeClr val="lt1"/>
+          </a:fontRef>
+        </p:style>
+      </p:sp>
+      <p:sp>
+        <p:nvSpPr>
+          <p:cNvPr id="10" name="Rectangle 9"/>
+          <p:cNvSpPr/>
+          <p:nvPr/>
+        </p:nvSpPr>
+        <p:spPr>
+          <a:xfrm>
+            <a:off x="10585827" y="609600"/>
+            <a:ext cx="1602997" cy="1368198"/>
+          </a:xfrm>
+          <a:prstGeom prst="rect">
+            <a:avLst/>
+          </a:prstGeom>
+          <a:solidFill>
+            <a:schemeClr val="accent1"/>
+          </a:solidFill>
+          <a:ln>
+            <a:noFill/>
+          </a:ln>
+        </p:spPr>
+        <p:style>
+          <a:lnRef idx="2">
+            <a:schemeClr val="accent1">
+              <a:shade val="50000"/>
+            </a:schemeClr>
+          </a:lnRef>
+          <a:fillRef idx="1">
+            <a:schemeClr val="accent1"/>
+          </a:fillRef>
+          <a:effectRef idx="0">
+            <a:schemeClr val="accent1"/>
+          </a:effectRef>
+          <a:fontRef idx="minor">
+            <a:schemeClr val="lt1"/>
+          </a:fontRef>
+        </p:style>
+      </p:sp>
+      <p:sp>
+        <p:nvSpPr>
+          <p:cNvPr id="2" name="Title 1"/>
           <p:cNvSpPr>
             <a:spLocks noGrp="1"/>
           </p:cNvSpPr>
@@ -379,25 +3944,23 @@
         <p:spPr/>
         <p:txBody>
           <a:bodyPr/>
-          <a:lstStyle/>
+          <a:lstStyle>
+            <a:lvl1pPr algn="r">
+              <a:defRPr/>
+            </a:lvl1pPr>
+          </a:lstStyle>
           <a:p>
             <a:r>
               <a:rPr lang="de-DE"/>
               <a:t>Mastertitelformat bearbeiten</a:t>
             </a:r>
-            <a:endParaRPr lang="de-AT"/>
-          </a:p>
-        </p:txBody>
-      </p:sp>
-      <p:sp>
-        <p:nvSpPr>
-          <p:cNvPr id="3" name="Vertikaler Textplatzhalter 2">
-            <a:extLst>
-              <a:ext uri="{FF2B5EF4-FFF2-40B4-BE49-F238E27FC236}">
-                <a16:creationId xmlns:a16="http://schemas.microsoft.com/office/drawing/2014/main" id="{94094A4F-D188-75D0-B4F6-BA0FC90229B3}"/>
-              </a:ext>
-            </a:extLst>
-          </p:cNvPr>
+            <a:endParaRPr lang="en-US" dirty="0"/>
+          </a:p>
+        </p:txBody>
+      </p:sp>
+      <p:sp>
+        <p:nvSpPr>
+          <p:cNvPr id="3" name="Vertical Text Placeholder 2"/>
           <p:cNvSpPr>
             <a:spLocks noGrp="1"/>
           </p:cNvSpPr>
@@ -443,19 +4006,13 @@
               <a:rPr lang="de-DE"/>
               <a:t>Fünfte Ebene</a:t>
             </a:r>
-            <a:endParaRPr lang="de-AT"/>
-          </a:p>
-        </p:txBody>
-      </p:sp>
-      <p:sp>
-        <p:nvSpPr>
-          <p:cNvPr id="4" name="Datumsplatzhalter 3">
-            <a:extLst>
-              <a:ext uri="{FF2B5EF4-FFF2-40B4-BE49-F238E27FC236}">
-                <a16:creationId xmlns:a16="http://schemas.microsoft.com/office/drawing/2014/main" id="{5E53AD15-D7A6-6FF9-FB7C-FC72461629BE}"/>
-              </a:ext>
-            </a:extLst>
-          </p:cNvPr>
+            <a:endParaRPr lang="en-US" dirty="0"/>
+          </a:p>
+        </p:txBody>
+      </p:sp>
+      <p:sp>
+        <p:nvSpPr>
+          <p:cNvPr id="4" name="Date Placeholder 3"/>
           <p:cNvSpPr>
             <a:spLocks noGrp="1"/>
           </p:cNvSpPr>
@@ -478,13 +4035,7 @@
       </p:sp>
       <p:sp>
         <p:nvSpPr>
-          <p:cNvPr id="5" name="Fußzeilenplatzhalter 4">
-            <a:extLst>
-              <a:ext uri="{FF2B5EF4-FFF2-40B4-BE49-F238E27FC236}">
-                <a16:creationId xmlns:a16="http://schemas.microsoft.com/office/drawing/2014/main" id="{D942C8DF-BB20-E5CE-22E6-68EC42A22ACF}"/>
-              </a:ext>
-            </a:extLst>
-          </p:cNvPr>
+          <p:cNvPr id="5" name="Footer Placeholder 4"/>
           <p:cNvSpPr>
             <a:spLocks noGrp="1"/>
           </p:cNvSpPr>
@@ -503,13 +4054,7 @@
       </p:sp>
       <p:sp>
         <p:nvSpPr>
-          <p:cNvPr id="6" name="Foliennummernplatzhalter 5">
-            <a:extLst>
-              <a:ext uri="{FF2B5EF4-FFF2-40B4-BE49-F238E27FC236}">
-                <a16:creationId xmlns:a16="http://schemas.microsoft.com/office/drawing/2014/main" id="{B5E28404-C56C-44ED-F03C-84DB14BAEE3A}"/>
-              </a:ext>
-            </a:extLst>
-          </p:cNvPr>
+          <p:cNvPr id="6" name="Slide Number Placeholder 5"/>
           <p:cNvSpPr>
             <a:spLocks noGrp="1"/>
           </p:cNvSpPr>
@@ -533,7 +4078,7 @@
     </p:spTree>
     <p:extLst>
       <p:ext uri="{BB962C8B-B14F-4D97-AF65-F5344CB8AC3E}">
-        <p14:creationId xmlns:p14="http://schemas.microsoft.com/office/powerpoint/2010/main" val="728283989"/>
+        <p14:creationId xmlns:p14="http://schemas.microsoft.com/office/powerpoint/2010/main" val="2810343053"/>
       </p:ext>
     </p:extLst>
   </p:cSld>
@@ -543,7 +4088,7 @@
 </p:sldLayout>
 </file>
 
-<file path=ppt/slideLayouts/slideLayout11.xml><?xml version="1.0" encoding="utf-8"?>
+<file path=ppt/slideLayouts/slideLayout17.xml><?xml version="1.0" encoding="utf-8"?>
 <p:sldLayout xmlns:a="http://schemas.openxmlformats.org/drawingml/2006/main" xmlns:r="http://schemas.openxmlformats.org/officeDocument/2006/relationships" xmlns:p="http://schemas.openxmlformats.org/presentationml/2006/main" type="vertTitleAndTx" preserve="1">
   <p:cSld name="Vertikaler Titel und Text">
     <p:spTree>
@@ -562,13 +4107,86 @@
       </p:grpSpPr>
       <p:sp>
         <p:nvSpPr>
-          <p:cNvPr id="2" name="Vertikaler Titel 1">
-            <a:extLst>
-              <a:ext uri="{FF2B5EF4-FFF2-40B4-BE49-F238E27FC236}">
-                <a16:creationId xmlns:a16="http://schemas.microsoft.com/office/drawing/2014/main" id="{D7F4D763-0B0E-953C-2FEE-1390E1105886}"/>
-              </a:ext>
-            </a:extLst>
-          </p:cNvPr>
+          <p:cNvPr id="7" name="Rectangle 6"/>
+          <p:cNvSpPr/>
+          <p:nvPr/>
+        </p:nvSpPr>
+        <p:spPr bwMode="ltGray">
+          <a:xfrm rot="5400000">
+            <a:off x="8116207" y="1869395"/>
+            <a:ext cx="5106988" cy="1368198"/>
+          </a:xfrm>
+          <a:prstGeom prst="rect">
+            <a:avLst/>
+          </a:prstGeom>
+          <a:solidFill>
+            <a:schemeClr val="bg1">
+              <a:lumMod val="85000"/>
+              <a:lumOff val="15000"/>
+            </a:schemeClr>
+          </a:solidFill>
+          <a:ln>
+            <a:noFill/>
+          </a:ln>
+        </p:spPr>
+        <p:style>
+          <a:lnRef idx="2">
+            <a:schemeClr val="accent1">
+              <a:shade val="50000"/>
+            </a:schemeClr>
+          </a:lnRef>
+          <a:fillRef idx="1">
+            <a:schemeClr val="accent1"/>
+          </a:fillRef>
+          <a:effectRef idx="0">
+            <a:schemeClr val="accent1"/>
+          </a:effectRef>
+          <a:fontRef idx="minor">
+            <a:schemeClr val="lt1"/>
+          </a:fontRef>
+        </p:style>
+      </p:sp>
+      <p:sp>
+        <p:nvSpPr>
+          <p:cNvPr id="8" name="Rectangle 7"/>
+          <p:cNvSpPr/>
+          <p:nvPr/>
+        </p:nvSpPr>
+        <p:spPr>
+          <a:xfrm rot="5400000">
+            <a:off x="9868202" y="5372403"/>
+            <a:ext cx="1602997" cy="1368198"/>
+          </a:xfrm>
+          <a:prstGeom prst="rect">
+            <a:avLst/>
+          </a:prstGeom>
+          <a:solidFill>
+            <a:schemeClr val="accent1"/>
+          </a:solidFill>
+          <a:ln>
+            <a:noFill/>
+          </a:ln>
+        </p:spPr>
+        <p:style>
+          <a:lnRef idx="2">
+            <a:schemeClr val="accent1">
+              <a:shade val="50000"/>
+            </a:schemeClr>
+          </a:lnRef>
+          <a:fillRef idx="1">
+            <a:schemeClr val="accent1"/>
+          </a:fillRef>
+          <a:effectRef idx="0">
+            <a:schemeClr val="accent1"/>
+          </a:effectRef>
+          <a:fontRef idx="minor">
+            <a:schemeClr val="lt1"/>
+          </a:fontRef>
+        </p:style>
+      </p:sp>
+      <p:sp>
+        <p:nvSpPr>
+          <p:cNvPr id="2" name="Vertical Title 1"/>
           <p:cNvSpPr>
             <a:spLocks noGrp="1"/>
           </p:cNvSpPr>
@@ -578,8 +4196,8 @@
         </p:nvSpPr>
         <p:spPr>
           <a:xfrm>
-            <a:off x="8724900" y="365125"/>
-            <a:ext cx="2628900" cy="5811838"/>
+            <a:off x="10129231" y="609597"/>
+            <a:ext cx="1073802" cy="4353760"/>
           </a:xfrm>
         </p:spPr>
         <p:txBody>
@@ -590,19 +4208,13 @@
               <a:rPr lang="de-DE"/>
               <a:t>Mastertitelformat bearbeiten</a:t>
             </a:r>
-            <a:endParaRPr lang="de-AT"/>
-          </a:p>
-        </p:txBody>
-      </p:sp>
-      <p:sp>
-        <p:nvSpPr>
-          <p:cNvPr id="3" name="Vertikaler Textplatzhalter 2">
-            <a:extLst>
-              <a:ext uri="{FF2B5EF4-FFF2-40B4-BE49-F238E27FC236}">
-                <a16:creationId xmlns:a16="http://schemas.microsoft.com/office/drawing/2014/main" id="{654089AC-608D-92F4-4B49-09C1C72C3DAD}"/>
-              </a:ext>
-            </a:extLst>
-          </p:cNvPr>
+            <a:endParaRPr lang="en-US" dirty="0"/>
+          </a:p>
+        </p:txBody>
+      </p:sp>
+      <p:sp>
+        <p:nvSpPr>
+          <p:cNvPr id="3" name="Vertical Text Placeholder 2"/>
           <p:cNvSpPr>
             <a:spLocks noGrp="1"/>
           </p:cNvSpPr>
@@ -612,8 +4224,8 @@
         </p:nvSpPr>
         <p:spPr>
           <a:xfrm>
-            <a:off x="838200" y="365125"/>
-            <a:ext cx="7734300" cy="5811838"/>
+            <a:off x="680322" y="609597"/>
+            <a:ext cx="8870004" cy="5326589"/>
           </a:xfrm>
         </p:spPr>
         <p:txBody>
@@ -653,19 +4265,13 @@
               <a:rPr lang="de-DE"/>
               <a:t>Fünfte Ebene</a:t>
             </a:r>
-            <a:endParaRPr lang="de-AT"/>
-          </a:p>
-        </p:txBody>
-      </p:sp>
-      <p:sp>
-        <p:nvSpPr>
-          <p:cNvPr id="4" name="Datumsplatzhalter 3">
-            <a:extLst>
-              <a:ext uri="{FF2B5EF4-FFF2-40B4-BE49-F238E27FC236}">
-                <a16:creationId xmlns:a16="http://schemas.microsoft.com/office/drawing/2014/main" id="{7D6BCCBC-65C4-9BB0-209D-36D4251DAC74}"/>
-              </a:ext>
-            </a:extLst>
-          </p:cNvPr>
+            <a:endParaRPr lang="en-US" dirty="0"/>
+          </a:p>
+        </p:txBody>
+      </p:sp>
+      <p:sp>
+        <p:nvSpPr>
+          <p:cNvPr id="4" name="Date Placeholder 3"/>
           <p:cNvSpPr>
             <a:spLocks noGrp="1"/>
           </p:cNvSpPr>
@@ -673,7 +4279,12 @@
             <p:ph type="dt" sz="half" idx="10"/>
           </p:nvPr>
         </p:nvSpPr>
-        <p:spPr/>
+        <p:spPr>
+          <a:xfrm>
+            <a:off x="6807126" y="5936187"/>
+            <a:ext cx="2743200" cy="365125"/>
+          </a:xfrm>
+        </p:spPr>
         <p:txBody>
           <a:bodyPr/>
           <a:lstStyle/>
@@ -688,13 +4299,7 @@
       </p:sp>
       <p:sp>
         <p:nvSpPr>
-          <p:cNvPr id="5" name="Fußzeilenplatzhalter 4">
-            <a:extLst>
-              <a:ext uri="{FF2B5EF4-FFF2-40B4-BE49-F238E27FC236}">
-                <a16:creationId xmlns:a16="http://schemas.microsoft.com/office/drawing/2014/main" id="{5943076A-9D19-21C3-2F1B-2B70597ACF25}"/>
-              </a:ext>
-            </a:extLst>
-          </p:cNvPr>
+          <p:cNvPr id="5" name="Footer Placeholder 4"/>
           <p:cNvSpPr>
             <a:spLocks noGrp="1"/>
           </p:cNvSpPr>
@@ -702,7 +4307,12 @@
             <p:ph type="ftr" sz="quarter" idx="11"/>
           </p:nvPr>
         </p:nvSpPr>
-        <p:spPr/>
+        <p:spPr>
+          <a:xfrm>
+            <a:off x="680321" y="5936188"/>
+            <a:ext cx="6126805" cy="365125"/>
+          </a:xfrm>
+        </p:spPr>
         <p:txBody>
           <a:bodyPr/>
           <a:lstStyle/>
@@ -713,13 +4323,7 @@
       </p:sp>
       <p:sp>
         <p:nvSpPr>
-          <p:cNvPr id="6" name="Foliennummernplatzhalter 5">
-            <a:extLst>
-              <a:ext uri="{FF2B5EF4-FFF2-40B4-BE49-F238E27FC236}">
-                <a16:creationId xmlns:a16="http://schemas.microsoft.com/office/drawing/2014/main" id="{FF3C2F72-675C-110A-00F2-F63BAFF0A898}"/>
-              </a:ext>
-            </a:extLst>
-          </p:cNvPr>
+          <p:cNvPr id="6" name="Slide Number Placeholder 5"/>
           <p:cNvSpPr>
             <a:spLocks noGrp="1"/>
           </p:cNvSpPr>
@@ -727,10 +4331,19 @@
             <p:ph type="sldNum" sz="quarter" idx="12"/>
           </p:nvPr>
         </p:nvSpPr>
-        <p:spPr/>
-        <p:txBody>
-          <a:bodyPr/>
-          <a:lstStyle/>
+        <p:spPr>
+          <a:xfrm>
+            <a:off x="10097550" y="5398633"/>
+            <a:ext cx="1154151" cy="1090789"/>
+          </a:xfrm>
+        </p:spPr>
+        <p:txBody>
+          <a:bodyPr anchor="t"/>
+          <a:lstStyle>
+            <a:lvl1pPr algn="ctr">
+              <a:defRPr/>
+            </a:lvl1pPr>
+          </a:lstStyle>
           <a:p>
             <a:fld id="{0C71A69C-1F5A-4034-BC37-A2E57171137F}" type="slidenum">
               <a:rPr lang="de-AT" smtClean="0"/>
@@ -743,7 +4356,7 @@
     </p:spTree>
     <p:extLst>
       <p:ext uri="{BB962C8B-B14F-4D97-AF65-F5344CB8AC3E}">
-        <p14:creationId xmlns:p14="http://schemas.microsoft.com/office/powerpoint/2010/main" val="849621801"/>
+        <p14:creationId xmlns:p14="http://schemas.microsoft.com/office/powerpoint/2010/main" val="3043981943"/>
       </p:ext>
     </p:extLst>
   </p:cSld>
@@ -770,15 +4383,148 @@
           <a:chExt cx="0" cy="0"/>
         </a:xfrm>
       </p:grpSpPr>
-      <p:sp>
-        <p:nvSpPr>
-          <p:cNvPr id="2" name="Titel 1">
+      <p:pic>
+        <p:nvPicPr>
+          <p:cNvPr id="15" name="Picture 14" descr="HD-ShadowLong.png"/>
+          <p:cNvPicPr>
+            <a:picLocks noChangeAspect="1"/>
+          </p:cNvPicPr>
+          <p:nvPr/>
+        </p:nvPicPr>
+        <p:blipFill>
+          <a:blip r:embed="rId2">
             <a:extLst>
-              <a:ext uri="{FF2B5EF4-FFF2-40B4-BE49-F238E27FC236}">
-                <a16:creationId xmlns:a16="http://schemas.microsoft.com/office/drawing/2014/main" id="{FF6D5C84-A9B8-04FC-413E-4E01E9E17283}"/>
+              <a:ext uri="{28A0092B-C50C-407E-A947-70E740481C1C}">
+                <a14:useLocalDpi xmlns:a14="http://schemas.microsoft.com/office/drawing/2010/main" val="0"/>
               </a:ext>
             </a:extLst>
-          </p:cNvPr>
+          </a:blip>
+          <a:stretch>
+            <a:fillRect/>
+          </a:stretch>
+        </p:blipFill>
+        <p:spPr>
+          <a:xfrm>
+            <a:off x="1" y="1970240"/>
+            <a:ext cx="10437812" cy="321164"/>
+          </a:xfrm>
+          <a:prstGeom prst="rect">
+            <a:avLst/>
+          </a:prstGeom>
+        </p:spPr>
+      </p:pic>
+      <p:pic>
+        <p:nvPicPr>
+          <p:cNvPr id="16" name="Picture 15" descr="HD-ShadowShort.png"/>
+          <p:cNvPicPr>
+            <a:picLocks noChangeAspect="1"/>
+          </p:cNvPicPr>
+          <p:nvPr/>
+        </p:nvPicPr>
+        <p:blipFill>
+          <a:blip r:embed="rId3">
+            <a:extLst>
+              <a:ext uri="{28A0092B-C50C-407E-A947-70E740481C1C}">
+                <a14:useLocalDpi xmlns:a14="http://schemas.microsoft.com/office/drawing/2010/main" val="0"/>
+              </a:ext>
+            </a:extLst>
+          </a:blip>
+          <a:stretch>
+            <a:fillRect/>
+          </a:stretch>
+        </p:blipFill>
+        <p:spPr>
+          <a:xfrm>
+            <a:off x="10585826" y="1971234"/>
+            <a:ext cx="1602997" cy="144270"/>
+          </a:xfrm>
+          <a:prstGeom prst="rect">
+            <a:avLst/>
+          </a:prstGeom>
+        </p:spPr>
+      </p:pic>
+      <p:sp>
+        <p:nvSpPr>
+          <p:cNvPr id="17" name="Rectangle 16"/>
+          <p:cNvSpPr/>
+          <p:nvPr/>
+        </p:nvSpPr>
+        <p:spPr bwMode="ltGray">
+          <a:xfrm>
+            <a:off x="0" y="609600"/>
+            <a:ext cx="10437812" cy="1368198"/>
+          </a:xfrm>
+          <a:prstGeom prst="rect">
+            <a:avLst/>
+          </a:prstGeom>
+          <a:solidFill>
+            <a:schemeClr val="bg1">
+              <a:lumMod val="85000"/>
+              <a:lumOff val="15000"/>
+            </a:schemeClr>
+          </a:solidFill>
+          <a:ln>
+            <a:noFill/>
+          </a:ln>
+        </p:spPr>
+        <p:style>
+          <a:lnRef idx="2">
+            <a:schemeClr val="accent1">
+              <a:shade val="50000"/>
+            </a:schemeClr>
+          </a:lnRef>
+          <a:fillRef idx="1">
+            <a:schemeClr val="accent1"/>
+          </a:fillRef>
+          <a:effectRef idx="0">
+            <a:schemeClr val="accent1"/>
+          </a:effectRef>
+          <a:fontRef idx="minor">
+            <a:schemeClr val="lt1"/>
+          </a:fontRef>
+        </p:style>
+      </p:sp>
+      <p:sp>
+        <p:nvSpPr>
+          <p:cNvPr id="18" name="Rectangle 17"/>
+          <p:cNvSpPr/>
+          <p:nvPr/>
+        </p:nvSpPr>
+        <p:spPr>
+          <a:xfrm>
+            <a:off x="10585827" y="609600"/>
+            <a:ext cx="1602997" cy="1368198"/>
+          </a:xfrm>
+          <a:prstGeom prst="rect">
+            <a:avLst/>
+          </a:prstGeom>
+          <a:solidFill>
+            <a:schemeClr val="accent1"/>
+          </a:solidFill>
+          <a:ln>
+            <a:noFill/>
+          </a:ln>
+        </p:spPr>
+        <p:style>
+          <a:lnRef idx="2">
+            <a:schemeClr val="accent1">
+              <a:shade val="50000"/>
+            </a:schemeClr>
+          </a:lnRef>
+          <a:fillRef idx="1">
+            <a:schemeClr val="accent1"/>
+          </a:fillRef>
+          <a:effectRef idx="0">
+            <a:schemeClr val="accent1"/>
+          </a:effectRef>
+          <a:fontRef idx="minor">
+            <a:schemeClr val="lt1"/>
+          </a:fontRef>
+        </p:style>
+      </p:sp>
+      <p:sp>
+        <p:nvSpPr>
+          <p:cNvPr id="2" name="Title 1"/>
           <p:cNvSpPr>
             <a:spLocks noGrp="1"/>
           </p:cNvSpPr>
@@ -795,19 +4541,13 @@
               <a:rPr lang="de-DE"/>
               <a:t>Mastertitelformat bearbeiten</a:t>
             </a:r>
-            <a:endParaRPr lang="de-AT"/>
-          </a:p>
-        </p:txBody>
-      </p:sp>
-      <p:sp>
-        <p:nvSpPr>
-          <p:cNvPr id="3" name="Inhaltsplatzhalter 2">
-            <a:extLst>
-              <a:ext uri="{FF2B5EF4-FFF2-40B4-BE49-F238E27FC236}">
-                <a16:creationId xmlns:a16="http://schemas.microsoft.com/office/drawing/2014/main" id="{B6CEF0BC-7FBF-5109-1748-6CC38C8E1A05}"/>
-              </a:ext>
-            </a:extLst>
-          </p:cNvPr>
+            <a:endParaRPr lang="en-US" dirty="0"/>
+          </a:p>
+        </p:txBody>
+      </p:sp>
+      <p:sp>
+        <p:nvSpPr>
+          <p:cNvPr id="3" name="Content Placeholder 2"/>
           <p:cNvSpPr>
             <a:spLocks noGrp="1"/>
           </p:cNvSpPr>
@@ -853,19 +4593,13 @@
               <a:rPr lang="de-DE"/>
               <a:t>Fünfte Ebene</a:t>
             </a:r>
-            <a:endParaRPr lang="de-AT"/>
-          </a:p>
-        </p:txBody>
-      </p:sp>
-      <p:sp>
-        <p:nvSpPr>
-          <p:cNvPr id="4" name="Datumsplatzhalter 3">
-            <a:extLst>
-              <a:ext uri="{FF2B5EF4-FFF2-40B4-BE49-F238E27FC236}">
-                <a16:creationId xmlns:a16="http://schemas.microsoft.com/office/drawing/2014/main" id="{144F35A9-845F-D022-27AF-408972A821A4}"/>
-              </a:ext>
-            </a:extLst>
-          </p:cNvPr>
+            <a:endParaRPr lang="en-US" dirty="0"/>
+          </a:p>
+        </p:txBody>
+      </p:sp>
+      <p:sp>
+        <p:nvSpPr>
+          <p:cNvPr id="4" name="Date Placeholder 3"/>
           <p:cNvSpPr>
             <a:spLocks noGrp="1"/>
           </p:cNvSpPr>
@@ -888,13 +4622,7 @@
       </p:sp>
       <p:sp>
         <p:nvSpPr>
-          <p:cNvPr id="5" name="Fußzeilenplatzhalter 4">
-            <a:extLst>
-              <a:ext uri="{FF2B5EF4-FFF2-40B4-BE49-F238E27FC236}">
-                <a16:creationId xmlns:a16="http://schemas.microsoft.com/office/drawing/2014/main" id="{C6C9D615-142A-326F-DC7F-393C3B1F3295}"/>
-              </a:ext>
-            </a:extLst>
-          </p:cNvPr>
+          <p:cNvPr id="5" name="Footer Placeholder 4"/>
           <p:cNvSpPr>
             <a:spLocks noGrp="1"/>
           </p:cNvSpPr>
@@ -913,13 +4641,7 @@
       </p:sp>
       <p:sp>
         <p:nvSpPr>
-          <p:cNvPr id="6" name="Foliennummernplatzhalter 5">
-            <a:extLst>
-              <a:ext uri="{FF2B5EF4-FFF2-40B4-BE49-F238E27FC236}">
-                <a16:creationId xmlns:a16="http://schemas.microsoft.com/office/drawing/2014/main" id="{BC00DCAF-A395-F0AC-BEA5-056C3310FF68}"/>
-              </a:ext>
-            </a:extLst>
-          </p:cNvPr>
+          <p:cNvPr id="6" name="Slide Number Placeholder 5"/>
           <p:cNvSpPr>
             <a:spLocks noGrp="1"/>
           </p:cNvSpPr>
@@ -943,7 +4665,7 @@
     </p:spTree>
     <p:extLst>
       <p:ext uri="{BB962C8B-B14F-4D97-AF65-F5344CB8AC3E}">
-        <p14:creationId xmlns:p14="http://schemas.microsoft.com/office/powerpoint/2010/main" val="739212798"/>
+        <p14:creationId xmlns:p14="http://schemas.microsoft.com/office/powerpoint/2010/main" val="2544343493"/>
       </p:ext>
     </p:extLst>
   </p:cSld>
@@ -970,15 +4692,148 @@
           <a:chExt cx="0" cy="0"/>
         </a:xfrm>
       </p:grpSpPr>
-      <p:sp>
-        <p:nvSpPr>
-          <p:cNvPr id="2" name="Titel 1">
+      <p:pic>
+        <p:nvPicPr>
+          <p:cNvPr id="7" name="Picture 6" descr="HD-ShadowLong.png"/>
+          <p:cNvPicPr>
+            <a:picLocks noChangeAspect="1"/>
+          </p:cNvPicPr>
+          <p:nvPr/>
+        </p:nvPicPr>
+        <p:blipFill>
+          <a:blip r:embed="rId2">
             <a:extLst>
-              <a:ext uri="{FF2B5EF4-FFF2-40B4-BE49-F238E27FC236}">
-                <a16:creationId xmlns:a16="http://schemas.microsoft.com/office/drawing/2014/main" id="{1D8BC952-CB70-5487-2D43-3E3D33E46B8A}"/>
+              <a:ext uri="{28A0092B-C50C-407E-A947-70E740481C1C}">
+                <a14:useLocalDpi xmlns:a14="http://schemas.microsoft.com/office/drawing/2010/main" val="0"/>
               </a:ext>
             </a:extLst>
-          </p:cNvPr>
+          </a:blip>
+          <a:stretch>
+            <a:fillRect/>
+          </a:stretch>
+        </p:blipFill>
+        <p:spPr>
+          <a:xfrm>
+            <a:off x="-1" y="4086907"/>
+            <a:ext cx="10437812" cy="321164"/>
+          </a:xfrm>
+          <a:prstGeom prst="rect">
+            <a:avLst/>
+          </a:prstGeom>
+        </p:spPr>
+      </p:pic>
+      <p:pic>
+        <p:nvPicPr>
+          <p:cNvPr id="8" name="Picture 7" descr="HD-ShadowShort.png"/>
+          <p:cNvPicPr>
+            <a:picLocks noChangeAspect="1"/>
+          </p:cNvPicPr>
+          <p:nvPr/>
+        </p:nvPicPr>
+        <p:blipFill>
+          <a:blip r:embed="rId3">
+            <a:extLst>
+              <a:ext uri="{28A0092B-C50C-407E-A947-70E740481C1C}">
+                <a14:useLocalDpi xmlns:a14="http://schemas.microsoft.com/office/drawing/2010/main" val="0"/>
+              </a:ext>
+            </a:extLst>
+          </a:blip>
+          <a:stretch>
+            <a:fillRect/>
+          </a:stretch>
+        </p:blipFill>
+        <p:spPr>
+          <a:xfrm>
+            <a:off x="10585824" y="4087901"/>
+            <a:ext cx="1602997" cy="144270"/>
+          </a:xfrm>
+          <a:prstGeom prst="rect">
+            <a:avLst/>
+          </a:prstGeom>
+        </p:spPr>
+      </p:pic>
+      <p:sp>
+        <p:nvSpPr>
+          <p:cNvPr id="9" name="Rectangle 8"/>
+          <p:cNvSpPr/>
+          <p:nvPr/>
+        </p:nvSpPr>
+        <p:spPr bwMode="ltGray">
+          <a:xfrm>
+            <a:off x="-2" y="2726267"/>
+            <a:ext cx="10437812" cy="1368198"/>
+          </a:xfrm>
+          <a:prstGeom prst="rect">
+            <a:avLst/>
+          </a:prstGeom>
+          <a:solidFill>
+            <a:schemeClr val="bg1">
+              <a:lumMod val="85000"/>
+              <a:lumOff val="15000"/>
+            </a:schemeClr>
+          </a:solidFill>
+          <a:ln>
+            <a:noFill/>
+          </a:ln>
+        </p:spPr>
+        <p:style>
+          <a:lnRef idx="2">
+            <a:schemeClr val="accent1">
+              <a:shade val="50000"/>
+            </a:schemeClr>
+          </a:lnRef>
+          <a:fillRef idx="1">
+            <a:schemeClr val="accent1"/>
+          </a:fillRef>
+          <a:effectRef idx="0">
+            <a:schemeClr val="accent1"/>
+          </a:effectRef>
+          <a:fontRef idx="minor">
+            <a:schemeClr val="lt1"/>
+          </a:fontRef>
+        </p:style>
+      </p:sp>
+      <p:sp>
+        <p:nvSpPr>
+          <p:cNvPr id="10" name="Rectangle 9"/>
+          <p:cNvSpPr/>
+          <p:nvPr/>
+        </p:nvSpPr>
+        <p:spPr>
+          <a:xfrm>
+            <a:off x="10585825" y="2726267"/>
+            <a:ext cx="1602997" cy="1368198"/>
+          </a:xfrm>
+          <a:prstGeom prst="rect">
+            <a:avLst/>
+          </a:prstGeom>
+          <a:solidFill>
+            <a:schemeClr val="accent1"/>
+          </a:solidFill>
+          <a:ln>
+            <a:noFill/>
+          </a:ln>
+        </p:spPr>
+        <p:style>
+          <a:lnRef idx="2">
+            <a:schemeClr val="accent1">
+              <a:shade val="50000"/>
+            </a:schemeClr>
+          </a:lnRef>
+          <a:fillRef idx="1">
+            <a:schemeClr val="accent1"/>
+          </a:fillRef>
+          <a:effectRef idx="0">
+            <a:schemeClr val="accent1"/>
+          </a:effectRef>
+          <a:fontRef idx="minor">
+            <a:schemeClr val="lt1"/>
+          </a:fontRef>
+        </p:style>
+      </p:sp>
+      <p:sp>
+        <p:nvSpPr>
+          <p:cNvPr id="2" name="Title 1"/>
           <p:cNvSpPr>
             <a:spLocks noGrp="1"/>
           </p:cNvSpPr>
@@ -988,15 +4843,17 @@
         </p:nvSpPr>
         <p:spPr>
           <a:xfrm>
-            <a:off x="831850" y="1709738"/>
-            <a:ext cx="10515600" cy="2852737"/>
-          </a:xfrm>
-        </p:spPr>
-        <p:txBody>
-          <a:bodyPr anchor="b"/>
+            <a:off x="680322" y="2869895"/>
+            <a:ext cx="9613860" cy="1090788"/>
+          </a:xfrm>
+        </p:spPr>
+        <p:txBody>
+          <a:bodyPr anchor="ctr">
+            <a:normAutofit/>
+          </a:bodyPr>
           <a:lstStyle>
-            <a:lvl1pPr>
-              <a:defRPr sz="6000"/>
+            <a:lvl1pPr algn="r">
+              <a:defRPr sz="3600"/>
             </a:lvl1pPr>
           </a:lstStyle>
           <a:p>
@@ -1004,19 +4861,13 @@
               <a:rPr lang="de-DE"/>
               <a:t>Mastertitelformat bearbeiten</a:t>
             </a:r>
-            <a:endParaRPr lang="de-AT"/>
-          </a:p>
-        </p:txBody>
-      </p:sp>
-      <p:sp>
-        <p:nvSpPr>
-          <p:cNvPr id="3" name="Textplatzhalter 2">
-            <a:extLst>
-              <a:ext uri="{FF2B5EF4-FFF2-40B4-BE49-F238E27FC236}">
-                <a16:creationId xmlns:a16="http://schemas.microsoft.com/office/drawing/2014/main" id="{7300782F-CE45-CE67-9AD5-D023213C7B1B}"/>
-              </a:ext>
-            </a:extLst>
-          </p:cNvPr>
+            <a:endParaRPr lang="en-US" dirty="0"/>
+          </a:p>
+        </p:txBody>
+      </p:sp>
+      <p:sp>
+        <p:nvSpPr>
+          <p:cNvPr id="3" name="Text Placeholder 2"/>
           <p:cNvSpPr>
             <a:spLocks noGrp="1"/>
           </p:cNvSpPr>
@@ -1026,16 +4877,18 @@
         </p:nvSpPr>
         <p:spPr>
           <a:xfrm>
-            <a:off x="831850" y="4589463"/>
-            <a:ext cx="10515600" cy="1500187"/>
-          </a:xfrm>
-        </p:spPr>
-        <p:txBody>
-          <a:bodyPr/>
+            <a:off x="680322" y="4232171"/>
+            <a:ext cx="9613860" cy="1704017"/>
+          </a:xfrm>
+        </p:spPr>
+        <p:txBody>
+          <a:bodyPr>
+            <a:normAutofit/>
+          </a:bodyPr>
           <a:lstStyle>
-            <a:lvl1pPr marL="0" indent="0">
-              <a:buNone/>
-              <a:defRPr sz="2400">
+            <a:lvl1pPr marL="0" indent="0" algn="r">
+              <a:buNone/>
+              <a:defRPr sz="2000">
                 <a:solidFill>
                   <a:schemeClr val="tx1">
                     <a:tint val="75000"/>
@@ -1135,13 +4988,7 @@
       </p:sp>
       <p:sp>
         <p:nvSpPr>
-          <p:cNvPr id="4" name="Datumsplatzhalter 3">
-            <a:extLst>
-              <a:ext uri="{FF2B5EF4-FFF2-40B4-BE49-F238E27FC236}">
-                <a16:creationId xmlns:a16="http://schemas.microsoft.com/office/drawing/2014/main" id="{34EA8A6A-FEEA-E35E-F378-5E2B43298635}"/>
-              </a:ext>
-            </a:extLst>
-          </p:cNvPr>
+          <p:cNvPr id="4" name="Date Placeholder 3"/>
           <p:cNvSpPr>
             <a:spLocks noGrp="1"/>
           </p:cNvSpPr>
@@ -1164,13 +5011,7 @@
       </p:sp>
       <p:sp>
         <p:nvSpPr>
-          <p:cNvPr id="5" name="Fußzeilenplatzhalter 4">
-            <a:extLst>
-              <a:ext uri="{FF2B5EF4-FFF2-40B4-BE49-F238E27FC236}">
-                <a16:creationId xmlns:a16="http://schemas.microsoft.com/office/drawing/2014/main" id="{C504537E-89A0-1CD7-72A4-EB6AFD36BF3F}"/>
-              </a:ext>
-            </a:extLst>
-          </p:cNvPr>
+          <p:cNvPr id="5" name="Footer Placeholder 4"/>
           <p:cNvSpPr>
             <a:spLocks noGrp="1"/>
           </p:cNvSpPr>
@@ -1189,13 +5030,7 @@
       </p:sp>
       <p:sp>
         <p:nvSpPr>
-          <p:cNvPr id="6" name="Foliennummernplatzhalter 5">
-            <a:extLst>
-              <a:ext uri="{FF2B5EF4-FFF2-40B4-BE49-F238E27FC236}">
-                <a16:creationId xmlns:a16="http://schemas.microsoft.com/office/drawing/2014/main" id="{E0AE52F6-6537-B5B9-CEFC-3B2755A7C50F}"/>
-              </a:ext>
-            </a:extLst>
-          </p:cNvPr>
+          <p:cNvPr id="6" name="Slide Number Placeholder 5"/>
           <p:cNvSpPr>
             <a:spLocks noGrp="1"/>
           </p:cNvSpPr>
@@ -1203,7 +5038,12 @@
             <p:ph type="sldNum" sz="quarter" idx="12"/>
           </p:nvPr>
         </p:nvSpPr>
-        <p:spPr/>
+        <p:spPr>
+          <a:xfrm>
+            <a:off x="10729455" y="2869895"/>
+            <a:ext cx="1154151" cy="1090789"/>
+          </a:xfrm>
+        </p:spPr>
         <p:txBody>
           <a:bodyPr/>
           <a:lstStyle/>
@@ -1219,7 +5059,7 @@
     </p:spTree>
     <p:extLst>
       <p:ext uri="{BB962C8B-B14F-4D97-AF65-F5344CB8AC3E}">
-        <p14:creationId xmlns:p14="http://schemas.microsoft.com/office/powerpoint/2010/main" val="235281229"/>
+        <p14:creationId xmlns:p14="http://schemas.microsoft.com/office/powerpoint/2010/main" val="1182613145"/>
       </p:ext>
     </p:extLst>
   </p:cSld>
@@ -1246,15 +5086,148 @@
           <a:chExt cx="0" cy="0"/>
         </a:xfrm>
       </p:grpSpPr>
-      <p:sp>
-        <p:nvSpPr>
-          <p:cNvPr id="2" name="Titel 1">
+      <p:pic>
+        <p:nvPicPr>
+          <p:cNvPr id="8" name="Picture 7" descr="HD-ShadowLong.png"/>
+          <p:cNvPicPr>
+            <a:picLocks noChangeAspect="1"/>
+          </p:cNvPicPr>
+          <p:nvPr/>
+        </p:nvPicPr>
+        <p:blipFill>
+          <a:blip r:embed="rId2">
             <a:extLst>
-              <a:ext uri="{FF2B5EF4-FFF2-40B4-BE49-F238E27FC236}">
-                <a16:creationId xmlns:a16="http://schemas.microsoft.com/office/drawing/2014/main" id="{14E3C343-C56C-538C-E4F7-8E8EDA8D87D7}"/>
+              <a:ext uri="{28A0092B-C50C-407E-A947-70E740481C1C}">
+                <a14:useLocalDpi xmlns:a14="http://schemas.microsoft.com/office/drawing/2010/main" val="0"/>
               </a:ext>
             </a:extLst>
-          </p:cNvPr>
+          </a:blip>
+          <a:stretch>
+            <a:fillRect/>
+          </a:stretch>
+        </p:blipFill>
+        <p:spPr>
+          <a:xfrm>
+            <a:off x="1" y="1970240"/>
+            <a:ext cx="10437812" cy="321164"/>
+          </a:xfrm>
+          <a:prstGeom prst="rect">
+            <a:avLst/>
+          </a:prstGeom>
+        </p:spPr>
+      </p:pic>
+      <p:pic>
+        <p:nvPicPr>
+          <p:cNvPr id="9" name="Picture 8" descr="HD-ShadowShort.png"/>
+          <p:cNvPicPr>
+            <a:picLocks noChangeAspect="1"/>
+          </p:cNvPicPr>
+          <p:nvPr/>
+        </p:nvPicPr>
+        <p:blipFill>
+          <a:blip r:embed="rId3">
+            <a:extLst>
+              <a:ext uri="{28A0092B-C50C-407E-A947-70E740481C1C}">
+                <a14:useLocalDpi xmlns:a14="http://schemas.microsoft.com/office/drawing/2010/main" val="0"/>
+              </a:ext>
+            </a:extLst>
+          </a:blip>
+          <a:stretch>
+            <a:fillRect/>
+          </a:stretch>
+        </p:blipFill>
+        <p:spPr>
+          <a:xfrm>
+            <a:off x="10585826" y="1971234"/>
+            <a:ext cx="1602997" cy="144270"/>
+          </a:xfrm>
+          <a:prstGeom prst="rect">
+            <a:avLst/>
+          </a:prstGeom>
+        </p:spPr>
+      </p:pic>
+      <p:sp>
+        <p:nvSpPr>
+          <p:cNvPr id="10" name="Rectangle 9"/>
+          <p:cNvSpPr/>
+          <p:nvPr/>
+        </p:nvSpPr>
+        <p:spPr bwMode="ltGray">
+          <a:xfrm>
+            <a:off x="0" y="609600"/>
+            <a:ext cx="10437812" cy="1368198"/>
+          </a:xfrm>
+          <a:prstGeom prst="rect">
+            <a:avLst/>
+          </a:prstGeom>
+          <a:solidFill>
+            <a:schemeClr val="bg1">
+              <a:lumMod val="85000"/>
+              <a:lumOff val="15000"/>
+            </a:schemeClr>
+          </a:solidFill>
+          <a:ln>
+            <a:noFill/>
+          </a:ln>
+        </p:spPr>
+        <p:style>
+          <a:lnRef idx="2">
+            <a:schemeClr val="accent1">
+              <a:shade val="50000"/>
+            </a:schemeClr>
+          </a:lnRef>
+          <a:fillRef idx="1">
+            <a:schemeClr val="accent1"/>
+          </a:fillRef>
+          <a:effectRef idx="0">
+            <a:schemeClr val="accent1"/>
+          </a:effectRef>
+          <a:fontRef idx="minor">
+            <a:schemeClr val="lt1"/>
+          </a:fontRef>
+        </p:style>
+      </p:sp>
+      <p:sp>
+        <p:nvSpPr>
+          <p:cNvPr id="11" name="Rectangle 10"/>
+          <p:cNvSpPr/>
+          <p:nvPr/>
+        </p:nvSpPr>
+        <p:spPr>
+          <a:xfrm>
+            <a:off x="10585827" y="609600"/>
+            <a:ext cx="1602997" cy="1368198"/>
+          </a:xfrm>
+          <a:prstGeom prst="rect">
+            <a:avLst/>
+          </a:prstGeom>
+          <a:solidFill>
+            <a:schemeClr val="accent1"/>
+          </a:solidFill>
+          <a:ln>
+            <a:noFill/>
+          </a:ln>
+        </p:spPr>
+        <p:style>
+          <a:lnRef idx="2">
+            <a:schemeClr val="accent1">
+              <a:shade val="50000"/>
+            </a:schemeClr>
+          </a:lnRef>
+          <a:fillRef idx="1">
+            <a:schemeClr val="accent1"/>
+          </a:fillRef>
+          <a:effectRef idx="0">
+            <a:schemeClr val="accent1"/>
+          </a:effectRef>
+          <a:fontRef idx="minor">
+            <a:schemeClr val="lt1"/>
+          </a:fontRef>
+        </p:style>
+      </p:sp>
+      <p:sp>
+        <p:nvSpPr>
+          <p:cNvPr id="2" name="Title 1"/>
           <p:cNvSpPr>
             <a:spLocks noGrp="1"/>
           </p:cNvSpPr>
@@ -1271,19 +5244,13 @@
               <a:rPr lang="de-DE"/>
               <a:t>Mastertitelformat bearbeiten</a:t>
             </a:r>
-            <a:endParaRPr lang="de-AT"/>
-          </a:p>
-        </p:txBody>
-      </p:sp>
-      <p:sp>
-        <p:nvSpPr>
-          <p:cNvPr id="3" name="Inhaltsplatzhalter 2">
-            <a:extLst>
-              <a:ext uri="{FF2B5EF4-FFF2-40B4-BE49-F238E27FC236}">
-                <a16:creationId xmlns:a16="http://schemas.microsoft.com/office/drawing/2014/main" id="{CCF53319-503B-5748-2D6D-4023A55E44F5}"/>
-              </a:ext>
-            </a:extLst>
-          </p:cNvPr>
+            <a:endParaRPr lang="en-US" dirty="0"/>
+          </a:p>
+        </p:txBody>
+      </p:sp>
+      <p:sp>
+        <p:nvSpPr>
+          <p:cNvPr id="3" name="Content Placeholder 2"/>
           <p:cNvSpPr>
             <a:spLocks noGrp="1"/>
           </p:cNvSpPr>
@@ -1293,8 +5260,8 @@
         </p:nvSpPr>
         <p:spPr>
           <a:xfrm>
-            <a:off x="838200" y="1825625"/>
-            <a:ext cx="5181600" cy="4351338"/>
+            <a:off x="680320" y="2336873"/>
+            <a:ext cx="4698358" cy="3599316"/>
           </a:xfrm>
         </p:spPr>
         <p:txBody>
@@ -1334,19 +5301,13 @@
               <a:rPr lang="de-DE"/>
               <a:t>Fünfte Ebene</a:t>
             </a:r>
-            <a:endParaRPr lang="de-AT"/>
-          </a:p>
-        </p:txBody>
-      </p:sp>
-      <p:sp>
-        <p:nvSpPr>
-          <p:cNvPr id="4" name="Inhaltsplatzhalter 3">
-            <a:extLst>
-              <a:ext uri="{FF2B5EF4-FFF2-40B4-BE49-F238E27FC236}">
-                <a16:creationId xmlns:a16="http://schemas.microsoft.com/office/drawing/2014/main" id="{1E94559F-C797-284D-7031-B40C7E191527}"/>
-              </a:ext>
-            </a:extLst>
-          </p:cNvPr>
+            <a:endParaRPr lang="en-US" dirty="0"/>
+          </a:p>
+        </p:txBody>
+      </p:sp>
+      <p:sp>
+        <p:nvSpPr>
+          <p:cNvPr id="4" name="Content Placeholder 3"/>
           <p:cNvSpPr>
             <a:spLocks noGrp="1"/>
           </p:cNvSpPr>
@@ -1356,8 +5317,8 @@
         </p:nvSpPr>
         <p:spPr>
           <a:xfrm>
-            <a:off x="6172200" y="1825625"/>
-            <a:ext cx="5181600" cy="4351338"/>
+            <a:off x="5594123" y="2336873"/>
+            <a:ext cx="4700058" cy="3599316"/>
           </a:xfrm>
         </p:spPr>
         <p:txBody>
@@ -1397,19 +5358,13 @@
               <a:rPr lang="de-DE"/>
               <a:t>Fünfte Ebene</a:t>
             </a:r>
-            <a:endParaRPr lang="de-AT"/>
-          </a:p>
-        </p:txBody>
-      </p:sp>
-      <p:sp>
-        <p:nvSpPr>
-          <p:cNvPr id="5" name="Datumsplatzhalter 4">
-            <a:extLst>
-              <a:ext uri="{FF2B5EF4-FFF2-40B4-BE49-F238E27FC236}">
-                <a16:creationId xmlns:a16="http://schemas.microsoft.com/office/drawing/2014/main" id="{FF4059C6-0B86-89FF-2CD4-B2B0C59655D5}"/>
-              </a:ext>
-            </a:extLst>
-          </p:cNvPr>
+            <a:endParaRPr lang="en-US" dirty="0"/>
+          </a:p>
+        </p:txBody>
+      </p:sp>
+      <p:sp>
+        <p:nvSpPr>
+          <p:cNvPr id="5" name="Date Placeholder 4"/>
           <p:cNvSpPr>
             <a:spLocks noGrp="1"/>
           </p:cNvSpPr>
@@ -1432,13 +5387,7 @@
       </p:sp>
       <p:sp>
         <p:nvSpPr>
-          <p:cNvPr id="6" name="Fußzeilenplatzhalter 5">
-            <a:extLst>
-              <a:ext uri="{FF2B5EF4-FFF2-40B4-BE49-F238E27FC236}">
-                <a16:creationId xmlns:a16="http://schemas.microsoft.com/office/drawing/2014/main" id="{B62551FE-5F1B-18FD-892B-7655C7F81933}"/>
-              </a:ext>
-            </a:extLst>
-          </p:cNvPr>
+          <p:cNvPr id="6" name="Footer Placeholder 5"/>
           <p:cNvSpPr>
             <a:spLocks noGrp="1"/>
           </p:cNvSpPr>
@@ -1457,13 +5406,7 @@
       </p:sp>
       <p:sp>
         <p:nvSpPr>
-          <p:cNvPr id="7" name="Foliennummernplatzhalter 6">
-            <a:extLst>
-              <a:ext uri="{FF2B5EF4-FFF2-40B4-BE49-F238E27FC236}">
-                <a16:creationId xmlns:a16="http://schemas.microsoft.com/office/drawing/2014/main" id="{76E44944-B4C2-A1E0-48E9-D0ADFB213E1E}"/>
-              </a:ext>
-            </a:extLst>
-          </p:cNvPr>
+          <p:cNvPr id="7" name="Slide Number Placeholder 6"/>
           <p:cNvSpPr>
             <a:spLocks noGrp="1"/>
           </p:cNvSpPr>
@@ -1487,7 +5430,7 @@
     </p:spTree>
     <p:extLst>
       <p:ext uri="{BB962C8B-B14F-4D97-AF65-F5344CB8AC3E}">
-        <p14:creationId xmlns:p14="http://schemas.microsoft.com/office/powerpoint/2010/main" val="375623286"/>
+        <p14:creationId xmlns:p14="http://schemas.microsoft.com/office/powerpoint/2010/main" val="1897165604"/>
       </p:ext>
     </p:extLst>
   </p:cSld>
@@ -1514,15 +5457,148 @@
           <a:chExt cx="0" cy="0"/>
         </a:xfrm>
       </p:grpSpPr>
-      <p:sp>
-        <p:nvSpPr>
-          <p:cNvPr id="2" name="Titel 1">
+      <p:pic>
+        <p:nvPicPr>
+          <p:cNvPr id="10" name="Picture 9" descr="HD-ShadowLong.png"/>
+          <p:cNvPicPr>
+            <a:picLocks noChangeAspect="1"/>
+          </p:cNvPicPr>
+          <p:nvPr/>
+        </p:nvPicPr>
+        <p:blipFill>
+          <a:blip r:embed="rId2">
             <a:extLst>
-              <a:ext uri="{FF2B5EF4-FFF2-40B4-BE49-F238E27FC236}">
-                <a16:creationId xmlns:a16="http://schemas.microsoft.com/office/drawing/2014/main" id="{F1B73606-88AC-3F79-90F7-CC841EC92C2A}"/>
+              <a:ext uri="{28A0092B-C50C-407E-A947-70E740481C1C}">
+                <a14:useLocalDpi xmlns:a14="http://schemas.microsoft.com/office/drawing/2010/main" val="0"/>
               </a:ext>
             </a:extLst>
-          </p:cNvPr>
+          </a:blip>
+          <a:stretch>
+            <a:fillRect/>
+          </a:stretch>
+        </p:blipFill>
+        <p:spPr>
+          <a:xfrm>
+            <a:off x="1" y="1970240"/>
+            <a:ext cx="10437812" cy="321164"/>
+          </a:xfrm>
+          <a:prstGeom prst="rect">
+            <a:avLst/>
+          </a:prstGeom>
+        </p:spPr>
+      </p:pic>
+      <p:pic>
+        <p:nvPicPr>
+          <p:cNvPr id="11" name="Picture 10" descr="HD-ShadowShort.png"/>
+          <p:cNvPicPr>
+            <a:picLocks noChangeAspect="1"/>
+          </p:cNvPicPr>
+          <p:nvPr/>
+        </p:nvPicPr>
+        <p:blipFill>
+          <a:blip r:embed="rId3">
+            <a:extLst>
+              <a:ext uri="{28A0092B-C50C-407E-A947-70E740481C1C}">
+                <a14:useLocalDpi xmlns:a14="http://schemas.microsoft.com/office/drawing/2010/main" val="0"/>
+              </a:ext>
+            </a:extLst>
+          </a:blip>
+          <a:stretch>
+            <a:fillRect/>
+          </a:stretch>
+        </p:blipFill>
+        <p:spPr>
+          <a:xfrm>
+            <a:off x="10585826" y="1971234"/>
+            <a:ext cx="1602997" cy="144270"/>
+          </a:xfrm>
+          <a:prstGeom prst="rect">
+            <a:avLst/>
+          </a:prstGeom>
+        </p:spPr>
+      </p:pic>
+      <p:sp>
+        <p:nvSpPr>
+          <p:cNvPr id="12" name="Rectangle 11"/>
+          <p:cNvSpPr/>
+          <p:nvPr/>
+        </p:nvSpPr>
+        <p:spPr bwMode="ltGray">
+          <a:xfrm>
+            <a:off x="0" y="609600"/>
+            <a:ext cx="10437812" cy="1368198"/>
+          </a:xfrm>
+          <a:prstGeom prst="rect">
+            <a:avLst/>
+          </a:prstGeom>
+          <a:solidFill>
+            <a:schemeClr val="bg1">
+              <a:lumMod val="85000"/>
+              <a:lumOff val="15000"/>
+            </a:schemeClr>
+          </a:solidFill>
+          <a:ln>
+            <a:noFill/>
+          </a:ln>
+        </p:spPr>
+        <p:style>
+          <a:lnRef idx="2">
+            <a:schemeClr val="accent1">
+              <a:shade val="50000"/>
+            </a:schemeClr>
+          </a:lnRef>
+          <a:fillRef idx="1">
+            <a:schemeClr val="accent1"/>
+          </a:fillRef>
+          <a:effectRef idx="0">
+            <a:schemeClr val="accent1"/>
+          </a:effectRef>
+          <a:fontRef idx="minor">
+            <a:schemeClr val="lt1"/>
+          </a:fontRef>
+        </p:style>
+      </p:sp>
+      <p:sp>
+        <p:nvSpPr>
+          <p:cNvPr id="13" name="Rectangle 12"/>
+          <p:cNvSpPr/>
+          <p:nvPr/>
+        </p:nvSpPr>
+        <p:spPr>
+          <a:xfrm>
+            <a:off x="10585827" y="609600"/>
+            <a:ext cx="1602997" cy="1368198"/>
+          </a:xfrm>
+          <a:prstGeom prst="rect">
+            <a:avLst/>
+          </a:prstGeom>
+          <a:solidFill>
+            <a:schemeClr val="accent1"/>
+          </a:solidFill>
+          <a:ln>
+            <a:noFill/>
+          </a:ln>
+        </p:spPr>
+        <p:style>
+          <a:lnRef idx="2">
+            <a:schemeClr val="accent1">
+              <a:shade val="50000"/>
+            </a:schemeClr>
+          </a:lnRef>
+          <a:fillRef idx="1">
+            <a:schemeClr val="accent1"/>
+          </a:fillRef>
+          <a:effectRef idx="0">
+            <a:schemeClr val="accent1"/>
+          </a:effectRef>
+          <a:fontRef idx="minor">
+            <a:schemeClr val="lt1"/>
+          </a:fontRef>
+        </p:style>
+      </p:sp>
+      <p:sp>
+        <p:nvSpPr>
+          <p:cNvPr id="2" name="Title 1"/>
           <p:cNvSpPr>
             <a:spLocks noGrp="1"/>
           </p:cNvSpPr>
@@ -1532,8 +5608,8 @@
         </p:nvSpPr>
         <p:spPr>
           <a:xfrm>
-            <a:off x="839788" y="365125"/>
-            <a:ext cx="10515600" cy="1325563"/>
+            <a:off x="680319" y="753229"/>
+            <a:ext cx="9613863" cy="1080937"/>
           </a:xfrm>
         </p:spPr>
         <p:txBody>
@@ -1544,19 +5620,13 @@
               <a:rPr lang="de-DE"/>
               <a:t>Mastertitelformat bearbeiten</a:t>
             </a:r>
-            <a:endParaRPr lang="de-AT"/>
-          </a:p>
-        </p:txBody>
-      </p:sp>
-      <p:sp>
-        <p:nvSpPr>
-          <p:cNvPr id="3" name="Textplatzhalter 2">
-            <a:extLst>
-              <a:ext uri="{FF2B5EF4-FFF2-40B4-BE49-F238E27FC236}">
-                <a16:creationId xmlns:a16="http://schemas.microsoft.com/office/drawing/2014/main" id="{FCE1C41E-5009-E50A-1CAC-05E22E3446EB}"/>
-              </a:ext>
-            </a:extLst>
-          </p:cNvPr>
+            <a:endParaRPr lang="en-US" dirty="0"/>
+          </a:p>
+        </p:txBody>
+      </p:sp>
+      <p:sp>
+        <p:nvSpPr>
+          <p:cNvPr id="3" name="Text Placeholder 2"/>
           <p:cNvSpPr>
             <a:spLocks noGrp="1"/>
           </p:cNvSpPr>
@@ -1566,8 +5636,8 @@
         </p:nvSpPr>
         <p:spPr>
           <a:xfrm>
-            <a:off x="839788" y="1681163"/>
-            <a:ext cx="5157787" cy="823912"/>
+            <a:off x="906350" y="2336873"/>
+            <a:ext cx="4472327" cy="693135"/>
           </a:xfrm>
         </p:spPr>
         <p:txBody>
@@ -1621,13 +5691,7 @@
       </p:sp>
       <p:sp>
         <p:nvSpPr>
-          <p:cNvPr id="4" name="Inhaltsplatzhalter 3">
-            <a:extLst>
-              <a:ext uri="{FF2B5EF4-FFF2-40B4-BE49-F238E27FC236}">
-                <a16:creationId xmlns:a16="http://schemas.microsoft.com/office/drawing/2014/main" id="{3EF43724-6871-B6DD-6B72-0FA8D0A0D144}"/>
-              </a:ext>
-            </a:extLst>
-          </p:cNvPr>
+          <p:cNvPr id="4" name="Content Placeholder 3"/>
           <p:cNvSpPr>
             <a:spLocks noGrp="1"/>
           </p:cNvSpPr>
@@ -1637,8 +5701,8 @@
         </p:nvSpPr>
         <p:spPr>
           <a:xfrm>
-            <a:off x="839788" y="2505075"/>
-            <a:ext cx="5157787" cy="3684588"/>
+            <a:off x="680322" y="3030008"/>
+            <a:ext cx="4698355" cy="2906179"/>
           </a:xfrm>
         </p:spPr>
         <p:txBody>
@@ -1678,19 +5742,13 @@
               <a:rPr lang="de-DE"/>
               <a:t>Fünfte Ebene</a:t>
             </a:r>
-            <a:endParaRPr lang="de-AT"/>
-          </a:p>
-        </p:txBody>
-      </p:sp>
-      <p:sp>
-        <p:nvSpPr>
-          <p:cNvPr id="5" name="Textplatzhalter 4">
-            <a:extLst>
-              <a:ext uri="{FF2B5EF4-FFF2-40B4-BE49-F238E27FC236}">
-                <a16:creationId xmlns:a16="http://schemas.microsoft.com/office/drawing/2014/main" id="{22872913-0398-AF2B-F6B7-05EC000DE4EE}"/>
-              </a:ext>
-            </a:extLst>
-          </p:cNvPr>
+            <a:endParaRPr lang="en-US" dirty="0"/>
+          </a:p>
+        </p:txBody>
+      </p:sp>
+      <p:sp>
+        <p:nvSpPr>
+          <p:cNvPr id="5" name="Text Placeholder 4"/>
           <p:cNvSpPr>
             <a:spLocks noGrp="1"/>
           </p:cNvSpPr>
@@ -1700,8 +5758,8 @@
         </p:nvSpPr>
         <p:spPr>
           <a:xfrm>
-            <a:off x="6172200" y="1681163"/>
-            <a:ext cx="5183188" cy="823912"/>
+            <a:off x="5820154" y="2336873"/>
+            <a:ext cx="4474028" cy="692076"/>
           </a:xfrm>
         </p:spPr>
         <p:txBody>
@@ -1755,13 +5813,7 @@
       </p:sp>
       <p:sp>
         <p:nvSpPr>
-          <p:cNvPr id="6" name="Inhaltsplatzhalter 5">
-            <a:extLst>
-              <a:ext uri="{FF2B5EF4-FFF2-40B4-BE49-F238E27FC236}">
-                <a16:creationId xmlns:a16="http://schemas.microsoft.com/office/drawing/2014/main" id="{54455BC0-3820-A4A6-8D06-95320051BDD5}"/>
-              </a:ext>
-            </a:extLst>
-          </p:cNvPr>
+          <p:cNvPr id="6" name="Content Placeholder 5"/>
           <p:cNvSpPr>
             <a:spLocks noGrp="1"/>
           </p:cNvSpPr>
@@ -1771,8 +5823,8 @@
         </p:nvSpPr>
         <p:spPr>
           <a:xfrm>
-            <a:off x="6172200" y="2505075"/>
-            <a:ext cx="5183188" cy="3684588"/>
+            <a:off x="5594123" y="3030008"/>
+            <a:ext cx="4700059" cy="2906179"/>
           </a:xfrm>
         </p:spPr>
         <p:txBody>
@@ -1812,19 +5864,13 @@
               <a:rPr lang="de-DE"/>
               <a:t>Fünfte Ebene</a:t>
             </a:r>
-            <a:endParaRPr lang="de-AT"/>
-          </a:p>
-        </p:txBody>
-      </p:sp>
-      <p:sp>
-        <p:nvSpPr>
-          <p:cNvPr id="7" name="Datumsplatzhalter 6">
-            <a:extLst>
-              <a:ext uri="{FF2B5EF4-FFF2-40B4-BE49-F238E27FC236}">
-                <a16:creationId xmlns:a16="http://schemas.microsoft.com/office/drawing/2014/main" id="{C8160612-5C30-8454-DE1D-8B519B0F1F6A}"/>
-              </a:ext>
-            </a:extLst>
-          </p:cNvPr>
+            <a:endParaRPr lang="en-US" dirty="0"/>
+          </a:p>
+        </p:txBody>
+      </p:sp>
+      <p:sp>
+        <p:nvSpPr>
+          <p:cNvPr id="7" name="Date Placeholder 6"/>
           <p:cNvSpPr>
             <a:spLocks noGrp="1"/>
           </p:cNvSpPr>
@@ -1847,13 +5893,7 @@
       </p:sp>
       <p:sp>
         <p:nvSpPr>
-          <p:cNvPr id="8" name="Fußzeilenplatzhalter 7">
-            <a:extLst>
-              <a:ext uri="{FF2B5EF4-FFF2-40B4-BE49-F238E27FC236}">
-                <a16:creationId xmlns:a16="http://schemas.microsoft.com/office/drawing/2014/main" id="{7E997832-6963-D644-FFE5-FDD485C0CDBC}"/>
-              </a:ext>
-            </a:extLst>
-          </p:cNvPr>
+          <p:cNvPr id="8" name="Footer Placeholder 7"/>
           <p:cNvSpPr>
             <a:spLocks noGrp="1"/>
           </p:cNvSpPr>
@@ -1872,13 +5912,7 @@
       </p:sp>
       <p:sp>
         <p:nvSpPr>
-          <p:cNvPr id="9" name="Foliennummernplatzhalter 8">
-            <a:extLst>
-              <a:ext uri="{FF2B5EF4-FFF2-40B4-BE49-F238E27FC236}">
-                <a16:creationId xmlns:a16="http://schemas.microsoft.com/office/drawing/2014/main" id="{593B7FBB-2161-BE9F-CC02-8BD247011A8B}"/>
-              </a:ext>
-            </a:extLst>
-          </p:cNvPr>
+          <p:cNvPr id="9" name="Slide Number Placeholder 8"/>
           <p:cNvSpPr>
             <a:spLocks noGrp="1"/>
           </p:cNvSpPr>
@@ -1902,7 +5936,7 @@
     </p:spTree>
     <p:extLst>
       <p:ext uri="{BB962C8B-B14F-4D97-AF65-F5344CB8AC3E}">
-        <p14:creationId xmlns:p14="http://schemas.microsoft.com/office/powerpoint/2010/main" val="1485192963"/>
+        <p14:creationId xmlns:p14="http://schemas.microsoft.com/office/powerpoint/2010/main" val="2658151229"/>
       </p:ext>
     </p:extLst>
   </p:cSld>
@@ -1929,15 +5963,148 @@
           <a:chExt cx="0" cy="0"/>
         </a:xfrm>
       </p:grpSpPr>
-      <p:sp>
-        <p:nvSpPr>
-          <p:cNvPr id="2" name="Titel 1">
+      <p:pic>
+        <p:nvPicPr>
+          <p:cNvPr id="6" name="Picture 5" descr="HD-ShadowLong.png"/>
+          <p:cNvPicPr>
+            <a:picLocks noChangeAspect="1"/>
+          </p:cNvPicPr>
+          <p:nvPr/>
+        </p:nvPicPr>
+        <p:blipFill>
+          <a:blip r:embed="rId2">
             <a:extLst>
-              <a:ext uri="{FF2B5EF4-FFF2-40B4-BE49-F238E27FC236}">
-                <a16:creationId xmlns:a16="http://schemas.microsoft.com/office/drawing/2014/main" id="{B9656174-2615-CF35-54A3-1E2F85A84FC0}"/>
+              <a:ext uri="{28A0092B-C50C-407E-A947-70E740481C1C}">
+                <a14:useLocalDpi xmlns:a14="http://schemas.microsoft.com/office/drawing/2010/main" val="0"/>
               </a:ext>
             </a:extLst>
-          </p:cNvPr>
+          </a:blip>
+          <a:stretch>
+            <a:fillRect/>
+          </a:stretch>
+        </p:blipFill>
+        <p:spPr>
+          <a:xfrm>
+            <a:off x="1" y="1970240"/>
+            <a:ext cx="10437812" cy="321164"/>
+          </a:xfrm>
+          <a:prstGeom prst="rect">
+            <a:avLst/>
+          </a:prstGeom>
+        </p:spPr>
+      </p:pic>
+      <p:pic>
+        <p:nvPicPr>
+          <p:cNvPr id="7" name="Picture 6" descr="HD-ShadowShort.png"/>
+          <p:cNvPicPr>
+            <a:picLocks noChangeAspect="1"/>
+          </p:cNvPicPr>
+          <p:nvPr/>
+        </p:nvPicPr>
+        <p:blipFill>
+          <a:blip r:embed="rId3">
+            <a:extLst>
+              <a:ext uri="{28A0092B-C50C-407E-A947-70E740481C1C}">
+                <a14:useLocalDpi xmlns:a14="http://schemas.microsoft.com/office/drawing/2010/main" val="0"/>
+              </a:ext>
+            </a:extLst>
+          </a:blip>
+          <a:stretch>
+            <a:fillRect/>
+          </a:stretch>
+        </p:blipFill>
+        <p:spPr>
+          <a:xfrm>
+            <a:off x="10585826" y="1971234"/>
+            <a:ext cx="1602997" cy="144270"/>
+          </a:xfrm>
+          <a:prstGeom prst="rect">
+            <a:avLst/>
+          </a:prstGeom>
+        </p:spPr>
+      </p:pic>
+      <p:sp>
+        <p:nvSpPr>
+          <p:cNvPr id="8" name="Rectangle 7"/>
+          <p:cNvSpPr/>
+          <p:nvPr/>
+        </p:nvSpPr>
+        <p:spPr bwMode="ltGray">
+          <a:xfrm>
+            <a:off x="0" y="609600"/>
+            <a:ext cx="10437812" cy="1368198"/>
+          </a:xfrm>
+          <a:prstGeom prst="rect">
+            <a:avLst/>
+          </a:prstGeom>
+          <a:solidFill>
+            <a:schemeClr val="bg1">
+              <a:lumMod val="85000"/>
+              <a:lumOff val="15000"/>
+            </a:schemeClr>
+          </a:solidFill>
+          <a:ln>
+            <a:noFill/>
+          </a:ln>
+        </p:spPr>
+        <p:style>
+          <a:lnRef idx="2">
+            <a:schemeClr val="accent1">
+              <a:shade val="50000"/>
+            </a:schemeClr>
+          </a:lnRef>
+          <a:fillRef idx="1">
+            <a:schemeClr val="accent1"/>
+          </a:fillRef>
+          <a:effectRef idx="0">
+            <a:schemeClr val="accent1"/>
+          </a:effectRef>
+          <a:fontRef idx="minor">
+            <a:schemeClr val="lt1"/>
+          </a:fontRef>
+        </p:style>
+      </p:sp>
+      <p:sp>
+        <p:nvSpPr>
+          <p:cNvPr id="9" name="Rectangle 8"/>
+          <p:cNvSpPr/>
+          <p:nvPr/>
+        </p:nvSpPr>
+        <p:spPr>
+          <a:xfrm>
+            <a:off x="10585827" y="609600"/>
+            <a:ext cx="1602997" cy="1368198"/>
+          </a:xfrm>
+          <a:prstGeom prst="rect">
+            <a:avLst/>
+          </a:prstGeom>
+          <a:solidFill>
+            <a:schemeClr val="accent1"/>
+          </a:solidFill>
+          <a:ln>
+            <a:noFill/>
+          </a:ln>
+        </p:spPr>
+        <p:style>
+          <a:lnRef idx="2">
+            <a:schemeClr val="accent1">
+              <a:shade val="50000"/>
+            </a:schemeClr>
+          </a:lnRef>
+          <a:fillRef idx="1">
+            <a:schemeClr val="accent1"/>
+          </a:fillRef>
+          <a:effectRef idx="0">
+            <a:schemeClr val="accent1"/>
+          </a:effectRef>
+          <a:fontRef idx="minor">
+            <a:schemeClr val="lt1"/>
+          </a:fontRef>
+        </p:style>
+      </p:sp>
+      <p:sp>
+        <p:nvSpPr>
+          <p:cNvPr id="2" name="Title 1"/>
           <p:cNvSpPr>
             <a:spLocks noGrp="1"/>
           </p:cNvSpPr>
@@ -1954,19 +6121,13 @@
               <a:rPr lang="de-DE"/>
               <a:t>Mastertitelformat bearbeiten</a:t>
             </a:r>
-            <a:endParaRPr lang="de-AT"/>
-          </a:p>
-        </p:txBody>
-      </p:sp>
-      <p:sp>
-        <p:nvSpPr>
-          <p:cNvPr id="3" name="Datumsplatzhalter 2">
-            <a:extLst>
-              <a:ext uri="{FF2B5EF4-FFF2-40B4-BE49-F238E27FC236}">
-                <a16:creationId xmlns:a16="http://schemas.microsoft.com/office/drawing/2014/main" id="{C1627B8F-C46A-F837-7F9E-49B8FAD4A930}"/>
-              </a:ext>
-            </a:extLst>
-          </p:cNvPr>
+            <a:endParaRPr lang="en-US" dirty="0"/>
+          </a:p>
+        </p:txBody>
+      </p:sp>
+      <p:sp>
+        <p:nvSpPr>
+          <p:cNvPr id="3" name="Date Placeholder 2"/>
           <p:cNvSpPr>
             <a:spLocks noGrp="1"/>
           </p:cNvSpPr>
@@ -1989,13 +6150,7 @@
       </p:sp>
       <p:sp>
         <p:nvSpPr>
-          <p:cNvPr id="4" name="Fußzeilenplatzhalter 3">
-            <a:extLst>
-              <a:ext uri="{FF2B5EF4-FFF2-40B4-BE49-F238E27FC236}">
-                <a16:creationId xmlns:a16="http://schemas.microsoft.com/office/drawing/2014/main" id="{D3E58233-FA08-EFE6-71F9-4B8C6BA71340}"/>
-              </a:ext>
-            </a:extLst>
-          </p:cNvPr>
+          <p:cNvPr id="4" name="Footer Placeholder 3"/>
           <p:cNvSpPr>
             <a:spLocks noGrp="1"/>
           </p:cNvSpPr>
@@ -2014,13 +6169,7 @@
       </p:sp>
       <p:sp>
         <p:nvSpPr>
-          <p:cNvPr id="5" name="Foliennummernplatzhalter 4">
-            <a:extLst>
-              <a:ext uri="{FF2B5EF4-FFF2-40B4-BE49-F238E27FC236}">
-                <a16:creationId xmlns:a16="http://schemas.microsoft.com/office/drawing/2014/main" id="{67AFB812-4FB0-0A18-965D-911512F7991B}"/>
-              </a:ext>
-            </a:extLst>
-          </p:cNvPr>
+          <p:cNvPr id="5" name="Slide Number Placeholder 4"/>
           <p:cNvSpPr>
             <a:spLocks noGrp="1"/>
           </p:cNvSpPr>
@@ -2044,7 +6193,7 @@
     </p:spTree>
     <p:extLst>
       <p:ext uri="{BB962C8B-B14F-4D97-AF65-F5344CB8AC3E}">
-        <p14:creationId xmlns:p14="http://schemas.microsoft.com/office/powerpoint/2010/main" val="1807285175"/>
+        <p14:creationId xmlns:p14="http://schemas.microsoft.com/office/powerpoint/2010/main" val="3974257484"/>
       </p:ext>
     </p:extLst>
   </p:cSld>
@@ -2071,15 +6220,77 @@
           <a:chExt cx="0" cy="0"/>
         </a:xfrm>
       </p:grpSpPr>
-      <p:sp>
-        <p:nvSpPr>
-          <p:cNvPr id="2" name="Datumsplatzhalter 1">
+      <p:pic>
+        <p:nvPicPr>
+          <p:cNvPr id="5" name="Picture 4" descr="HD-ShadowShort.png"/>
+          <p:cNvPicPr>
+            <a:picLocks noChangeAspect="1"/>
+          </p:cNvPicPr>
+          <p:nvPr/>
+        </p:nvPicPr>
+        <p:blipFill>
+          <a:blip r:embed="rId2">
             <a:extLst>
-              <a:ext uri="{FF2B5EF4-FFF2-40B4-BE49-F238E27FC236}">
-                <a16:creationId xmlns:a16="http://schemas.microsoft.com/office/drawing/2014/main" id="{F81FD319-6A9A-16D0-A961-4ED944859463}"/>
+              <a:ext uri="{28A0092B-C50C-407E-A947-70E740481C1C}">
+                <a14:useLocalDpi xmlns:a14="http://schemas.microsoft.com/office/drawing/2010/main" val="0"/>
               </a:ext>
             </a:extLst>
-          </p:cNvPr>
+          </a:blip>
+          <a:stretch>
+            <a:fillRect/>
+          </a:stretch>
+        </p:blipFill>
+        <p:spPr>
+          <a:xfrm>
+            <a:off x="10585826" y="1971234"/>
+            <a:ext cx="1602997" cy="144270"/>
+          </a:xfrm>
+          <a:prstGeom prst="rect">
+            <a:avLst/>
+          </a:prstGeom>
+        </p:spPr>
+      </p:pic>
+      <p:sp>
+        <p:nvSpPr>
+          <p:cNvPr id="6" name="Rectangle 5"/>
+          <p:cNvSpPr/>
+          <p:nvPr/>
+        </p:nvSpPr>
+        <p:spPr>
+          <a:xfrm>
+            <a:off x="10585827" y="609600"/>
+            <a:ext cx="1602997" cy="1368198"/>
+          </a:xfrm>
+          <a:prstGeom prst="rect">
+            <a:avLst/>
+          </a:prstGeom>
+          <a:solidFill>
+            <a:schemeClr val="accent1"/>
+          </a:solidFill>
+          <a:ln>
+            <a:noFill/>
+          </a:ln>
+        </p:spPr>
+        <p:style>
+          <a:lnRef idx="2">
+            <a:schemeClr val="accent1">
+              <a:shade val="50000"/>
+            </a:schemeClr>
+          </a:lnRef>
+          <a:fillRef idx="1">
+            <a:schemeClr val="accent1"/>
+          </a:fillRef>
+          <a:effectRef idx="0">
+            <a:schemeClr val="accent1"/>
+          </a:effectRef>
+          <a:fontRef idx="minor">
+            <a:schemeClr val="lt1"/>
+          </a:fontRef>
+        </p:style>
+      </p:sp>
+      <p:sp>
+        <p:nvSpPr>
+          <p:cNvPr id="2" name="Date Placeholder 1"/>
           <p:cNvSpPr>
             <a:spLocks noGrp="1"/>
           </p:cNvSpPr>
@@ -2102,13 +6313,7 @@
       </p:sp>
       <p:sp>
         <p:nvSpPr>
-          <p:cNvPr id="3" name="Fußzeilenplatzhalter 2">
-            <a:extLst>
-              <a:ext uri="{FF2B5EF4-FFF2-40B4-BE49-F238E27FC236}">
-                <a16:creationId xmlns:a16="http://schemas.microsoft.com/office/drawing/2014/main" id="{DFEB4AAA-5520-0CE1-F519-F6B34E10085E}"/>
-              </a:ext>
-            </a:extLst>
-          </p:cNvPr>
+          <p:cNvPr id="3" name="Footer Placeholder 2"/>
           <p:cNvSpPr>
             <a:spLocks noGrp="1"/>
           </p:cNvSpPr>
@@ -2127,13 +6332,7 @@
       </p:sp>
       <p:sp>
         <p:nvSpPr>
-          <p:cNvPr id="4" name="Foliennummernplatzhalter 3">
-            <a:extLst>
-              <a:ext uri="{FF2B5EF4-FFF2-40B4-BE49-F238E27FC236}">
-                <a16:creationId xmlns:a16="http://schemas.microsoft.com/office/drawing/2014/main" id="{55EC5AA5-7BD5-1F11-C6DD-532099994239}"/>
-              </a:ext>
-            </a:extLst>
-          </p:cNvPr>
+          <p:cNvPr id="4" name="Slide Number Placeholder 3"/>
           <p:cNvSpPr>
             <a:spLocks noGrp="1"/>
           </p:cNvSpPr>
@@ -2157,7 +6356,7 @@
     </p:spTree>
     <p:extLst>
       <p:ext uri="{BB962C8B-B14F-4D97-AF65-F5344CB8AC3E}">
-        <p14:creationId xmlns:p14="http://schemas.microsoft.com/office/powerpoint/2010/main" val="3001073160"/>
+        <p14:creationId xmlns:p14="http://schemas.microsoft.com/office/powerpoint/2010/main" val="3240337390"/>
       </p:ext>
     </p:extLst>
   </p:cSld>
@@ -2184,15 +6383,148 @@
           <a:chExt cx="0" cy="0"/>
         </a:xfrm>
       </p:grpSpPr>
-      <p:sp>
-        <p:nvSpPr>
-          <p:cNvPr id="2" name="Titel 1">
+      <p:pic>
+        <p:nvPicPr>
+          <p:cNvPr id="8" name="Picture 7" descr="HD-ShadowLong.png"/>
+          <p:cNvPicPr>
+            <a:picLocks noChangeAspect="1"/>
+          </p:cNvPicPr>
+          <p:nvPr/>
+        </p:nvPicPr>
+        <p:blipFill>
+          <a:blip r:embed="rId2">
             <a:extLst>
-              <a:ext uri="{FF2B5EF4-FFF2-40B4-BE49-F238E27FC236}">
-                <a16:creationId xmlns:a16="http://schemas.microsoft.com/office/drawing/2014/main" id="{3A0DBBF2-D4D5-A495-50FE-DF402651B380}"/>
+              <a:ext uri="{28A0092B-C50C-407E-A947-70E740481C1C}">
+                <a14:useLocalDpi xmlns:a14="http://schemas.microsoft.com/office/drawing/2010/main" val="0"/>
               </a:ext>
             </a:extLst>
-          </p:cNvPr>
+          </a:blip>
+          <a:stretch>
+            <a:fillRect/>
+          </a:stretch>
+        </p:blipFill>
+        <p:spPr>
+          <a:xfrm>
+            <a:off x="1" y="1970240"/>
+            <a:ext cx="10437812" cy="321164"/>
+          </a:xfrm>
+          <a:prstGeom prst="rect">
+            <a:avLst/>
+          </a:prstGeom>
+        </p:spPr>
+      </p:pic>
+      <p:pic>
+        <p:nvPicPr>
+          <p:cNvPr id="9" name="Picture 8" descr="HD-ShadowShort.png"/>
+          <p:cNvPicPr>
+            <a:picLocks noChangeAspect="1"/>
+          </p:cNvPicPr>
+          <p:nvPr/>
+        </p:nvPicPr>
+        <p:blipFill>
+          <a:blip r:embed="rId3">
+            <a:extLst>
+              <a:ext uri="{28A0092B-C50C-407E-A947-70E740481C1C}">
+                <a14:useLocalDpi xmlns:a14="http://schemas.microsoft.com/office/drawing/2010/main" val="0"/>
+              </a:ext>
+            </a:extLst>
+          </a:blip>
+          <a:stretch>
+            <a:fillRect/>
+          </a:stretch>
+        </p:blipFill>
+        <p:spPr>
+          <a:xfrm>
+            <a:off x="10585826" y="1971234"/>
+            <a:ext cx="1602997" cy="144270"/>
+          </a:xfrm>
+          <a:prstGeom prst="rect">
+            <a:avLst/>
+          </a:prstGeom>
+        </p:spPr>
+      </p:pic>
+      <p:sp>
+        <p:nvSpPr>
+          <p:cNvPr id="10" name="Rectangle 9"/>
+          <p:cNvSpPr/>
+          <p:nvPr/>
+        </p:nvSpPr>
+        <p:spPr bwMode="ltGray">
+          <a:xfrm>
+            <a:off x="0" y="609600"/>
+            <a:ext cx="10437812" cy="1368198"/>
+          </a:xfrm>
+          <a:prstGeom prst="rect">
+            <a:avLst/>
+          </a:prstGeom>
+          <a:solidFill>
+            <a:schemeClr val="bg1">
+              <a:lumMod val="85000"/>
+              <a:lumOff val="15000"/>
+            </a:schemeClr>
+          </a:solidFill>
+          <a:ln>
+            <a:noFill/>
+          </a:ln>
+        </p:spPr>
+        <p:style>
+          <a:lnRef idx="2">
+            <a:schemeClr val="accent1">
+              <a:shade val="50000"/>
+            </a:schemeClr>
+          </a:lnRef>
+          <a:fillRef idx="1">
+            <a:schemeClr val="accent1"/>
+          </a:fillRef>
+          <a:effectRef idx="0">
+            <a:schemeClr val="accent1"/>
+          </a:effectRef>
+          <a:fontRef idx="minor">
+            <a:schemeClr val="lt1"/>
+          </a:fontRef>
+        </p:style>
+      </p:sp>
+      <p:sp>
+        <p:nvSpPr>
+          <p:cNvPr id="11" name="Rectangle 10"/>
+          <p:cNvSpPr/>
+          <p:nvPr/>
+        </p:nvSpPr>
+        <p:spPr>
+          <a:xfrm>
+            <a:off x="10585827" y="609600"/>
+            <a:ext cx="1602997" cy="1368198"/>
+          </a:xfrm>
+          <a:prstGeom prst="rect">
+            <a:avLst/>
+          </a:prstGeom>
+          <a:solidFill>
+            <a:schemeClr val="accent1"/>
+          </a:solidFill>
+          <a:ln>
+            <a:noFill/>
+          </a:ln>
+        </p:spPr>
+        <p:style>
+          <a:lnRef idx="2">
+            <a:schemeClr val="accent1">
+              <a:shade val="50000"/>
+            </a:schemeClr>
+          </a:lnRef>
+          <a:fillRef idx="1">
+            <a:schemeClr val="accent1"/>
+          </a:fillRef>
+          <a:effectRef idx="0">
+            <a:schemeClr val="accent1"/>
+          </a:effectRef>
+          <a:fontRef idx="minor">
+            <a:schemeClr val="lt1"/>
+          </a:fontRef>
+        </p:style>
+      </p:sp>
+      <p:sp>
+        <p:nvSpPr>
+          <p:cNvPr id="2" name="Title 1"/>
           <p:cNvSpPr>
             <a:spLocks noGrp="1"/>
           </p:cNvSpPr>
@@ -2202,15 +6534,17 @@
         </p:nvSpPr>
         <p:spPr>
           <a:xfrm>
-            <a:off x="839788" y="457200"/>
-            <a:ext cx="3932237" cy="1600200"/>
-          </a:xfrm>
-        </p:spPr>
-        <p:txBody>
-          <a:bodyPr anchor="b"/>
+            <a:off x="680321" y="753227"/>
+            <a:ext cx="9613859" cy="1080940"/>
+          </a:xfrm>
+        </p:spPr>
+        <p:txBody>
+          <a:bodyPr anchor="ctr">
+            <a:normAutofit/>
+          </a:bodyPr>
           <a:lstStyle>
             <a:lvl1pPr>
-              <a:defRPr sz="3200"/>
+              <a:defRPr sz="3600"/>
             </a:lvl1pPr>
           </a:lstStyle>
           <a:p>
@@ -2218,19 +6552,13 @@
               <a:rPr lang="de-DE"/>
               <a:t>Mastertitelformat bearbeiten</a:t>
             </a:r>
-            <a:endParaRPr lang="de-AT"/>
-          </a:p>
-        </p:txBody>
-      </p:sp>
-      <p:sp>
-        <p:nvSpPr>
-          <p:cNvPr id="3" name="Inhaltsplatzhalter 2">
-            <a:extLst>
-              <a:ext uri="{FF2B5EF4-FFF2-40B4-BE49-F238E27FC236}">
-                <a16:creationId xmlns:a16="http://schemas.microsoft.com/office/drawing/2014/main" id="{EBF75013-5F83-4F5C-D9CD-F4FA317A9B2C}"/>
-              </a:ext>
-            </a:extLst>
-          </p:cNvPr>
+            <a:endParaRPr lang="en-US" dirty="0"/>
+          </a:p>
+        </p:txBody>
+      </p:sp>
+      <p:sp>
+        <p:nvSpPr>
+          <p:cNvPr id="3" name="Content Placeholder 2"/>
           <p:cNvSpPr>
             <a:spLocks noGrp="1"/>
           </p:cNvSpPr>
@@ -2240,41 +6568,13 @@
         </p:nvSpPr>
         <p:spPr>
           <a:xfrm>
-            <a:off x="5183188" y="987425"/>
-            <a:ext cx="6172200" cy="4873625"/>
+            <a:off x="4685846" y="2336873"/>
+            <a:ext cx="5608336" cy="3599313"/>
           </a:xfrm>
         </p:spPr>
         <p:txBody>
           <a:bodyPr/>
-          <a:lstStyle>
-            <a:lvl1pPr>
-              <a:defRPr sz="3200"/>
-            </a:lvl1pPr>
-            <a:lvl2pPr>
-              <a:defRPr sz="2800"/>
-            </a:lvl2pPr>
-            <a:lvl3pPr>
-              <a:defRPr sz="2400"/>
-            </a:lvl3pPr>
-            <a:lvl4pPr>
-              <a:defRPr sz="2000"/>
-            </a:lvl4pPr>
-            <a:lvl5pPr>
-              <a:defRPr sz="2000"/>
-            </a:lvl5pPr>
-            <a:lvl6pPr>
-              <a:defRPr sz="2000"/>
-            </a:lvl6pPr>
-            <a:lvl7pPr>
-              <a:defRPr sz="2000"/>
-            </a:lvl7pPr>
-            <a:lvl8pPr>
-              <a:defRPr sz="2000"/>
-            </a:lvl8pPr>
-            <a:lvl9pPr>
-              <a:defRPr sz="2000"/>
-            </a:lvl9pPr>
-          </a:lstStyle>
+          <a:lstStyle/>
           <a:p>
             <a:pPr lvl="0"/>
             <a:r>
@@ -2309,19 +6609,13 @@
               <a:rPr lang="de-DE"/>
               <a:t>Fünfte Ebene</a:t>
             </a:r>
-            <a:endParaRPr lang="de-AT"/>
-          </a:p>
-        </p:txBody>
-      </p:sp>
-      <p:sp>
-        <p:nvSpPr>
-          <p:cNvPr id="4" name="Textplatzhalter 3">
-            <a:extLst>
-              <a:ext uri="{FF2B5EF4-FFF2-40B4-BE49-F238E27FC236}">
-                <a16:creationId xmlns:a16="http://schemas.microsoft.com/office/drawing/2014/main" id="{A7B50224-EF0F-AC7C-4110-3830AA99F1D3}"/>
-              </a:ext>
-            </a:extLst>
-          </p:cNvPr>
+            <a:endParaRPr lang="en-US" dirty="0"/>
+          </a:p>
+        </p:txBody>
+      </p:sp>
+      <p:sp>
+        <p:nvSpPr>
+          <p:cNvPr id="4" name="Text Placeholder 3"/>
           <p:cNvSpPr>
             <a:spLocks noGrp="1"/>
           </p:cNvSpPr>
@@ -2331,12 +6625,12 @@
         </p:nvSpPr>
         <p:spPr>
           <a:xfrm>
-            <a:off x="839788" y="2057400"/>
-            <a:ext cx="3932237" cy="3811588"/>
-          </a:xfrm>
-        </p:spPr>
-        <p:txBody>
-          <a:bodyPr/>
+            <a:off x="680322" y="2336872"/>
+            <a:ext cx="3790078" cy="3599317"/>
+          </a:xfrm>
+        </p:spPr>
+        <p:txBody>
+          <a:bodyPr anchor="ctr"/>
           <a:lstStyle>
             <a:lvl1pPr marL="0" indent="0">
               <a:buNone/>
@@ -2386,13 +6680,7 @@
       </p:sp>
       <p:sp>
         <p:nvSpPr>
-          <p:cNvPr id="5" name="Datumsplatzhalter 4">
-            <a:extLst>
-              <a:ext uri="{FF2B5EF4-FFF2-40B4-BE49-F238E27FC236}">
-                <a16:creationId xmlns:a16="http://schemas.microsoft.com/office/drawing/2014/main" id="{DD659857-7232-A6DB-C454-01BEEACFD812}"/>
-              </a:ext>
-            </a:extLst>
-          </p:cNvPr>
+          <p:cNvPr id="5" name="Date Placeholder 4"/>
           <p:cNvSpPr>
             <a:spLocks noGrp="1"/>
           </p:cNvSpPr>
@@ -2415,13 +6703,7 @@
       </p:sp>
       <p:sp>
         <p:nvSpPr>
-          <p:cNvPr id="6" name="Fußzeilenplatzhalter 5">
-            <a:extLst>
-              <a:ext uri="{FF2B5EF4-FFF2-40B4-BE49-F238E27FC236}">
-                <a16:creationId xmlns:a16="http://schemas.microsoft.com/office/drawing/2014/main" id="{DED7F148-97EA-3D47-43AD-BFCE7815433E}"/>
-              </a:ext>
-            </a:extLst>
-          </p:cNvPr>
+          <p:cNvPr id="6" name="Footer Placeholder 5"/>
           <p:cNvSpPr>
             <a:spLocks noGrp="1"/>
           </p:cNvSpPr>
@@ -2440,13 +6722,7 @@
       </p:sp>
       <p:sp>
         <p:nvSpPr>
-          <p:cNvPr id="7" name="Foliennummernplatzhalter 6">
-            <a:extLst>
-              <a:ext uri="{FF2B5EF4-FFF2-40B4-BE49-F238E27FC236}">
-                <a16:creationId xmlns:a16="http://schemas.microsoft.com/office/drawing/2014/main" id="{2293C31E-E42D-F927-6E49-2C4C66F57F70}"/>
-              </a:ext>
-            </a:extLst>
-          </p:cNvPr>
+          <p:cNvPr id="7" name="Slide Number Placeholder 6"/>
           <p:cNvSpPr>
             <a:spLocks noGrp="1"/>
           </p:cNvSpPr>
@@ -2470,7 +6746,7 @@
     </p:spTree>
     <p:extLst>
       <p:ext uri="{BB962C8B-B14F-4D97-AF65-F5344CB8AC3E}">
-        <p14:creationId xmlns:p14="http://schemas.microsoft.com/office/powerpoint/2010/main" val="3056387081"/>
+        <p14:creationId xmlns:p14="http://schemas.microsoft.com/office/powerpoint/2010/main" val="869618517"/>
       </p:ext>
     </p:extLst>
   </p:cSld>
@@ -2497,15 +6773,148 @@
           <a:chExt cx="0" cy="0"/>
         </a:xfrm>
       </p:grpSpPr>
-      <p:sp>
-        <p:nvSpPr>
-          <p:cNvPr id="2" name="Titel 1">
+      <p:pic>
+        <p:nvPicPr>
+          <p:cNvPr id="8" name="Picture 7" descr="HD-ShadowLong.png"/>
+          <p:cNvPicPr>
+            <a:picLocks noChangeAspect="1"/>
+          </p:cNvPicPr>
+          <p:nvPr/>
+        </p:nvPicPr>
+        <p:blipFill>
+          <a:blip r:embed="rId2">
             <a:extLst>
-              <a:ext uri="{FF2B5EF4-FFF2-40B4-BE49-F238E27FC236}">
-                <a16:creationId xmlns:a16="http://schemas.microsoft.com/office/drawing/2014/main" id="{2911738F-F3D5-6DAA-2447-580F2F61D9E1}"/>
+              <a:ext uri="{28A0092B-C50C-407E-A947-70E740481C1C}">
+                <a14:useLocalDpi xmlns:a14="http://schemas.microsoft.com/office/drawing/2010/main" val="0"/>
               </a:ext>
             </a:extLst>
-          </p:cNvPr>
+          </a:blip>
+          <a:stretch>
+            <a:fillRect/>
+          </a:stretch>
+        </p:blipFill>
+        <p:spPr>
+          <a:xfrm>
+            <a:off x="1" y="1970240"/>
+            <a:ext cx="10437812" cy="321164"/>
+          </a:xfrm>
+          <a:prstGeom prst="rect">
+            <a:avLst/>
+          </a:prstGeom>
+        </p:spPr>
+      </p:pic>
+      <p:pic>
+        <p:nvPicPr>
+          <p:cNvPr id="9" name="Picture 8" descr="HD-ShadowShort.png"/>
+          <p:cNvPicPr>
+            <a:picLocks noChangeAspect="1"/>
+          </p:cNvPicPr>
+          <p:nvPr/>
+        </p:nvPicPr>
+        <p:blipFill>
+          <a:blip r:embed="rId3">
+            <a:extLst>
+              <a:ext uri="{28A0092B-C50C-407E-A947-70E740481C1C}">
+                <a14:useLocalDpi xmlns:a14="http://schemas.microsoft.com/office/drawing/2010/main" val="0"/>
+              </a:ext>
+            </a:extLst>
+          </a:blip>
+          <a:stretch>
+            <a:fillRect/>
+          </a:stretch>
+        </p:blipFill>
+        <p:spPr>
+          <a:xfrm>
+            <a:off x="10585826" y="1971234"/>
+            <a:ext cx="1602997" cy="144270"/>
+          </a:xfrm>
+          <a:prstGeom prst="rect">
+            <a:avLst/>
+          </a:prstGeom>
+        </p:spPr>
+      </p:pic>
+      <p:sp>
+        <p:nvSpPr>
+          <p:cNvPr id="10" name="Rectangle 9"/>
+          <p:cNvSpPr/>
+          <p:nvPr/>
+        </p:nvSpPr>
+        <p:spPr bwMode="ltGray">
+          <a:xfrm>
+            <a:off x="0" y="609600"/>
+            <a:ext cx="10437812" cy="1368198"/>
+          </a:xfrm>
+          <a:prstGeom prst="rect">
+            <a:avLst/>
+          </a:prstGeom>
+          <a:solidFill>
+            <a:schemeClr val="bg1">
+              <a:lumMod val="85000"/>
+              <a:lumOff val="15000"/>
+            </a:schemeClr>
+          </a:solidFill>
+          <a:ln>
+            <a:noFill/>
+          </a:ln>
+        </p:spPr>
+        <p:style>
+          <a:lnRef idx="2">
+            <a:schemeClr val="accent1">
+              <a:shade val="50000"/>
+            </a:schemeClr>
+          </a:lnRef>
+          <a:fillRef idx="1">
+            <a:schemeClr val="accent1"/>
+          </a:fillRef>
+          <a:effectRef idx="0">
+            <a:schemeClr val="accent1"/>
+          </a:effectRef>
+          <a:fontRef idx="minor">
+            <a:schemeClr val="lt1"/>
+          </a:fontRef>
+        </p:style>
+      </p:sp>
+      <p:sp>
+        <p:nvSpPr>
+          <p:cNvPr id="11" name="Rectangle 10"/>
+          <p:cNvSpPr/>
+          <p:nvPr/>
+        </p:nvSpPr>
+        <p:spPr>
+          <a:xfrm>
+            <a:off x="10585827" y="609600"/>
+            <a:ext cx="1602997" cy="1368198"/>
+          </a:xfrm>
+          <a:prstGeom prst="rect">
+            <a:avLst/>
+          </a:prstGeom>
+          <a:solidFill>
+            <a:schemeClr val="accent1"/>
+          </a:solidFill>
+          <a:ln>
+            <a:noFill/>
+          </a:ln>
+        </p:spPr>
+        <p:style>
+          <a:lnRef idx="2">
+            <a:schemeClr val="accent1">
+              <a:shade val="50000"/>
+            </a:schemeClr>
+          </a:lnRef>
+          <a:fillRef idx="1">
+            <a:schemeClr val="accent1"/>
+          </a:fillRef>
+          <a:effectRef idx="0">
+            <a:schemeClr val="accent1"/>
+          </a:effectRef>
+          <a:fontRef idx="minor">
+            <a:schemeClr val="lt1"/>
+          </a:fontRef>
+        </p:style>
+      </p:sp>
+      <p:sp>
+        <p:nvSpPr>
+          <p:cNvPr id="2" name="Title 1"/>
           <p:cNvSpPr>
             <a:spLocks noGrp="1"/>
           </p:cNvSpPr>
@@ -2515,15 +6924,17 @@
         </p:nvSpPr>
         <p:spPr>
           <a:xfrm>
-            <a:off x="839788" y="457200"/>
-            <a:ext cx="3932237" cy="1600200"/>
-          </a:xfrm>
-        </p:spPr>
-        <p:txBody>
-          <a:bodyPr anchor="b"/>
+            <a:off x="680323" y="753228"/>
+            <a:ext cx="9613857" cy="1080938"/>
+          </a:xfrm>
+        </p:spPr>
+        <p:txBody>
+          <a:bodyPr anchor="ctr">
+            <a:normAutofit/>
+          </a:bodyPr>
           <a:lstStyle>
             <a:lvl1pPr>
-              <a:defRPr sz="3200"/>
+              <a:defRPr sz="3600"/>
             </a:lvl1pPr>
           </a:lstStyle>
           <a:p>
@@ -2531,21 +6942,15 @@
               <a:rPr lang="de-DE"/>
               <a:t>Mastertitelformat bearbeiten</a:t>
             </a:r>
-            <a:endParaRPr lang="de-AT"/>
-          </a:p>
-        </p:txBody>
-      </p:sp>
-      <p:sp>
-        <p:nvSpPr>
-          <p:cNvPr id="3" name="Bildplatzhalter 2">
-            <a:extLst>
-              <a:ext uri="{FF2B5EF4-FFF2-40B4-BE49-F238E27FC236}">
-                <a16:creationId xmlns:a16="http://schemas.microsoft.com/office/drawing/2014/main" id="{141FA857-0AB8-448D-4904-9282A64AD4E6}"/>
-              </a:ext>
-            </a:extLst>
-          </p:cNvPr>
-          <p:cNvSpPr>
-            <a:spLocks noGrp="1"/>
+            <a:endParaRPr lang="en-US" dirty="0"/>
+          </a:p>
+        </p:txBody>
+      </p:sp>
+      <p:sp>
+        <p:nvSpPr>
+          <p:cNvPr id="3" name="Picture Placeholder 2"/>
+          <p:cNvSpPr>
+            <a:spLocks noGrp="1" noChangeAspect="1"/>
           </p:cNvSpPr>
           <p:nvPr>
             <p:ph type="pic" idx="1"/>
@@ -2553,12 +6958,23 @@
         </p:nvSpPr>
         <p:spPr>
           <a:xfrm>
-            <a:off x="5183188" y="987425"/>
-            <a:ext cx="6172200" cy="4873625"/>
-          </a:xfrm>
-        </p:spPr>
-        <p:txBody>
-          <a:bodyPr/>
+            <a:off x="4868333" y="2336874"/>
+            <a:ext cx="5425849" cy="3599312"/>
+          </a:xfrm>
+          <a:noFill/>
+          <a:ln>
+            <a:noFill/>
+          </a:ln>
+          <a:effectLst>
+            <a:outerShdw blurRad="76200" dist="63500" dir="5040000" algn="tl" rotWithShape="0">
+              <a:srgbClr val="000000">
+                <a:alpha val="41000"/>
+              </a:srgbClr>
+            </a:outerShdw>
+          </a:effectLst>
+        </p:spPr>
+        <p:txBody>
+          <a:bodyPr anchor="t"/>
           <a:lstStyle>
             <a:lvl1pPr marL="0" indent="0">
               <a:buNone/>
@@ -2598,19 +7014,17 @@
             </a:lvl9pPr>
           </a:lstStyle>
           <a:p>
-            <a:endParaRPr lang="de-AT"/>
-          </a:p>
-        </p:txBody>
-      </p:sp>
-      <p:sp>
-        <p:nvSpPr>
-          <p:cNvPr id="4" name="Textplatzhalter 3">
-            <a:extLst>
-              <a:ext uri="{FF2B5EF4-FFF2-40B4-BE49-F238E27FC236}">
-                <a16:creationId xmlns:a16="http://schemas.microsoft.com/office/drawing/2014/main" id="{62B4F6DE-A46E-7249-D09A-D1A36FA57308}"/>
-              </a:ext>
-            </a:extLst>
-          </p:cNvPr>
+            <a:r>
+              <a:rPr lang="de-DE"/>
+              <a:t>Bild durch Klicken auf Symbol hinzufügen</a:t>
+            </a:r>
+            <a:endParaRPr lang="en-US" dirty="0"/>
+          </a:p>
+        </p:txBody>
+      </p:sp>
+      <p:sp>
+        <p:nvSpPr>
+          <p:cNvPr id="4" name="Text Placeholder 3"/>
           <p:cNvSpPr>
             <a:spLocks noGrp="1"/>
           </p:cNvSpPr>
@@ -2620,12 +7034,12 @@
         </p:nvSpPr>
         <p:spPr>
           <a:xfrm>
-            <a:off x="839788" y="2057400"/>
-            <a:ext cx="3932237" cy="3811588"/>
-          </a:xfrm>
-        </p:spPr>
-        <p:txBody>
-          <a:bodyPr/>
+            <a:off x="680323" y="2336873"/>
+            <a:ext cx="3876256" cy="3599315"/>
+          </a:xfrm>
+        </p:spPr>
+        <p:txBody>
+          <a:bodyPr anchor="ctr"/>
           <a:lstStyle>
             <a:lvl1pPr marL="0" indent="0">
               <a:buNone/>
@@ -2675,13 +7089,7 @@
       </p:sp>
       <p:sp>
         <p:nvSpPr>
-          <p:cNvPr id="5" name="Datumsplatzhalter 4">
-            <a:extLst>
-              <a:ext uri="{FF2B5EF4-FFF2-40B4-BE49-F238E27FC236}">
-                <a16:creationId xmlns:a16="http://schemas.microsoft.com/office/drawing/2014/main" id="{43BE7DAD-D45B-3D6F-1EDD-DDC3E7325788}"/>
-              </a:ext>
-            </a:extLst>
-          </p:cNvPr>
+          <p:cNvPr id="5" name="Date Placeholder 4"/>
           <p:cNvSpPr>
             <a:spLocks noGrp="1"/>
           </p:cNvSpPr>
@@ -2704,13 +7112,7 @@
       </p:sp>
       <p:sp>
         <p:nvSpPr>
-          <p:cNvPr id="6" name="Fußzeilenplatzhalter 5">
-            <a:extLst>
-              <a:ext uri="{FF2B5EF4-FFF2-40B4-BE49-F238E27FC236}">
-                <a16:creationId xmlns:a16="http://schemas.microsoft.com/office/drawing/2014/main" id="{DE0F942B-E935-4498-4E07-D676B4200382}"/>
-              </a:ext>
-            </a:extLst>
-          </p:cNvPr>
+          <p:cNvPr id="6" name="Footer Placeholder 5"/>
           <p:cNvSpPr>
             <a:spLocks noGrp="1"/>
           </p:cNvSpPr>
@@ -2729,13 +7131,7 @@
       </p:sp>
       <p:sp>
         <p:nvSpPr>
-          <p:cNvPr id="7" name="Foliennummernplatzhalter 6">
-            <a:extLst>
-              <a:ext uri="{FF2B5EF4-FFF2-40B4-BE49-F238E27FC236}">
-                <a16:creationId xmlns:a16="http://schemas.microsoft.com/office/drawing/2014/main" id="{63A931B0-83FA-7E93-CB9A-0EF7DFCED675}"/>
-              </a:ext>
-            </a:extLst>
-          </p:cNvPr>
+          <p:cNvPr id="7" name="Slide Number Placeholder 6"/>
           <p:cNvSpPr>
             <a:spLocks noGrp="1"/>
           </p:cNvSpPr>
@@ -2759,7 +7155,7 @@
     </p:spTree>
     <p:extLst>
       <p:ext uri="{BB962C8B-B14F-4D97-AF65-F5344CB8AC3E}">
-        <p14:creationId xmlns:p14="http://schemas.microsoft.com/office/powerpoint/2010/main" val="1185971795"/>
+        <p14:creationId xmlns:p14="http://schemas.microsoft.com/office/powerpoint/2010/main" val="1045060204"/>
       </p:ext>
     </p:extLst>
   </p:cSld>
@@ -2773,8 +7169,8 @@
 <p:sldMaster xmlns:a="http://schemas.openxmlformats.org/drawingml/2006/main" xmlns:r="http://schemas.openxmlformats.org/officeDocument/2006/relationships" xmlns:p="http://schemas.openxmlformats.org/presentationml/2006/main">
   <p:cSld>
     <p:bg>
-      <p:bgRef idx="1001">
-        <a:schemeClr val="bg1"/>
+      <p:bgRef idx="1003">
+        <a:schemeClr val="bg2"/>
       </p:bgRef>
     </p:bg>
     <p:spTree>
@@ -2791,15 +7187,40 @@
           <a:chExt cx="0" cy="0"/>
         </a:xfrm>
       </p:grpSpPr>
-      <p:sp>
-        <p:nvSpPr>
-          <p:cNvPr id="2" name="Titelplatzhalter 1">
+      <p:pic>
+        <p:nvPicPr>
+          <p:cNvPr id="7" name="Picture 6" descr="hashOverlay-FullResolve.png"/>
+          <p:cNvPicPr>
+            <a:picLocks noChangeAspect="1"/>
+          </p:cNvPicPr>
+          <p:nvPr/>
+        </p:nvPicPr>
+        <p:blipFill>
+          <a:blip r:embed="rId19">
+            <a:alphaModFix amt="10000"/>
             <a:extLst>
-              <a:ext uri="{FF2B5EF4-FFF2-40B4-BE49-F238E27FC236}">
-                <a16:creationId xmlns:a16="http://schemas.microsoft.com/office/drawing/2014/main" id="{40DC9689-5598-6079-C0E8-12B13C77BF7D}"/>
+              <a:ext uri="{28A0092B-C50C-407E-A947-70E740481C1C}">
+                <a14:useLocalDpi xmlns:a14="http://schemas.microsoft.com/office/drawing/2010/main" val="0"/>
               </a:ext>
             </a:extLst>
-          </p:cNvPr>
+          </a:blip>
+          <a:stretch>
+            <a:fillRect/>
+          </a:stretch>
+        </p:blipFill>
+        <p:spPr>
+          <a:xfrm>
+            <a:off x="0" y="0"/>
+            <a:ext cx="12192000" cy="6858000"/>
+          </a:xfrm>
+          <a:prstGeom prst="rect">
+            <a:avLst/>
+          </a:prstGeom>
+        </p:spPr>
+      </p:pic>
+      <p:sp>
+        <p:nvSpPr>
+          <p:cNvPr id="2" name="Title Placeholder 1"/>
           <p:cNvSpPr>
             <a:spLocks noGrp="1"/>
           </p:cNvSpPr>
@@ -2809,8 +7230,8 @@
         </p:nvSpPr>
         <p:spPr>
           <a:xfrm>
-            <a:off x="838200" y="365125"/>
-            <a:ext cx="10515600" cy="1325563"/>
+            <a:off x="680321" y="753228"/>
+            <a:ext cx="9613861" cy="1080938"/>
           </a:xfrm>
           <a:prstGeom prst="rect">
             <a:avLst/>
@@ -2826,19 +7247,13 @@
               <a:rPr lang="de-DE"/>
               <a:t>Mastertitelformat bearbeiten</a:t>
             </a:r>
-            <a:endParaRPr lang="de-AT"/>
-          </a:p>
-        </p:txBody>
-      </p:sp>
-      <p:sp>
-        <p:nvSpPr>
-          <p:cNvPr id="3" name="Textplatzhalter 2">
-            <a:extLst>
-              <a:ext uri="{FF2B5EF4-FFF2-40B4-BE49-F238E27FC236}">
-                <a16:creationId xmlns:a16="http://schemas.microsoft.com/office/drawing/2014/main" id="{A3B4389F-6BC3-AEBE-4EA3-A555F725FA28}"/>
-              </a:ext>
-            </a:extLst>
-          </p:cNvPr>
+            <a:endParaRPr lang="en-US" dirty="0"/>
+          </a:p>
+        </p:txBody>
+      </p:sp>
+      <p:sp>
+        <p:nvSpPr>
+          <p:cNvPr id="3" name="Text Placeholder 2"/>
           <p:cNvSpPr>
             <a:spLocks noGrp="1"/>
           </p:cNvSpPr>
@@ -2848,8 +7263,8 @@
         </p:nvSpPr>
         <p:spPr>
           <a:xfrm>
-            <a:off x="838200" y="1825625"/>
-            <a:ext cx="10515600" cy="4351338"/>
+            <a:off x="680321" y="2336873"/>
+            <a:ext cx="9613861" cy="3599316"/>
           </a:xfrm>
           <a:prstGeom prst="rect">
             <a:avLst/>
@@ -2894,19 +7309,13 @@
               <a:rPr lang="de-DE"/>
               <a:t>Fünfte Ebene</a:t>
             </a:r>
-            <a:endParaRPr lang="de-AT"/>
-          </a:p>
-        </p:txBody>
-      </p:sp>
-      <p:sp>
-        <p:nvSpPr>
-          <p:cNvPr id="4" name="Datumsplatzhalter 3">
-            <a:extLst>
-              <a:ext uri="{FF2B5EF4-FFF2-40B4-BE49-F238E27FC236}">
-                <a16:creationId xmlns:a16="http://schemas.microsoft.com/office/drawing/2014/main" id="{CF145521-9DF9-1C26-8855-7ABB1BEA6EDC}"/>
-              </a:ext>
-            </a:extLst>
-          </p:cNvPr>
+            <a:endParaRPr lang="en-US" dirty="0"/>
+          </a:p>
+        </p:txBody>
+      </p:sp>
+      <p:sp>
+        <p:nvSpPr>
+          <p:cNvPr id="4" name="Date Placeholder 3"/>
           <p:cNvSpPr>
             <a:spLocks noGrp="1"/>
           </p:cNvSpPr>
@@ -2916,7 +7325,7 @@
         </p:nvSpPr>
         <p:spPr>
           <a:xfrm>
-            <a:off x="838200" y="6356350"/>
+            <a:off x="7550981" y="5936187"/>
             <a:ext cx="2743200" cy="365125"/>
           </a:xfrm>
           <a:prstGeom prst="rect">
@@ -2926,8 +7335,8 @@
         <p:txBody>
           <a:bodyPr vert="horz" lIns="91440" tIns="45720" rIns="91440" bIns="45720" rtlCol="0" anchor="ctr"/>
           <a:lstStyle>
-            <a:lvl1pPr algn="l">
-              <a:defRPr sz="1200">
+            <a:lvl1pPr algn="r">
+              <a:defRPr sz="1050">
                 <a:solidFill>
                   <a:schemeClr val="tx1">
                     <a:tint val="75000"/>
@@ -2947,13 +7356,7 @@
       </p:sp>
       <p:sp>
         <p:nvSpPr>
-          <p:cNvPr id="5" name="Fußzeilenplatzhalter 4">
-            <a:extLst>
-              <a:ext uri="{FF2B5EF4-FFF2-40B4-BE49-F238E27FC236}">
-                <a16:creationId xmlns:a16="http://schemas.microsoft.com/office/drawing/2014/main" id="{F5617AC5-2B74-6AF6-A9A6-2FE4DB3FEA95}"/>
-              </a:ext>
-            </a:extLst>
-          </p:cNvPr>
+          <p:cNvPr id="5" name="Footer Placeholder 4"/>
           <p:cNvSpPr>
             <a:spLocks noGrp="1"/>
           </p:cNvSpPr>
@@ -2963,8 +7366,8 @@
         </p:nvSpPr>
         <p:spPr>
           <a:xfrm>
-            <a:off x="4038600" y="6356350"/>
-            <a:ext cx="4114800" cy="365125"/>
+            <a:off x="680321" y="5936188"/>
+            <a:ext cx="6870660" cy="365125"/>
           </a:xfrm>
           <a:prstGeom prst="rect">
             <a:avLst/>
@@ -2973,8 +7376,8 @@
         <p:txBody>
           <a:bodyPr vert="horz" lIns="91440" tIns="45720" rIns="91440" bIns="45720" rtlCol="0" anchor="ctr"/>
           <a:lstStyle>
-            <a:lvl1pPr algn="ctr">
-              <a:defRPr sz="1200">
+            <a:lvl1pPr algn="l">
+              <a:defRPr sz="1050">
                 <a:solidFill>
                   <a:schemeClr val="tx1">
                     <a:tint val="75000"/>
@@ -2990,13 +7393,7 @@
       </p:sp>
       <p:sp>
         <p:nvSpPr>
-          <p:cNvPr id="6" name="Foliennummernplatzhalter 5">
-            <a:extLst>
-              <a:ext uri="{FF2B5EF4-FFF2-40B4-BE49-F238E27FC236}">
-                <a16:creationId xmlns:a16="http://schemas.microsoft.com/office/drawing/2014/main" id="{A259D84A-FD76-3163-2E4B-ED34AC615ED0}"/>
-              </a:ext>
-            </a:extLst>
-          </p:cNvPr>
+          <p:cNvPr id="6" name="Slide Number Placeholder 5"/>
           <p:cNvSpPr>
             <a:spLocks noGrp="1"/>
           </p:cNvSpPr>
@@ -3006,8 +7403,8 @@
         </p:nvSpPr>
         <p:spPr>
           <a:xfrm>
-            <a:off x="8610600" y="6356350"/>
-            <a:ext cx="2743200" cy="365125"/>
+            <a:off x="10729455" y="753227"/>
+            <a:ext cx="1154151" cy="1090789"/>
           </a:xfrm>
           <a:prstGeom prst="rect">
             <a:avLst/>
@@ -3016,8 +7413,8 @@
         <p:txBody>
           <a:bodyPr vert="horz" lIns="91440" tIns="45720" rIns="91440" bIns="45720" rtlCol="0" anchor="ctr"/>
           <a:lstStyle>
-            <a:lvl1pPr algn="r">
-              <a:defRPr sz="1200">
+            <a:lvl1pPr algn="l">
+              <a:defRPr sz="3600">
                 <a:solidFill>
                   <a:schemeClr val="tx1">
                     <a:tint val="75000"/>
@@ -3038,23 +7435,29 @@
     </p:spTree>
     <p:extLst>
       <p:ext uri="{BB962C8B-B14F-4D97-AF65-F5344CB8AC3E}">
-        <p14:creationId xmlns:p14="http://schemas.microsoft.com/office/powerpoint/2010/main" val="4147974260"/>
+        <p14:creationId xmlns:p14="http://schemas.microsoft.com/office/powerpoint/2010/main" val="1429150958"/>
       </p:ext>
     </p:extLst>
   </p:cSld>
-  <p:clrMap bg1="lt1" tx1="dk1" bg2="lt2" tx2="dk2" accent1="accent1" accent2="accent2" accent3="accent3" accent4="accent4" accent5="accent5" accent6="accent6" hlink="hlink" folHlink="folHlink"/>
+  <p:clrMap bg1="dk1" tx1="lt1" bg2="dk2" tx2="lt2" accent1="accent1" accent2="accent2" accent3="accent3" accent4="accent4" accent5="accent5" accent6="accent6" hlink="hlink" folHlink="folHlink"/>
   <p:sldLayoutIdLst>
-    <p:sldLayoutId id="2147483649" r:id="rId1"/>
-    <p:sldLayoutId id="2147483650" r:id="rId2"/>
-    <p:sldLayoutId id="2147483651" r:id="rId3"/>
-    <p:sldLayoutId id="2147483652" r:id="rId4"/>
-    <p:sldLayoutId id="2147483653" r:id="rId5"/>
-    <p:sldLayoutId id="2147483654" r:id="rId6"/>
-    <p:sldLayoutId id="2147483655" r:id="rId7"/>
-    <p:sldLayoutId id="2147483656" r:id="rId8"/>
-    <p:sldLayoutId id="2147483657" r:id="rId9"/>
-    <p:sldLayoutId id="2147483658" r:id="rId10"/>
-    <p:sldLayoutId id="2147483659" r:id="rId11"/>
+    <p:sldLayoutId id="2147483661" r:id="rId1"/>
+    <p:sldLayoutId id="2147483662" r:id="rId2"/>
+    <p:sldLayoutId id="2147483663" r:id="rId3"/>
+    <p:sldLayoutId id="2147483664" r:id="rId4"/>
+    <p:sldLayoutId id="2147483665" r:id="rId5"/>
+    <p:sldLayoutId id="2147483666" r:id="rId6"/>
+    <p:sldLayoutId id="2147483667" r:id="rId7"/>
+    <p:sldLayoutId id="2147483668" r:id="rId8"/>
+    <p:sldLayoutId id="2147483669" r:id="rId9"/>
+    <p:sldLayoutId id="2147483670" r:id="rId10"/>
+    <p:sldLayoutId id="2147483671" r:id="rId11"/>
+    <p:sldLayoutId id="2147483672" r:id="rId12"/>
+    <p:sldLayoutId id="2147483673" r:id="rId13"/>
+    <p:sldLayoutId id="2147483674" r:id="rId14"/>
+    <p:sldLayoutId id="2147483675" r:id="rId15"/>
+    <p:sldLayoutId id="2147483676" r:id="rId16"/>
+    <p:sldLayoutId id="2147483677" r:id="rId17"/>
   </p:sldLayoutIdLst>
   <p:txStyles>
     <p:titleStyle>
@@ -3066,7 +7469,7 @@
           <a:spcPct val="0"/>
         </a:spcBef>
         <a:buNone/>
-        <a:defRPr sz="4400" kern="1200">
+        <a:defRPr sz="3600" kern="1200">
           <a:solidFill>
             <a:schemeClr val="tx1"/>
           </a:solidFill>
@@ -3086,7 +7489,7 @@
         </a:spcBef>
         <a:buFont typeface="Arial" panose="020B0604020202020204" pitchFamily="34" charset="0"/>
         <a:buChar char="•"/>
-        <a:defRPr sz="2800" kern="1200">
+        <a:defRPr sz="2400" kern="1200">
           <a:solidFill>
             <a:schemeClr val="tx1"/>
           </a:solidFill>
@@ -3104,7 +7507,7 @@
         </a:spcBef>
         <a:buFont typeface="Arial" panose="020B0604020202020204" pitchFamily="34" charset="0"/>
         <a:buChar char="•"/>
-        <a:defRPr sz="2400" kern="1200">
+        <a:defRPr sz="2000" kern="1200">
           <a:solidFill>
             <a:schemeClr val="tx1"/>
           </a:solidFill>
@@ -3122,7 +7525,7 @@
         </a:spcBef>
         <a:buFont typeface="Arial" panose="020B0604020202020204" pitchFamily="34" charset="0"/>
         <a:buChar char="•"/>
-        <a:defRPr sz="2000" kern="1200">
+        <a:defRPr sz="1800" kern="1200">
           <a:solidFill>
             <a:schemeClr val="tx1"/>
           </a:solidFill>
@@ -3140,7 +7543,7 @@
         </a:spcBef>
         <a:buFont typeface="Arial" panose="020B0604020202020204" pitchFamily="34" charset="0"/>
         <a:buChar char="•"/>
-        <a:defRPr sz="1800" kern="1200">
+        <a:defRPr sz="1600" kern="1200">
           <a:solidFill>
             <a:schemeClr val="tx1"/>
           </a:solidFill>
@@ -3158,7 +7561,7 @@
         </a:spcBef>
         <a:buFont typeface="Arial" panose="020B0604020202020204" pitchFamily="34" charset="0"/>
         <a:buChar char="•"/>
-        <a:defRPr sz="1800" kern="1200">
+        <a:defRPr sz="1600" kern="1200">
           <a:solidFill>
             <a:schemeClr val="tx1"/>
           </a:solidFill>
@@ -3176,7 +7579,7 @@
         </a:spcBef>
         <a:buFont typeface="Arial" panose="020B0604020202020204" pitchFamily="34" charset="0"/>
         <a:buChar char="•"/>
-        <a:defRPr sz="1800" kern="1200">
+        <a:defRPr sz="1400" kern="1200">
           <a:solidFill>
             <a:schemeClr val="tx1"/>
           </a:solidFill>
@@ -3194,7 +7597,7 @@
         </a:spcBef>
         <a:buFont typeface="Arial" panose="020B0604020202020204" pitchFamily="34" charset="0"/>
         <a:buChar char="•"/>
-        <a:defRPr sz="1800" kern="1200">
+        <a:defRPr sz="1400" kern="1200">
           <a:solidFill>
             <a:schemeClr val="tx1"/>
           </a:solidFill>
@@ -3212,7 +7615,7 @@
         </a:spcBef>
         <a:buFont typeface="Arial" panose="020B0604020202020204" pitchFamily="34" charset="0"/>
         <a:buChar char="•"/>
-        <a:defRPr sz="1800" kern="1200">
+        <a:defRPr sz="1400" kern="1200">
           <a:solidFill>
             <a:schemeClr val="tx1"/>
           </a:solidFill>
@@ -3230,7 +7633,7 @@
         </a:spcBef>
         <a:buFont typeface="Arial" panose="020B0604020202020204" pitchFamily="34" charset="0"/>
         <a:buChar char="•"/>
-        <a:defRPr sz="1800" kern="1200">
+        <a:defRPr sz="1400" kern="1200">
           <a:solidFill>
             <a:schemeClr val="tx1"/>
           </a:solidFill>
@@ -3242,7 +7645,7 @@
     </p:bodyStyle>
     <p:otherStyle>
       <a:defPPr>
-        <a:defRPr lang="de-DE"/>
+        <a:defRPr lang="en-US"/>
       </a:defPPr>
       <a:lvl1pPr marL="0" algn="l" defTabSz="914400" rtl="0" eaLnBrk="1" latinLnBrk="0" hangingPunct="1">
         <a:defRPr sz="1800" kern="1200">
@@ -3424,13 +7827,13 @@
   <p:clrMapOvr>
     <a:masterClrMapping/>
   </p:clrMapOvr>
-  <mc:AlternateContent xmlns:mc="http://schemas.openxmlformats.org/markup-compatibility/2006">
-    <mc:Choice xmlns:p14="http://schemas.microsoft.com/office/powerpoint/2010/main" Requires="p14">
+  <mc:AlternateContent xmlns:mc="http://schemas.openxmlformats.org/markup-compatibility/2006" xmlns:p14="http://schemas.microsoft.com/office/powerpoint/2010/main">
+    <mc:Choice Requires="p14">
       <p:transition spd="slow" p14:dur="3900">
         <p14:glitter pattern="hexagon"/>
       </p:transition>
     </mc:Choice>
-    <mc:Fallback>
+    <mc:Fallback xmlns="">
       <p:transition spd="slow">
         <p:fade/>
       </p:transition>
@@ -3461,7 +7864,7 @@
           <p:cNvPr id="2" name="Titel 1">
             <a:extLst>
               <a:ext uri="{FF2B5EF4-FFF2-40B4-BE49-F238E27FC236}">
-                <a16:creationId xmlns:a16="http://schemas.microsoft.com/office/drawing/2014/main" id="{BCB6F542-6AFA-4D46-95C4-E3DCFD5247E0}"/>
+                <a16:creationId xmlns:a16="http://schemas.microsoft.com/office/drawing/2014/main" id="{6450665F-7FAD-4084-AF53-73121572FDB5}"/>
               </a:ext>
             </a:extLst>
           </p:cNvPr>
@@ -3486,7 +7889,7 @@
           <p:cNvPr id="5" name="Inhaltsplatzhalter 4">
             <a:extLst>
               <a:ext uri="{FF2B5EF4-FFF2-40B4-BE49-F238E27FC236}">
-                <a16:creationId xmlns:a16="http://schemas.microsoft.com/office/drawing/2014/main" id="{FE543E08-D3F1-4E03-BD74-3BC81BD100A4}"/>
+                <a16:creationId xmlns:a16="http://schemas.microsoft.com/office/drawing/2014/main" id="{A6AE2A13-120F-4291-8B26-55B2B62912FD}"/>
               </a:ext>
             </a:extLst>
           </p:cNvPr>
@@ -3511,8 +7914,212 @@
         </p:blipFill>
         <p:spPr>
           <a:xfrm>
-            <a:off x="998621" y="512731"/>
-            <a:ext cx="10070432" cy="5683059"/>
+            <a:off x="0" y="0"/>
+            <a:ext cx="11006918" cy="6295624"/>
+          </a:xfrm>
+        </p:spPr>
+      </p:pic>
+    </p:spTree>
+    <p:extLst>
+      <p:ext uri="{BB962C8B-B14F-4D97-AF65-F5344CB8AC3E}">
+        <p14:creationId xmlns:p14="http://schemas.microsoft.com/office/powerpoint/2010/main" val="1548174497"/>
+      </p:ext>
+    </p:extLst>
+  </p:cSld>
+  <p:clrMapOvr>
+    <a:masterClrMapping/>
+  </p:clrMapOvr>
+  <mc:AlternateContent xmlns:mc="http://schemas.openxmlformats.org/markup-compatibility/2006" xmlns:p14="http://schemas.microsoft.com/office/powerpoint/2010/main">
+    <mc:Choice Requires="p14">
+      <p:transition spd="slow" p14:dur="1250">
+        <p14:flip dir="r"/>
+      </p:transition>
+    </mc:Choice>
+    <mc:Fallback xmlns="">
+      <p:transition spd="slow">
+        <p:fade/>
+      </p:transition>
+    </mc:Fallback>
+  </mc:AlternateContent>
+</p:sld>
+</file>
+
+<file path=ppt/slides/slide11.xml><?xml version="1.0" encoding="utf-8"?>
+<p:sld xmlns:a="http://schemas.openxmlformats.org/drawingml/2006/main" xmlns:r="http://schemas.openxmlformats.org/officeDocument/2006/relationships" xmlns:p="http://schemas.openxmlformats.org/presentationml/2006/main">
+  <p:cSld>
+    <p:spTree>
+      <p:nvGrpSpPr>
+        <p:cNvPr id="1" name=""/>
+        <p:cNvGrpSpPr/>
+        <p:nvPr/>
+      </p:nvGrpSpPr>
+      <p:grpSpPr>
+        <a:xfrm>
+          <a:off x="0" y="0"/>
+          <a:ext cx="0" cy="0"/>
+          <a:chOff x="0" y="0"/>
+          <a:chExt cx="0" cy="0"/>
+        </a:xfrm>
+      </p:grpSpPr>
+      <p:sp>
+        <p:nvSpPr>
+          <p:cNvPr id="2" name="Titel 1">
+            <a:extLst>
+              <a:ext uri="{FF2B5EF4-FFF2-40B4-BE49-F238E27FC236}">
+                <a16:creationId xmlns:a16="http://schemas.microsoft.com/office/drawing/2014/main" id="{9F021D86-E625-4D0F-AF5F-BF2713746228}"/>
+              </a:ext>
+            </a:extLst>
+          </p:cNvPr>
+          <p:cNvSpPr>
+            <a:spLocks noGrp="1"/>
+          </p:cNvSpPr>
+          <p:nvPr>
+            <p:ph type="title"/>
+          </p:nvPr>
+        </p:nvSpPr>
+        <p:spPr/>
+        <p:txBody>
+          <a:bodyPr/>
+          <a:lstStyle/>
+          <a:p>
+            <a:endParaRPr lang="de-DE"/>
+          </a:p>
+        </p:txBody>
+      </p:sp>
+      <p:pic>
+        <p:nvPicPr>
+          <p:cNvPr id="5" name="Inhaltsplatzhalter 4">
+            <a:extLst>
+              <a:ext uri="{FF2B5EF4-FFF2-40B4-BE49-F238E27FC236}">
+                <a16:creationId xmlns:a16="http://schemas.microsoft.com/office/drawing/2014/main" id="{A9218034-ED36-41C4-A7C7-647BBD36DA5E}"/>
+              </a:ext>
+            </a:extLst>
+          </p:cNvPr>
+          <p:cNvPicPr>
+            <a:picLocks noGrp="1" noChangeAspect="1"/>
+          </p:cNvPicPr>
+          <p:nvPr>
+            <p:ph idx="1"/>
+          </p:nvPr>
+        </p:nvPicPr>
+        <p:blipFill>
+          <a:blip r:embed="rId2">
+            <a:extLst>
+              <a:ext uri="{28A0092B-C50C-407E-A947-70E740481C1C}">
+                <a14:useLocalDpi xmlns:a14="http://schemas.microsoft.com/office/drawing/2010/main" val="0"/>
+              </a:ext>
+            </a:extLst>
+          </a:blip>
+          <a:stretch>
+            <a:fillRect/>
+          </a:stretch>
+        </p:blipFill>
+        <p:spPr>
+          <a:xfrm>
+            <a:off x="10792" y="0"/>
+            <a:ext cx="11500887" cy="6135745"/>
+          </a:xfrm>
+        </p:spPr>
+      </p:pic>
+    </p:spTree>
+    <p:extLst>
+      <p:ext uri="{BB962C8B-B14F-4D97-AF65-F5344CB8AC3E}">
+        <p14:creationId xmlns:p14="http://schemas.microsoft.com/office/powerpoint/2010/main" val="3373315806"/>
+      </p:ext>
+    </p:extLst>
+  </p:cSld>
+  <p:clrMapOvr>
+    <a:masterClrMapping/>
+  </p:clrMapOvr>
+  <mc:AlternateContent xmlns:mc="http://schemas.openxmlformats.org/markup-compatibility/2006" xmlns:p15="http://schemas.microsoft.com/office/powerpoint/2012/main">
+    <mc:Choice Requires="p15">
+      <p:transition xmlns:p14="http://schemas.microsoft.com/office/powerpoint/2010/main" spd="slow" p14:dur="2000">
+        <p15:prstTrans prst="fracture"/>
+      </p:transition>
+    </mc:Choice>
+    <mc:Fallback xmlns="">
+      <p:transition spd="slow">
+        <p:fade/>
+      </p:transition>
+    </mc:Fallback>
+  </mc:AlternateContent>
+</p:sld>
+</file>
+
+<file path=ppt/slides/slide12.xml><?xml version="1.0" encoding="utf-8"?>
+<p:sld xmlns:a="http://schemas.openxmlformats.org/drawingml/2006/main" xmlns:r="http://schemas.openxmlformats.org/officeDocument/2006/relationships" xmlns:p="http://schemas.openxmlformats.org/presentationml/2006/main">
+  <p:cSld>
+    <p:spTree>
+      <p:nvGrpSpPr>
+        <p:cNvPr id="1" name=""/>
+        <p:cNvGrpSpPr/>
+        <p:nvPr/>
+      </p:nvGrpSpPr>
+      <p:grpSpPr>
+        <a:xfrm>
+          <a:off x="0" y="0"/>
+          <a:ext cx="0" cy="0"/>
+          <a:chOff x="0" y="0"/>
+          <a:chExt cx="0" cy="0"/>
+        </a:xfrm>
+      </p:grpSpPr>
+      <p:sp>
+        <p:nvSpPr>
+          <p:cNvPr id="2" name="Titel 1">
+            <a:extLst>
+              <a:ext uri="{FF2B5EF4-FFF2-40B4-BE49-F238E27FC236}">
+                <a16:creationId xmlns:a16="http://schemas.microsoft.com/office/drawing/2014/main" id="{BCB6F542-6AFA-4D46-95C4-E3DCFD5247E0}"/>
+              </a:ext>
+            </a:extLst>
+          </p:cNvPr>
+          <p:cNvSpPr>
+            <a:spLocks noGrp="1"/>
+          </p:cNvSpPr>
+          <p:nvPr>
+            <p:ph type="title"/>
+          </p:nvPr>
+        </p:nvSpPr>
+        <p:spPr/>
+        <p:txBody>
+          <a:bodyPr/>
+          <a:lstStyle/>
+          <a:p>
+            <a:endParaRPr lang="de-DE"/>
+          </a:p>
+        </p:txBody>
+      </p:sp>
+      <p:pic>
+        <p:nvPicPr>
+          <p:cNvPr id="5" name="Inhaltsplatzhalter 4">
+            <a:extLst>
+              <a:ext uri="{FF2B5EF4-FFF2-40B4-BE49-F238E27FC236}">
+                <a16:creationId xmlns:a16="http://schemas.microsoft.com/office/drawing/2014/main" id="{FE543E08-D3F1-4E03-BD74-3BC81BD100A4}"/>
+              </a:ext>
+            </a:extLst>
+          </p:cNvPr>
+          <p:cNvPicPr>
+            <a:picLocks noGrp="1" noChangeAspect="1"/>
+          </p:cNvPicPr>
+          <p:nvPr>
+            <p:ph idx="1"/>
+          </p:nvPr>
+        </p:nvPicPr>
+        <p:blipFill>
+          <a:blip r:embed="rId2">
+            <a:extLst>
+              <a:ext uri="{28A0092B-C50C-407E-A947-70E740481C1C}">
+                <a14:useLocalDpi xmlns:a14="http://schemas.microsoft.com/office/drawing/2010/main" val="0"/>
+              </a:ext>
+            </a:extLst>
+          </a:blip>
+          <a:stretch>
+            <a:fillRect/>
+          </a:stretch>
+        </p:blipFill>
+        <p:spPr>
+          <a:xfrm>
+            <a:off x="0" y="41485"/>
+            <a:ext cx="10744200" cy="6063287"/>
           </a:xfrm>
         </p:spPr>
       </p:pic>
@@ -3526,13 +8133,13 @@
   <p:clrMapOvr>
     <a:masterClrMapping/>
   </p:clrMapOvr>
-  <mc:AlternateContent xmlns:mc="http://schemas.openxmlformats.org/markup-compatibility/2006">
-    <mc:Choice xmlns:p15="http://schemas.microsoft.com/office/powerpoint/2012/main" Requires="p15">
+  <mc:AlternateContent xmlns:mc="http://schemas.openxmlformats.org/markup-compatibility/2006" xmlns:p15="http://schemas.microsoft.com/office/powerpoint/2012/main">
+    <mc:Choice Requires="p15">
       <p:transition xmlns:p14="http://schemas.microsoft.com/office/powerpoint/2010/main" spd="slow" p14:dur="3250">
         <p15:prstTrans prst="origami"/>
       </p:transition>
     </mc:Choice>
-    <mc:Fallback>
+    <mc:Fallback xmlns="">
       <p:transition spd="slow">
         <p:fade/>
       </p:transition>
@@ -3611,7 +8218,7 @@
         </p:blipFill>
         <p:spPr>
           <a:xfrm>
-            <a:off x="838199" y="3615070"/>
+            <a:off x="838200" y="4296409"/>
             <a:ext cx="6387805" cy="2284290"/>
           </a:xfrm>
         </p:spPr>
@@ -3638,7 +8245,7 @@
         </p:blipFill>
         <p:spPr>
           <a:xfrm>
-            <a:off x="838200" y="1419446"/>
+            <a:off x="817580" y="2024691"/>
             <a:ext cx="6408425" cy="2081193"/>
           </a:xfrm>
           <a:prstGeom prst="rect">
@@ -3656,13 +8263,13 @@
   <p:clrMapOvr>
     <a:masterClrMapping/>
   </p:clrMapOvr>
-  <mc:AlternateContent xmlns:mc="http://schemas.openxmlformats.org/markup-compatibility/2006">
-    <mc:Choice xmlns:p14="http://schemas.microsoft.com/office/powerpoint/2010/main" Requires="p14">
+  <mc:AlternateContent xmlns:mc="http://schemas.openxmlformats.org/markup-compatibility/2006" xmlns:p14="http://schemas.microsoft.com/office/powerpoint/2010/main">
+    <mc:Choice Requires="p14">
       <p:transition spd="slow" p14:dur="4000">
         <p14:vortex dir="r"/>
       </p:transition>
     </mc:Choice>
-    <mc:Fallback>
+    <mc:Fallback xmlns="">
       <p:transition spd="slow">
         <p:fade/>
       </p:transition>
@@ -3737,8 +8344,8 @@
         </p:blipFill>
         <p:spPr>
           <a:xfrm>
-            <a:off x="838200" y="445555"/>
-            <a:ext cx="6104913" cy="1919069"/>
+            <a:off x="680321" y="340350"/>
+            <a:ext cx="6597669" cy="2073966"/>
           </a:xfrm>
         </p:spPr>
       </p:pic>
@@ -3764,8 +8371,8 @@
         </p:blipFill>
         <p:spPr>
           <a:xfrm>
-            <a:off x="838200" y="2466319"/>
-            <a:ext cx="6301563" cy="2080259"/>
+            <a:off x="680321" y="2443503"/>
+            <a:ext cx="6439790" cy="2125890"/>
           </a:xfrm>
           <a:prstGeom prst="rect">
             <a:avLst/>
@@ -3794,8 +8401,8 @@
         </p:blipFill>
         <p:spPr>
           <a:xfrm>
-            <a:off x="838200" y="4598581"/>
-            <a:ext cx="6185062" cy="2023715"/>
+            <a:off x="737054" y="4598581"/>
+            <a:ext cx="6338644" cy="2073966"/>
           </a:xfrm>
           <a:prstGeom prst="rect">
             <a:avLst/>
@@ -3840,7 +8447,7 @@
           <p:cNvPr id="2" name="Titel 1">
             <a:extLst>
               <a:ext uri="{FF2B5EF4-FFF2-40B4-BE49-F238E27FC236}">
-                <a16:creationId xmlns:a16="http://schemas.microsoft.com/office/drawing/2014/main" id="{84F3EAA2-231B-CDDE-2470-0C256D260ED4}"/>
+                <a16:creationId xmlns:a16="http://schemas.microsoft.com/office/drawing/2014/main" id="{22018166-2957-483B-B5C8-ADEF9507E380}"/>
               </a:ext>
             </a:extLst>
           </p:cNvPr>
@@ -3853,74 +8460,33 @@
         </p:nvSpPr>
         <p:spPr>
           <a:xfrm>
-            <a:off x="838200" y="365125"/>
-            <a:ext cx="12192000" cy="5892800"/>
-          </a:xfrm>
-        </p:spPr>
-        <p:txBody>
-          <a:bodyPr/>
+            <a:off x="3085785" y="2935705"/>
+            <a:ext cx="12603394" cy="1879033"/>
+          </a:xfrm>
+        </p:spPr>
+        <p:txBody>
+          <a:bodyPr>
+            <a:normAutofit/>
+          </a:bodyPr>
           <a:lstStyle/>
           <a:p>
             <a:r>
-              <a:rPr lang="de-DE" dirty="0"/>
-              <a:t>Design &amp; Layout – Fortschritt bisher</a:t>
-            </a:r>
-            <a:endParaRPr lang="de-AT" dirty="0"/>
-          </a:p>
-        </p:txBody>
-      </p:sp>
-      <p:sp>
-        <p:nvSpPr>
-          <p:cNvPr id="3" name="Inhaltsplatzhalter 2">
-            <a:extLst>
-              <a:ext uri="{FF2B5EF4-FFF2-40B4-BE49-F238E27FC236}">
-                <a16:creationId xmlns:a16="http://schemas.microsoft.com/office/drawing/2014/main" id="{59C1786E-5C28-7657-0669-8C4A90125DD6}"/>
-              </a:ext>
-            </a:extLst>
-          </p:cNvPr>
-          <p:cNvSpPr>
-            <a:spLocks noGrp="1"/>
-          </p:cNvSpPr>
-          <p:nvPr>
-            <p:ph idx="1"/>
-          </p:nvPr>
-        </p:nvSpPr>
-        <p:spPr>
-          <a:xfrm>
-            <a:off x="838200" y="1825625"/>
-            <a:ext cx="10758488" cy="4503738"/>
-          </a:xfrm>
-        </p:spPr>
-        <p:txBody>
-          <a:bodyPr/>
-          <a:lstStyle/>
-          <a:p>
-            <a:endParaRPr lang="de-AT" dirty="0"/>
+              <a:rPr lang="de-DE" sz="8000" dirty="0"/>
+              <a:t>Datenbank</a:t>
+            </a:r>
           </a:p>
         </p:txBody>
       </p:sp>
     </p:spTree>
     <p:extLst>
       <p:ext uri="{BB962C8B-B14F-4D97-AF65-F5344CB8AC3E}">
-        <p14:creationId xmlns:p14="http://schemas.microsoft.com/office/powerpoint/2010/main" val="2728053487"/>
+        <p14:creationId xmlns:p14="http://schemas.microsoft.com/office/powerpoint/2010/main" val="4193934677"/>
       </p:ext>
     </p:extLst>
   </p:cSld>
   <p:clrMapOvr>
     <a:masterClrMapping/>
   </p:clrMapOvr>
-  <mc:AlternateContent xmlns:mc="http://schemas.openxmlformats.org/markup-compatibility/2006">
-    <mc:Choice xmlns:p15="http://schemas.microsoft.com/office/powerpoint/2012/main" Requires="p15">
-      <p:transition xmlns:p14="http://schemas.microsoft.com/office/powerpoint/2010/main" spd="slow" p14:dur="1250">
-        <p15:prstTrans prst="pageCurlDouble"/>
-      </p:transition>
-    </mc:Choice>
-    <mc:Fallback>
-      <p:transition spd="slow">
-        <p:fade/>
-      </p:transition>
-    </mc:Fallback>
-  </mc:AlternateContent>
 </p:sld>
 </file>
 
@@ -3946,7 +8512,7 @@
           <p:cNvPr id="2" name="Titel 1">
             <a:extLst>
               <a:ext uri="{FF2B5EF4-FFF2-40B4-BE49-F238E27FC236}">
-                <a16:creationId xmlns:a16="http://schemas.microsoft.com/office/drawing/2014/main" id="{EC45CA99-AB6B-457B-8FDB-810A6A3B3761}"/>
+                <a16:creationId xmlns:a16="http://schemas.microsoft.com/office/drawing/2014/main" id="{9430D833-48E7-484E-9FEB-31CE902319EB}"/>
               </a:ext>
             </a:extLst>
           </p:cNvPr>
@@ -3962,81 +8528,45 @@
           <a:bodyPr/>
           <a:lstStyle/>
           <a:p>
-            <a:endParaRPr lang="de-DE" dirty="0"/>
-          </a:p>
-        </p:txBody>
-      </p:sp>
-      <p:pic>
-        <p:nvPicPr>
-          <p:cNvPr id="5" name="Inhaltsplatzhalter 4">
+            <a:endParaRPr lang="de-DE"/>
+          </a:p>
+        </p:txBody>
+      </p:sp>
+      <p:sp>
+        <p:nvSpPr>
+          <p:cNvPr id="3" name="Inhaltsplatzhalter 2">
             <a:extLst>
               <a:ext uri="{FF2B5EF4-FFF2-40B4-BE49-F238E27FC236}">
-                <a16:creationId xmlns:a16="http://schemas.microsoft.com/office/drawing/2014/main" id="{579C1371-6CE1-468E-998B-4A47AE0DABF1}"/>
+                <a16:creationId xmlns:a16="http://schemas.microsoft.com/office/drawing/2014/main" id="{E99A56FC-FD4A-43B1-989C-7881CEA50175}"/>
               </a:ext>
             </a:extLst>
           </p:cNvPr>
-          <p:cNvPicPr>
-            <a:picLocks noGrp="1" noChangeAspect="1"/>
-          </p:cNvPicPr>
+          <p:cNvSpPr>
+            <a:spLocks noGrp="1"/>
+          </p:cNvSpPr>
           <p:nvPr>
             <p:ph idx="1"/>
           </p:nvPr>
-        </p:nvPicPr>
-        <p:blipFill rotWithShape="1">
-          <a:blip r:embed="rId2">
-            <a:extLst>
-              <a:ext uri="{28A0092B-C50C-407E-A947-70E740481C1C}">
-                <a14:useLocalDpi xmlns:a14="http://schemas.microsoft.com/office/drawing/2010/main" val="0"/>
-              </a:ext>
-            </a:extLst>
-          </a:blip>
-          <a:srcRect l="13327" t="-704" r="13599" b="30521"/>
-          <a:stretch/>
-        </p:blipFill>
-        <p:spPr>
-          <a:xfrm>
-            <a:off x="1156746" y="930442"/>
-            <a:ext cx="10129200" cy="5197641"/>
-          </a:xfrm>
-          <a:prstGeom prst="rect">
-            <a:avLst/>
-          </a:prstGeom>
-          <a:ln w="88900" cap="sq" cmpd="thickThin">
-            <a:solidFill>
-              <a:srgbClr val="000000"/>
-            </a:solidFill>
-            <a:prstDash val="solid"/>
-            <a:miter lim="800000"/>
-          </a:ln>
-          <a:effectLst>
-            <a:innerShdw blurRad="76200">
-              <a:srgbClr val="000000"/>
-            </a:innerShdw>
-          </a:effectLst>
-        </p:spPr>
-      </p:pic>
+        </p:nvSpPr>
+        <p:spPr/>
+        <p:txBody>
+          <a:bodyPr/>
+          <a:lstStyle/>
+          <a:p>
+            <a:endParaRPr lang="de-DE"/>
+          </a:p>
+        </p:txBody>
+      </p:sp>
     </p:spTree>
     <p:extLst>
       <p:ext uri="{BB962C8B-B14F-4D97-AF65-F5344CB8AC3E}">
-        <p14:creationId xmlns:p14="http://schemas.microsoft.com/office/powerpoint/2010/main" val="2126868683"/>
+        <p14:creationId xmlns:p14="http://schemas.microsoft.com/office/powerpoint/2010/main" val="217074281"/>
       </p:ext>
     </p:extLst>
   </p:cSld>
   <p:clrMapOvr>
     <a:masterClrMapping/>
   </p:clrMapOvr>
-  <mc:AlternateContent xmlns:mc="http://schemas.openxmlformats.org/markup-compatibility/2006">
-    <mc:Choice xmlns:p159="http://schemas.microsoft.com/office/powerpoint/2015/09/main" Requires="p159">
-      <p:transition xmlns:p14="http://schemas.microsoft.com/office/powerpoint/2010/main" spd="slow" p14:dur="2000">
-        <p159:morph option="byObject"/>
-      </p:transition>
-    </mc:Choice>
-    <mc:Fallback>
-      <p:transition spd="slow">
-        <p:fade/>
-      </p:transition>
-    </mc:Fallback>
-  </mc:AlternateContent>
 </p:sld>
 </file>
 
@@ -4062,7 +8592,7 @@
           <p:cNvPr id="2" name="Titel 1">
             <a:extLst>
               <a:ext uri="{FF2B5EF4-FFF2-40B4-BE49-F238E27FC236}">
-                <a16:creationId xmlns:a16="http://schemas.microsoft.com/office/drawing/2014/main" id="{0D1DF171-DFF4-4BCD-8882-DB627EAEFDB0}"/>
+                <a16:creationId xmlns:a16="http://schemas.microsoft.com/office/drawing/2014/main" id="{84F3EAA2-231B-CDDE-2470-0C256D260ED4}"/>
               </a:ext>
             </a:extLst>
           </p:cNvPr>
@@ -4073,63 +8603,48 @@
             <p:ph type="title"/>
           </p:nvPr>
         </p:nvSpPr>
-        <p:spPr/>
-        <p:txBody>
-          <a:bodyPr/>
+        <p:spPr>
+          <a:xfrm>
+            <a:off x="838200" y="365125"/>
+            <a:ext cx="12192000" cy="5892800"/>
+          </a:xfrm>
+        </p:spPr>
+        <p:txBody>
+          <a:bodyPr>
+            <a:normAutofit/>
+          </a:bodyPr>
           <a:lstStyle/>
           <a:p>
-            <a:endParaRPr lang="de-DE"/>
-          </a:p>
-        </p:txBody>
-      </p:sp>
-      <p:pic>
-        <p:nvPicPr>
-          <p:cNvPr id="5" name="Inhaltsplatzhalter 4">
-            <a:extLst>
-              <a:ext uri="{FF2B5EF4-FFF2-40B4-BE49-F238E27FC236}">
-                <a16:creationId xmlns:a16="http://schemas.microsoft.com/office/drawing/2014/main" id="{A794218D-9A2F-45D9-B44E-FDB13C581925}"/>
-              </a:ext>
-            </a:extLst>
-          </p:cNvPr>
-          <p:cNvPicPr>
-            <a:picLocks noGrp="1" noChangeAspect="1"/>
-          </p:cNvPicPr>
-          <p:nvPr>
-            <p:ph idx="1"/>
-          </p:nvPr>
-        </p:nvPicPr>
-        <p:blipFill>
-          <a:blip r:embed="rId2">
-            <a:extLst>
-              <a:ext uri="{28A0092B-C50C-407E-A947-70E740481C1C}">
-                <a14:useLocalDpi xmlns:a14="http://schemas.microsoft.com/office/drawing/2010/main" val="0"/>
-              </a:ext>
-            </a:extLst>
-          </a:blip>
-          <a:stretch>
-            <a:fillRect/>
-          </a:stretch>
-        </p:blipFill>
-        <p:spPr>
-          <a:xfrm>
-            <a:off x="838201" y="365125"/>
-            <a:ext cx="10926412" cy="5685062"/>
-          </a:xfrm>
-        </p:spPr>
-      </p:pic>
+            <a:r>
+              <a:rPr lang="de-DE" sz="5400" dirty="0"/>
+              <a:t>Design &amp; Layout – Fortschritt bisher</a:t>
+            </a:r>
+            <a:endParaRPr lang="de-AT" sz="5400" dirty="0"/>
+          </a:p>
+        </p:txBody>
+      </p:sp>
     </p:spTree>
     <p:extLst>
       <p:ext uri="{BB962C8B-B14F-4D97-AF65-F5344CB8AC3E}">
-        <p14:creationId xmlns:p14="http://schemas.microsoft.com/office/powerpoint/2010/main" val="3872750919"/>
+        <p14:creationId xmlns:p14="http://schemas.microsoft.com/office/powerpoint/2010/main" val="2728053487"/>
       </p:ext>
     </p:extLst>
   </p:cSld>
   <p:clrMapOvr>
     <a:masterClrMapping/>
   </p:clrMapOvr>
-  <p:transition spd="slow">
-    <p:push dir="u"/>
-  </p:transition>
+  <mc:AlternateContent xmlns:mc="http://schemas.openxmlformats.org/markup-compatibility/2006" xmlns:p15="http://schemas.microsoft.com/office/powerpoint/2012/main">
+    <mc:Choice Requires="p15">
+      <p:transition xmlns:p14="http://schemas.microsoft.com/office/powerpoint/2010/main" spd="slow" p14:dur="1250">
+        <p15:prstTrans prst="pageCurlDouble"/>
+      </p:transition>
+    </mc:Choice>
+    <mc:Fallback xmlns="">
+      <p:transition spd="slow">
+        <p:fade/>
+      </p:transition>
+    </mc:Fallback>
+  </mc:AlternateContent>
 </p:sld>
 </file>
 
@@ -4155,7 +8670,7 @@
           <p:cNvPr id="2" name="Titel 1">
             <a:extLst>
               <a:ext uri="{FF2B5EF4-FFF2-40B4-BE49-F238E27FC236}">
-                <a16:creationId xmlns:a16="http://schemas.microsoft.com/office/drawing/2014/main" id="{422C0F4D-26B8-4E94-BF44-9CFFF0BBB3C3}"/>
+                <a16:creationId xmlns:a16="http://schemas.microsoft.com/office/drawing/2014/main" id="{EC45CA99-AB6B-457B-8FDB-810A6A3B3761}"/>
               </a:ext>
             </a:extLst>
           </p:cNvPr>
@@ -4171,19 +8686,16 @@
           <a:bodyPr/>
           <a:lstStyle/>
           <a:p>
-            <a:r>
-              <a:rPr lang="de-DE" dirty="0"/>
-              <a:t>Menü</a:t>
-            </a:r>
+            <a:endParaRPr lang="de-DE" dirty="0"/>
           </a:p>
         </p:txBody>
       </p:sp>
       <p:pic>
         <p:nvPicPr>
-          <p:cNvPr id="4" name="Inhaltsplatzhalter 3">
+          <p:cNvPr id="5" name="Inhaltsplatzhalter 4">
             <a:extLst>
               <a:ext uri="{FF2B5EF4-FFF2-40B4-BE49-F238E27FC236}">
-                <a16:creationId xmlns:a16="http://schemas.microsoft.com/office/drawing/2014/main" id="{8A7083F3-0F6E-40C5-84D4-2D79FCCBA5EE}"/>
+                <a16:creationId xmlns:a16="http://schemas.microsoft.com/office/drawing/2014/main" id="{579C1371-6CE1-468E-998B-4A47AE0DABF1}"/>
               </a:ext>
             </a:extLst>
           </p:cNvPr>
@@ -4194,7 +8706,7 @@
             <p:ph idx="1"/>
           </p:nvPr>
         </p:nvPicPr>
-        <p:blipFill>
+        <p:blipFill rotWithShape="1">
           <a:blip r:embed="rId2">
             <a:extLst>
               <a:ext uri="{28A0092B-C50C-407E-A947-70E740481C1C}">
@@ -4202,37 +8714,48 @@
               </a:ext>
             </a:extLst>
           </a:blip>
-          <a:stretch>
-            <a:fillRect/>
-          </a:stretch>
+          <a:srcRect l="13327" t="-704" r="13599" b="30521"/>
+          <a:stretch/>
         </p:blipFill>
         <p:spPr>
           <a:xfrm>
-            <a:off x="2392522" y="1666962"/>
-            <a:ext cx="6222089" cy="4825913"/>
+            <a:off x="0" y="0"/>
+            <a:ext cx="11303027" cy="5799972"/>
           </a:xfrm>
           <a:prstGeom prst="rect">
             <a:avLst/>
           </a:prstGeom>
+          <a:ln w="88900" cap="sq" cmpd="thickThin">
+            <a:solidFill>
+              <a:srgbClr val="000000"/>
+            </a:solidFill>
+            <a:prstDash val="solid"/>
+            <a:miter lim="800000"/>
+          </a:ln>
+          <a:effectLst>
+            <a:innerShdw blurRad="76200">
+              <a:srgbClr val="000000"/>
+            </a:innerShdw>
+          </a:effectLst>
         </p:spPr>
       </p:pic>
     </p:spTree>
     <p:extLst>
       <p:ext uri="{BB962C8B-B14F-4D97-AF65-F5344CB8AC3E}">
-        <p14:creationId xmlns:p14="http://schemas.microsoft.com/office/powerpoint/2010/main" val="2886172156"/>
+        <p14:creationId xmlns:p14="http://schemas.microsoft.com/office/powerpoint/2010/main" val="2126868683"/>
       </p:ext>
     </p:extLst>
   </p:cSld>
   <p:clrMapOvr>
     <a:masterClrMapping/>
   </p:clrMapOvr>
-  <mc:AlternateContent xmlns:mc="http://schemas.openxmlformats.org/markup-compatibility/2006">
-    <mc:Choice xmlns:p15="http://schemas.microsoft.com/office/powerpoint/2012/main" Requires="p15">
+  <mc:AlternateContent xmlns:mc="http://schemas.openxmlformats.org/markup-compatibility/2006" xmlns:p159="http://schemas.microsoft.com/office/powerpoint/2015/09/main">
+    <mc:Choice Requires="p159">
       <p:transition xmlns:p14="http://schemas.microsoft.com/office/powerpoint/2010/main" spd="slow" p14:dur="2000">
-        <p15:prstTrans prst="wind"/>
+        <p159:morph option="byObject"/>
       </p:transition>
     </mc:Choice>
-    <mc:Fallback>
+    <mc:Fallback xmlns="">
       <p:transition spd="slow">
         <p:fade/>
       </p:transition>
@@ -4263,7 +8786,7 @@
           <p:cNvPr id="2" name="Titel 1">
             <a:extLst>
               <a:ext uri="{FF2B5EF4-FFF2-40B4-BE49-F238E27FC236}">
-                <a16:creationId xmlns:a16="http://schemas.microsoft.com/office/drawing/2014/main" id="{6450665F-7FAD-4084-AF53-73121572FDB5}"/>
+                <a16:creationId xmlns:a16="http://schemas.microsoft.com/office/drawing/2014/main" id="{0D1DF171-DFF4-4BCD-8882-DB627EAEFDB0}"/>
               </a:ext>
             </a:extLst>
           </p:cNvPr>
@@ -4288,7 +8811,7 @@
           <p:cNvPr id="5" name="Inhaltsplatzhalter 4">
             <a:extLst>
               <a:ext uri="{FF2B5EF4-FFF2-40B4-BE49-F238E27FC236}">
-                <a16:creationId xmlns:a16="http://schemas.microsoft.com/office/drawing/2014/main" id="{A6AE2A13-120F-4291-8B26-55B2B62912FD}"/>
+                <a16:creationId xmlns:a16="http://schemas.microsoft.com/office/drawing/2014/main" id="{A794218D-9A2F-45D9-B44E-FDB13C581925}"/>
               </a:ext>
             </a:extLst>
           </p:cNvPr>
@@ -4313,33 +8836,24 @@
         </p:blipFill>
         <p:spPr>
           <a:xfrm>
-            <a:off x="992577" y="478270"/>
-            <a:ext cx="10515600" cy="6014605"/>
+            <a:off x="0" y="-4011"/>
+            <a:ext cx="11546304" cy="6007595"/>
           </a:xfrm>
         </p:spPr>
       </p:pic>
     </p:spTree>
     <p:extLst>
       <p:ext uri="{BB962C8B-B14F-4D97-AF65-F5344CB8AC3E}">
-        <p14:creationId xmlns:p14="http://schemas.microsoft.com/office/powerpoint/2010/main" val="1548174497"/>
+        <p14:creationId xmlns:p14="http://schemas.microsoft.com/office/powerpoint/2010/main" val="3872750919"/>
       </p:ext>
     </p:extLst>
   </p:cSld>
   <p:clrMapOvr>
     <a:masterClrMapping/>
   </p:clrMapOvr>
-  <mc:AlternateContent xmlns:mc="http://schemas.openxmlformats.org/markup-compatibility/2006">
-    <mc:Choice xmlns:p14="http://schemas.microsoft.com/office/powerpoint/2010/main" Requires="p14">
-      <p:transition spd="slow" p14:dur="1250">
-        <p14:flip dir="r"/>
-      </p:transition>
-    </mc:Choice>
-    <mc:Fallback>
-      <p:transition spd="slow">
-        <p:fade/>
-      </p:transition>
-    </mc:Fallback>
-  </mc:AlternateContent>
+  <p:transition spd="slow">
+    <p:push dir="u"/>
+  </p:transition>
 </p:sld>
 </file>
 
@@ -4365,7 +8879,7 @@
           <p:cNvPr id="2" name="Titel 1">
             <a:extLst>
               <a:ext uri="{FF2B5EF4-FFF2-40B4-BE49-F238E27FC236}">
-                <a16:creationId xmlns:a16="http://schemas.microsoft.com/office/drawing/2014/main" id="{9F021D86-E625-4D0F-AF5F-BF2713746228}"/>
+                <a16:creationId xmlns:a16="http://schemas.microsoft.com/office/drawing/2014/main" id="{422C0F4D-26B8-4E94-BF44-9CFFF0BBB3C3}"/>
               </a:ext>
             </a:extLst>
           </p:cNvPr>
@@ -4381,16 +8895,19 @@
           <a:bodyPr/>
           <a:lstStyle/>
           <a:p>
-            <a:endParaRPr lang="de-DE"/>
+            <a:r>
+              <a:rPr lang="de-DE" dirty="0"/>
+              <a:t>Menü</a:t>
+            </a:r>
           </a:p>
         </p:txBody>
       </p:sp>
       <p:pic>
         <p:nvPicPr>
-          <p:cNvPr id="5" name="Inhaltsplatzhalter 4">
+          <p:cNvPr id="4" name="Inhaltsplatzhalter 3">
             <a:extLst>
               <a:ext uri="{FF2B5EF4-FFF2-40B4-BE49-F238E27FC236}">
-                <a16:creationId xmlns:a16="http://schemas.microsoft.com/office/drawing/2014/main" id="{A9218034-ED36-41C4-A7C7-647BBD36DA5E}"/>
+                <a16:creationId xmlns:a16="http://schemas.microsoft.com/office/drawing/2014/main" id="{8A7083F3-0F6E-40C5-84D4-2D79FCCBA5EE}"/>
               </a:ext>
             </a:extLst>
           </p:cNvPr>
@@ -4415,28 +8932,31 @@
         </p:blipFill>
         <p:spPr>
           <a:xfrm>
-            <a:off x="578818" y="365125"/>
-            <a:ext cx="11034364" cy="5886854"/>
-          </a:xfrm>
+            <a:off x="2392522" y="1666962"/>
+            <a:ext cx="6222089" cy="4825913"/>
+          </a:xfrm>
+          <a:prstGeom prst="rect">
+            <a:avLst/>
+          </a:prstGeom>
         </p:spPr>
       </p:pic>
     </p:spTree>
     <p:extLst>
       <p:ext uri="{BB962C8B-B14F-4D97-AF65-F5344CB8AC3E}">
-        <p14:creationId xmlns:p14="http://schemas.microsoft.com/office/powerpoint/2010/main" val="3373315806"/>
+        <p14:creationId xmlns:p14="http://schemas.microsoft.com/office/powerpoint/2010/main" val="2886172156"/>
       </p:ext>
     </p:extLst>
   </p:cSld>
   <p:clrMapOvr>
     <a:masterClrMapping/>
   </p:clrMapOvr>
-  <mc:AlternateContent xmlns:mc="http://schemas.openxmlformats.org/markup-compatibility/2006">
-    <mc:Choice xmlns:p15="http://schemas.microsoft.com/office/powerpoint/2012/main" Requires="p15">
+  <mc:AlternateContent xmlns:mc="http://schemas.openxmlformats.org/markup-compatibility/2006" xmlns:p15="http://schemas.microsoft.com/office/powerpoint/2012/main">
+    <mc:Choice Requires="p15">
       <p:transition xmlns:p14="http://schemas.microsoft.com/office/powerpoint/2010/main" spd="slow" p14:dur="2000">
-        <p15:prstTrans prst="fracture"/>
+        <p15:prstTrans prst="wind"/>
       </p:transition>
     </mc:Choice>
-    <mc:Fallback>
+    <mc:Fallback xmlns="">
       <p:transition spd="slow">
         <p:fade/>
       </p:transition>
@@ -4446,9 +8966,9 @@
 </file>
 
 <file path=ppt/theme/theme1.xml><?xml version="1.0" encoding="utf-8"?>
-<a:theme xmlns:a="http://schemas.openxmlformats.org/drawingml/2006/main" name="Office">
+<a:theme xmlns:a="http://schemas.openxmlformats.org/drawingml/2006/main" name="Berlin">
   <a:themeElements>
-    <a:clrScheme name="Office">
+    <a:clrScheme name="Berlin">
       <a:dk1>
         <a:sysClr val="windowText" lastClr="000000"/>
       </a:dk1>
@@ -4456,44 +8976,44 @@
         <a:sysClr val="window" lastClr="FFFFFF"/>
       </a:lt1>
       <a:dk2>
-        <a:srgbClr val="44546A"/>
+        <a:srgbClr val="9D360E"/>
       </a:dk2>
       <a:lt2>
         <a:srgbClr val="E7E6E6"/>
       </a:lt2>
       <a:accent1>
-        <a:srgbClr val="4472C4"/>
+        <a:srgbClr val="F09415"/>
       </a:accent1>
       <a:accent2>
-        <a:srgbClr val="ED7D31"/>
+        <a:srgbClr val="C1B56B"/>
       </a:accent2>
       <a:accent3>
-        <a:srgbClr val="A5A5A5"/>
+        <a:srgbClr val="4BAF73"/>
       </a:accent3>
       <a:accent4>
-        <a:srgbClr val="FFC000"/>
+        <a:srgbClr val="5AA6C0"/>
       </a:accent4>
       <a:accent5>
-        <a:srgbClr val="5B9BD5"/>
+        <a:srgbClr val="D17DF9"/>
       </a:accent5>
       <a:accent6>
-        <a:srgbClr val="70AD47"/>
+        <a:srgbClr val="FA7E5C"/>
       </a:accent6>
       <a:hlink>
-        <a:srgbClr val="0563C1"/>
+        <a:srgbClr val="FFAE3E"/>
       </a:hlink>
       <a:folHlink>
-        <a:srgbClr val="954F72"/>
+        <a:srgbClr val="FCC77E"/>
       </a:folHlink>
     </a:clrScheme>
-    <a:fontScheme name="Office">
+    <a:fontScheme name="Berlin">
       <a:majorFont>
-        <a:latin typeface="Calibri Light" panose="020F0302020204030204"/>
+        <a:latin typeface="Trebuchet MS" panose="020B0603020202020204"/>
         <a:ea typeface=""/>
         <a:cs typeface=""/>
-        <a:font script="Jpan" typeface="游ゴシック Light"/>
+        <a:font script="Jpan" typeface="ＭＳ Ｐゴシック"/>
         <a:font script="Hang" typeface="맑은 고딕"/>
-        <a:font script="Hans" typeface="等线 Light"/>
+        <a:font script="Hans" typeface="宋体"/>
         <a:font script="Hant" typeface="新細明體"/>
         <a:font script="Arab" typeface="Times New Roman"/>
         <a:font script="Hebr" typeface="Times New Roman"/>
@@ -4521,31 +9041,14 @@
         <a:font script="Viet" typeface="Times New Roman"/>
         <a:font script="Uigh" typeface="Microsoft Uighur"/>
         <a:font script="Geor" typeface="Sylfaen"/>
-        <a:font script="Armn" typeface="Arial"/>
-        <a:font script="Bugi" typeface="Leelawadee UI"/>
-        <a:font script="Bopo" typeface="Microsoft JhengHei"/>
-        <a:font script="Java" typeface="Javanese Text"/>
-        <a:font script="Lisu" typeface="Segoe UI"/>
-        <a:font script="Mymr" typeface="Myanmar Text"/>
-        <a:font script="Nkoo" typeface="Ebrima"/>
-        <a:font script="Olck" typeface="Nirmala UI"/>
-        <a:font script="Osma" typeface="Ebrima"/>
-        <a:font script="Phag" typeface="Phagspa"/>
-        <a:font script="Syrn" typeface="Estrangelo Edessa"/>
-        <a:font script="Syrj" typeface="Estrangelo Edessa"/>
-        <a:font script="Syre" typeface="Estrangelo Edessa"/>
-        <a:font script="Sora" typeface="Nirmala UI"/>
-        <a:font script="Tale" typeface="Microsoft Tai Le"/>
-        <a:font script="Talu" typeface="Microsoft New Tai Lue"/>
-        <a:font script="Tfng" typeface="Ebrima"/>
       </a:majorFont>
       <a:minorFont>
-        <a:latin typeface="Calibri" panose="020F0502020204030204"/>
+        <a:latin typeface="Trebuchet MS" panose="020B0603020202020204"/>
         <a:ea typeface=""/>
         <a:cs typeface=""/>
-        <a:font script="Jpan" typeface="游ゴシック"/>
+        <a:font script="Jpan" typeface="ＭＳ Ｐゴシック"/>
         <a:font script="Hang" typeface="맑은 고딕"/>
-        <a:font script="Hans" typeface="等线"/>
+        <a:font script="Hans" typeface="宋体"/>
         <a:font script="Hant" typeface="新細明體"/>
         <a:font script="Arab" typeface="Arial"/>
         <a:font script="Hebr" typeface="Arial"/>
@@ -4573,26 +9076,9 @@
         <a:font script="Viet" typeface="Arial"/>
         <a:font script="Uigh" typeface="Microsoft Uighur"/>
         <a:font script="Geor" typeface="Sylfaen"/>
-        <a:font script="Armn" typeface="Arial"/>
-        <a:font script="Bugi" typeface="Leelawadee UI"/>
-        <a:font script="Bopo" typeface="Microsoft JhengHei"/>
-        <a:font script="Java" typeface="Javanese Text"/>
-        <a:font script="Lisu" typeface="Segoe UI"/>
-        <a:font script="Mymr" typeface="Myanmar Text"/>
-        <a:font script="Nkoo" typeface="Ebrima"/>
-        <a:font script="Olck" typeface="Nirmala UI"/>
-        <a:font script="Osma" typeface="Ebrima"/>
-        <a:font script="Phag" typeface="Phagspa"/>
-        <a:font script="Syrn" typeface="Estrangelo Edessa"/>
-        <a:font script="Syrj" typeface="Estrangelo Edessa"/>
-        <a:font script="Syre" typeface="Estrangelo Edessa"/>
-        <a:font script="Sora" typeface="Nirmala UI"/>
-        <a:font script="Tale" typeface="Microsoft Tai Le"/>
-        <a:font script="Talu" typeface="Microsoft New Tai Lue"/>
-        <a:font script="Tfng" typeface="Ebrima"/>
       </a:minorFont>
     </a:fontScheme>
-    <a:fmtScheme name="Office">
+    <a:fmtScheme name="Berlin">
       <a:fillStyleLst>
         <a:solidFill>
           <a:schemeClr val="phClr"/>
@@ -4601,23 +9087,16 @@
           <a:gsLst>
             <a:gs pos="0">
               <a:schemeClr val="phClr">
+                <a:tint val="60000"/>
+                <a:satMod val="100000"/>
                 <a:lumMod val="110000"/>
-                <a:satMod val="105000"/>
-                <a:tint val="67000"/>
-              </a:schemeClr>
-            </a:gs>
-            <a:gs pos="50000">
-              <a:schemeClr val="phClr">
-                <a:lumMod val="105000"/>
-                <a:satMod val="103000"/>
-                <a:tint val="73000"/>
               </a:schemeClr>
             </a:gs>
             <a:gs pos="100000">
               <a:schemeClr val="phClr">
-                <a:lumMod val="105000"/>
-                <a:satMod val="109000"/>
-                <a:tint val="81000"/>
+                <a:tint val="70000"/>
+                <a:satMod val="100000"/>
+                <a:lumMod val="100000"/>
               </a:schemeClr>
             </a:gs>
           </a:gsLst>
@@ -4627,23 +9106,23 @@
           <a:gsLst>
             <a:gs pos="0">
               <a:schemeClr val="phClr">
+                <a:tint val="94000"/>
                 <a:satMod val="103000"/>
                 <a:lumMod val="102000"/>
-                <a:tint val="94000"/>
               </a:schemeClr>
             </a:gs>
             <a:gs pos="50000">
               <a:schemeClr val="phClr">
+                <a:shade val="100000"/>
                 <a:satMod val="110000"/>
                 <a:lumMod val="100000"/>
-                <a:shade val="100000"/>
               </a:schemeClr>
             </a:gs>
             <a:gs pos="100000">
               <a:schemeClr val="phClr">
+                <a:shade val="78000"/>
+                <a:satMod val="120000"/>
                 <a:lumMod val="99000"/>
-                <a:satMod val="120000"/>
-                <a:shade val="78000"/>
               </a:schemeClr>
             </a:gs>
           </a:gsLst>
@@ -4651,26 +9130,23 @@
         </a:gradFill>
       </a:fillStyleLst>
       <a:lnStyleLst>
-        <a:ln w="6350" cap="flat" cmpd="sng" algn="ctr">
+        <a:ln w="9525" cap="flat" cmpd="sng" algn="ctr">
           <a:solidFill>
             <a:schemeClr val="phClr"/>
           </a:solidFill>
           <a:prstDash val="solid"/>
-          <a:miter lim="800000"/>
         </a:ln>
         <a:ln w="12700" cap="flat" cmpd="sng" algn="ctr">
           <a:solidFill>
             <a:schemeClr val="phClr"/>
           </a:solidFill>
           <a:prstDash val="solid"/>
-          <a:miter lim="800000"/>
         </a:ln>
         <a:ln w="19050" cap="flat" cmpd="sng" algn="ctr">
           <a:solidFill>
             <a:schemeClr val="phClr"/>
           </a:solidFill>
           <a:prstDash val="solid"/>
-          <a:miter lim="800000"/>
         </a:ln>
       </a:lnStyleLst>
       <a:effectStyleLst>
@@ -4704,28 +9180,31 @@
           <a:gsLst>
             <a:gs pos="0">
               <a:schemeClr val="phClr">
-                <a:tint val="93000"/>
-                <a:satMod val="150000"/>
-                <a:shade val="98000"/>
-                <a:lumMod val="102000"/>
+                <a:tint val="96000"/>
+                <a:shade val="100000"/>
+                <a:hueMod val="270000"/>
+                <a:satMod val="200000"/>
+                <a:lumMod val="128000"/>
               </a:schemeClr>
             </a:gs>
             <a:gs pos="50000">
               <a:schemeClr val="phClr">
-                <a:tint val="98000"/>
-                <a:satMod val="130000"/>
-                <a:shade val="90000"/>
-                <a:lumMod val="103000"/>
+                <a:shade val="100000"/>
+                <a:hueMod val="100000"/>
+                <a:satMod val="110000"/>
+                <a:lumMod val="130000"/>
               </a:schemeClr>
             </a:gs>
             <a:gs pos="100000">
               <a:schemeClr val="phClr">
-                <a:shade val="63000"/>
-                <a:satMod val="120000"/>
+                <a:shade val="78000"/>
+                <a:hueMod val="44000"/>
+                <a:satMod val="200000"/>
+                <a:lumMod val="69000"/>
               </a:schemeClr>
             </a:gs>
           </a:gsLst>
-          <a:lin ang="5400000" scaled="0"/>
+          <a:lin ang="2520000" scaled="0"/>
         </a:gradFill>
       </a:bgFillStyleLst>
     </a:fmtScheme>
@@ -4734,7 +9213,7 @@
   <a:extraClrSchemeLst/>
   <a:extLst>
     <a:ext uri="{05A4C25C-085E-4340-85A3-A5531E510DB2}">
-      <thm15:themeFamily xmlns:thm15="http://schemas.microsoft.com/office/thememl/2012/main" name="Office Theme" id="{62F939B6-93AF-4DB8-9C6B-D6C7DFDC589F}" vid="{4A3C46E8-61CC-4603-A589-7422A47A8E4A}"/>
+      <thm15:themeFamily xmlns:thm15="http://schemas.microsoft.com/office/thememl/2012/main" name="Berlin" id="{7B5DBA9E-B069-418E-9360-A61BDD0615A4}" vid="{C0CBE056-4EF4-4D92-969E-947779DA7AAA}"/>
     </a:ext>
   </a:extLst>
 </a:theme>
